--- a/LTI_RDBMS/CV/Normalization.pptx
+++ b/LTI_RDBMS/CV/Normalization.pptx
@@ -166,7 +166,7 @@
   </p:defaultTextStyle>
   <p:extLst>
     <p:ext uri="{EFAFB233-063F-42B5-8137-9DF3F51BA10A}">
-      <p15:sldGuideLst xmlns:p15="http://schemas.microsoft.com/office/powerpoint/2012/main"/>
+      <p15:sldGuideLst xmlns:p15="http://schemas.microsoft.com/office/powerpoint/2012/main" xmlns=""/>
     </p:ext>
   </p:extLst>
 </p:presentation>
@@ -254,7 +254,8 @@
           <a:p>
             <a:fld id="{5BE311DA-4B78-415A-8C6F-8FB7CBF1EA36}" type="datetimeFigureOut">
               <a:rPr lang="en-IN" smtClean="0"/>
-              <a:t>30/06/2022</a:t>
+              <a:pPr/>
+              <a:t>01/06/2024</a:t>
             </a:fld>
             <a:endParaRPr lang="en-IN"/>
           </a:p>
@@ -413,6 +414,7 @@
           <a:p>
             <a:fld id="{413F0763-6915-43A2-9427-1DE21068CFC5}" type="slidenum">
               <a:rPr lang="en-IN" smtClean="0"/>
+              <a:pPr/>
               <a:t>‹#›</a:t>
             </a:fld>
             <a:endParaRPr lang="en-IN"/>
@@ -422,7 +424,7 @@
     </p:spTree>
     <p:extLst>
       <p:ext uri="{BB962C8B-B14F-4D97-AF65-F5344CB8AC3E}">
-        <p14:creationId xmlns:p14="http://schemas.microsoft.com/office/powerpoint/2010/main" val="3864541799"/>
+        <p14:creationId xmlns:p14="http://schemas.microsoft.com/office/powerpoint/2010/main" xmlns="" val="3864541799"/>
       </p:ext>
     </p:extLst>
   </p:cSld>
@@ -544,7 +546,7 @@
           <p:cNvPr id="7" name="Rectangle 6">
             <a:extLst>
               <a:ext uri="{FF2B5EF4-FFF2-40B4-BE49-F238E27FC236}">
-                <a16:creationId xmlns:a16="http://schemas.microsoft.com/office/drawing/2014/main" id="{FB45BD54-D254-4322-AF58-CAE8257A3F82}"/>
+                <a16:creationId xmlns:a16="http://schemas.microsoft.com/office/drawing/2014/main" xmlns="" id="{FB45BD54-D254-4322-AF58-CAE8257A3F82}"/>
               </a:ext>
             </a:extLst>
           </p:cNvPr>
@@ -596,7 +598,7 @@
           <p:cNvPr id="8" name="Rectangle 7">
             <a:extLst>
               <a:ext uri="{FF2B5EF4-FFF2-40B4-BE49-F238E27FC236}">
-                <a16:creationId xmlns:a16="http://schemas.microsoft.com/office/drawing/2014/main" id="{F10DB2E3-BEBB-417E-9A38-25C15BFBA35A}"/>
+                <a16:creationId xmlns:a16="http://schemas.microsoft.com/office/drawing/2014/main" xmlns="" id="{F10DB2E3-BEBB-417E-9A38-25C15BFBA35A}"/>
               </a:ext>
             </a:extLst>
           </p:cNvPr>
@@ -653,7 +655,7 @@
           <p:cNvPr id="9" name="Picture 8">
             <a:extLst>
               <a:ext uri="{FF2B5EF4-FFF2-40B4-BE49-F238E27FC236}">
-                <a16:creationId xmlns:a16="http://schemas.microsoft.com/office/drawing/2014/main" id="{D263A75F-78DF-42A9-BC21-1C7D5E55C115}"/>
+                <a16:creationId xmlns:a16="http://schemas.microsoft.com/office/drawing/2014/main" xmlns="" id="{D263A75F-78DF-42A9-BC21-1C7D5E55C115}"/>
               </a:ext>
             </a:extLst>
           </p:cNvPr>
@@ -663,11 +665,11 @@
           <p:nvPr/>
         </p:nvPicPr>
         <p:blipFill>
-          <a:blip r:embed="rId2">
+          <a:blip r:embed="rId2" cstate="print">
             <a:biLevel thresh="25000"/>
             <a:extLst>
               <a:ext uri="{28A0092B-C50C-407E-A947-70E740481C1C}">
-                <a14:useLocalDpi xmlns:a14="http://schemas.microsoft.com/office/drawing/2010/main" val="0"/>
+                <a14:useLocalDpi xmlns:a14="http://schemas.microsoft.com/office/drawing/2010/main" xmlns="" val="0"/>
               </a:ext>
             </a:extLst>
           </a:blip>
@@ -690,7 +692,7 @@
           <p:cNvPr id="10" name="Rectangle 9">
             <a:extLst>
               <a:ext uri="{FF2B5EF4-FFF2-40B4-BE49-F238E27FC236}">
-                <a16:creationId xmlns:a16="http://schemas.microsoft.com/office/drawing/2014/main" id="{2B1FEF01-CFDC-4705-BBAE-88BD256BEE19}"/>
+                <a16:creationId xmlns:a16="http://schemas.microsoft.com/office/drawing/2014/main" xmlns="" id="{2B1FEF01-CFDC-4705-BBAE-88BD256BEE19}"/>
               </a:ext>
             </a:extLst>
           </p:cNvPr>
@@ -752,7 +754,7 @@
           <p:cNvPr id="11" name="Rectangle 10">
             <a:extLst>
               <a:ext uri="{FF2B5EF4-FFF2-40B4-BE49-F238E27FC236}">
-                <a16:creationId xmlns:a16="http://schemas.microsoft.com/office/drawing/2014/main" id="{776D622D-9BE6-4C9D-8064-B078A5E909E2}"/>
+                <a16:creationId xmlns:a16="http://schemas.microsoft.com/office/drawing/2014/main" xmlns="" id="{776D622D-9BE6-4C9D-8064-B078A5E909E2}"/>
               </a:ext>
             </a:extLst>
           </p:cNvPr>
@@ -814,7 +816,7 @@
           <p:cNvPr id="12" name="Rectangle 11">
             <a:extLst>
               <a:ext uri="{FF2B5EF4-FFF2-40B4-BE49-F238E27FC236}">
-                <a16:creationId xmlns:a16="http://schemas.microsoft.com/office/drawing/2014/main" id="{7B9C8AFD-31CF-44B5-815D-F706827DA94E}"/>
+                <a16:creationId xmlns:a16="http://schemas.microsoft.com/office/drawing/2014/main" xmlns="" id="{7B9C8AFD-31CF-44B5-815D-F706827DA94E}"/>
               </a:ext>
             </a:extLst>
           </p:cNvPr>
@@ -876,7 +878,7 @@
           <p:cNvPr id="13" name="Rectangle 12">
             <a:extLst>
               <a:ext uri="{FF2B5EF4-FFF2-40B4-BE49-F238E27FC236}">
-                <a16:creationId xmlns:a16="http://schemas.microsoft.com/office/drawing/2014/main" id="{CCB5F93B-4C98-41CB-94D6-75C066006312}"/>
+                <a16:creationId xmlns:a16="http://schemas.microsoft.com/office/drawing/2014/main" xmlns="" id="{CCB5F93B-4C98-41CB-94D6-75C066006312}"/>
               </a:ext>
             </a:extLst>
           </p:cNvPr>
@@ -938,7 +940,7 @@
           <p:cNvPr id="14" name="Picture 13">
             <a:extLst>
               <a:ext uri="{FF2B5EF4-FFF2-40B4-BE49-F238E27FC236}">
-                <a16:creationId xmlns:a16="http://schemas.microsoft.com/office/drawing/2014/main" id="{0F325318-E234-4F36-8B87-16BA513E587C}"/>
+                <a16:creationId xmlns:a16="http://schemas.microsoft.com/office/drawing/2014/main" xmlns="" id="{0F325318-E234-4F36-8B87-16BA513E587C}"/>
               </a:ext>
             </a:extLst>
           </p:cNvPr>
@@ -948,10 +950,10 @@
           <p:nvPr/>
         </p:nvPicPr>
         <p:blipFill>
-          <a:blip r:embed="rId3">
+          <a:blip r:embed="rId3" cstate="print">
             <a:extLst>
               <a:ext uri="{28A0092B-C50C-407E-A947-70E740481C1C}">
-                <a14:useLocalDpi xmlns:a14="http://schemas.microsoft.com/office/drawing/2010/main" val="0"/>
+                <a14:useLocalDpi xmlns:a14="http://schemas.microsoft.com/office/drawing/2010/main" xmlns="" val="0"/>
               </a:ext>
             </a:extLst>
           </a:blip>
@@ -974,7 +976,7 @@
           <p:cNvPr id="15" name="Picture 14">
             <a:extLst>
               <a:ext uri="{FF2B5EF4-FFF2-40B4-BE49-F238E27FC236}">
-                <a16:creationId xmlns:a16="http://schemas.microsoft.com/office/drawing/2014/main" id="{33C151AA-4A07-419B-9ED6-CEF6AC61C135}"/>
+                <a16:creationId xmlns:a16="http://schemas.microsoft.com/office/drawing/2014/main" xmlns="" id="{33C151AA-4A07-419B-9ED6-CEF6AC61C135}"/>
               </a:ext>
             </a:extLst>
           </p:cNvPr>
@@ -984,10 +986,10 @@
           <p:nvPr/>
         </p:nvPicPr>
         <p:blipFill>
-          <a:blip r:embed="rId4">
+          <a:blip r:embed="rId4" cstate="print">
             <a:extLst>
               <a:ext uri="{28A0092B-C50C-407E-A947-70E740481C1C}">
-                <a14:useLocalDpi xmlns:a14="http://schemas.microsoft.com/office/drawing/2010/main" val="0"/>
+                <a14:useLocalDpi xmlns:a14="http://schemas.microsoft.com/office/drawing/2010/main" xmlns="" val="0"/>
               </a:ext>
             </a:extLst>
           </a:blip>
@@ -1010,7 +1012,7 @@
           <p:cNvPr id="2" name="Title 1">
             <a:extLst>
               <a:ext uri="{FF2B5EF4-FFF2-40B4-BE49-F238E27FC236}">
-                <a16:creationId xmlns:a16="http://schemas.microsoft.com/office/drawing/2014/main" id="{357F1B1E-B7D1-4F84-BC64-4CE0DB37DA10}"/>
+                <a16:creationId xmlns:a16="http://schemas.microsoft.com/office/drawing/2014/main" xmlns="" id="{357F1B1E-B7D1-4F84-BC64-4CE0DB37DA10}"/>
               </a:ext>
             </a:extLst>
           </p:cNvPr>
@@ -1058,7 +1060,7 @@
           <p:cNvPr id="3" name="Subtitle 2">
             <a:extLst>
               <a:ext uri="{FF2B5EF4-FFF2-40B4-BE49-F238E27FC236}">
-                <a16:creationId xmlns:a16="http://schemas.microsoft.com/office/drawing/2014/main" id="{EE486D6E-6BA8-4C52-924A-59253267AF57}"/>
+                <a16:creationId xmlns:a16="http://schemas.microsoft.com/office/drawing/2014/main" xmlns="" id="{EE486D6E-6BA8-4C52-924A-59253267AF57}"/>
               </a:ext>
             </a:extLst>
           </p:cNvPr>
@@ -1134,7 +1136,7 @@
           <p:cNvPr id="4" name="Date Placeholder 3">
             <a:extLst>
               <a:ext uri="{FF2B5EF4-FFF2-40B4-BE49-F238E27FC236}">
-                <a16:creationId xmlns:a16="http://schemas.microsoft.com/office/drawing/2014/main" id="{D3A3C5C8-6BE2-42E9-8B5A-2ED21D041198}"/>
+                <a16:creationId xmlns:a16="http://schemas.microsoft.com/office/drawing/2014/main" xmlns="" id="{D3A3C5C8-6BE2-42E9-8B5A-2ED21D041198}"/>
               </a:ext>
             </a:extLst>
           </p:cNvPr>
@@ -1152,7 +1154,8 @@
           <a:p>
             <a:fld id="{D2474CCF-98B4-411A-8810-C31E8C29E19B}" type="datetimeFigureOut">
               <a:rPr lang="en-US" smtClean="0"/>
-              <a:t>6/30/2022</a:t>
+              <a:pPr/>
+              <a:t>6/1/2024</a:t>
             </a:fld>
             <a:endParaRPr lang="en-US"/>
           </a:p>
@@ -1163,7 +1166,7 @@
           <p:cNvPr id="5" name="Footer Placeholder 4">
             <a:extLst>
               <a:ext uri="{FF2B5EF4-FFF2-40B4-BE49-F238E27FC236}">
-                <a16:creationId xmlns:a16="http://schemas.microsoft.com/office/drawing/2014/main" id="{5318EDC7-CDC2-4407-9F8F-C0CEAA400966}"/>
+                <a16:creationId xmlns:a16="http://schemas.microsoft.com/office/drawing/2014/main" xmlns="" id="{5318EDC7-CDC2-4407-9F8F-C0CEAA400966}"/>
               </a:ext>
             </a:extLst>
           </p:cNvPr>
@@ -1188,7 +1191,7 @@
           <p:cNvPr id="6" name="Slide Number Placeholder 5">
             <a:extLst>
               <a:ext uri="{FF2B5EF4-FFF2-40B4-BE49-F238E27FC236}">
-                <a16:creationId xmlns:a16="http://schemas.microsoft.com/office/drawing/2014/main" id="{B6F695F3-58FF-4760-B1DC-C5025EA66D87}"/>
+                <a16:creationId xmlns:a16="http://schemas.microsoft.com/office/drawing/2014/main" xmlns="" id="{B6F695F3-58FF-4760-B1DC-C5025EA66D87}"/>
               </a:ext>
             </a:extLst>
           </p:cNvPr>
@@ -1206,6 +1209,7 @@
           <a:p>
             <a:fld id="{A1FD0E78-183D-4F7D-A18B-8A4BED7B6988}" type="slidenum">
               <a:rPr lang="en-US" smtClean="0"/>
+              <a:pPr/>
               <a:t>‹#›</a:t>
             </a:fld>
             <a:endParaRPr lang="en-US"/>
@@ -1217,7 +1221,7 @@
           <p:cNvPr id="17" name="Straight Connector 16">
             <a:extLst>
               <a:ext uri="{FF2B5EF4-FFF2-40B4-BE49-F238E27FC236}">
-                <a16:creationId xmlns:a16="http://schemas.microsoft.com/office/drawing/2014/main" id="{70565CEE-49E5-468C-A0B4-83E886C61D84}"/>
+                <a16:creationId xmlns:a16="http://schemas.microsoft.com/office/drawing/2014/main" xmlns="" id="{70565CEE-49E5-468C-A0B4-83E886C61D84}"/>
               </a:ext>
             </a:extLst>
           </p:cNvPr>
@@ -1253,7 +1257,7 @@
           <p:cNvPr id="18" name="Freeform: Shape 17">
             <a:extLst>
               <a:ext uri="{FF2B5EF4-FFF2-40B4-BE49-F238E27FC236}">
-                <a16:creationId xmlns:a16="http://schemas.microsoft.com/office/drawing/2014/main" id="{740C7E80-A24C-4396-B051-437EF1D79AB8}"/>
+                <a16:creationId xmlns:a16="http://schemas.microsoft.com/office/drawing/2014/main" xmlns="" id="{740C7E80-A24C-4396-B051-437EF1D79AB8}"/>
               </a:ext>
             </a:extLst>
           </p:cNvPr>
@@ -1350,7 +1354,7 @@
           <p:cNvPr id="19" name="Freeform: Shape 18">
             <a:extLst>
               <a:ext uri="{FF2B5EF4-FFF2-40B4-BE49-F238E27FC236}">
-                <a16:creationId xmlns:a16="http://schemas.microsoft.com/office/drawing/2014/main" id="{C52EBDC4-1E90-4F52-92F1-8C4F5999C539}"/>
+                <a16:creationId xmlns:a16="http://schemas.microsoft.com/office/drawing/2014/main" xmlns="" id="{C52EBDC4-1E90-4F52-92F1-8C4F5999C539}"/>
               </a:ext>
             </a:extLst>
           </p:cNvPr>
@@ -1445,7 +1449,7 @@
     </p:spTree>
     <p:extLst>
       <p:ext uri="{BB962C8B-B14F-4D97-AF65-F5344CB8AC3E}">
-        <p14:creationId xmlns:p14="http://schemas.microsoft.com/office/powerpoint/2010/main" val="1137530690"/>
+        <p14:creationId xmlns:p14="http://schemas.microsoft.com/office/powerpoint/2010/main" xmlns="" val="1137530690"/>
       </p:ext>
     </p:extLst>
   </p:cSld>
@@ -1477,7 +1481,7 @@
           <p:cNvPr id="2" name="Title 1">
             <a:extLst>
               <a:ext uri="{FF2B5EF4-FFF2-40B4-BE49-F238E27FC236}">
-                <a16:creationId xmlns:a16="http://schemas.microsoft.com/office/drawing/2014/main" id="{954B1346-0FB6-45C7-A96E-DBDDF4C7C069}"/>
+                <a16:creationId xmlns:a16="http://schemas.microsoft.com/office/drawing/2014/main" xmlns="" id="{954B1346-0FB6-45C7-A96E-DBDDF4C7C069}"/>
               </a:ext>
             </a:extLst>
           </p:cNvPr>
@@ -1505,7 +1509,7 @@
           <p:cNvPr id="3" name="Vertical Text Placeholder 2">
             <a:extLst>
               <a:ext uri="{FF2B5EF4-FFF2-40B4-BE49-F238E27FC236}">
-                <a16:creationId xmlns:a16="http://schemas.microsoft.com/office/drawing/2014/main" id="{5C29AF55-8DB4-4235-B18B-7CA1658AEA7D}"/>
+                <a16:creationId xmlns:a16="http://schemas.microsoft.com/office/drawing/2014/main" xmlns="" id="{5C29AF55-8DB4-4235-B18B-7CA1658AEA7D}"/>
               </a:ext>
             </a:extLst>
           </p:cNvPr>
@@ -1562,7 +1566,7 @@
           <p:cNvPr id="4" name="Date Placeholder 3">
             <a:extLst>
               <a:ext uri="{FF2B5EF4-FFF2-40B4-BE49-F238E27FC236}">
-                <a16:creationId xmlns:a16="http://schemas.microsoft.com/office/drawing/2014/main" id="{1AF36DFF-55B4-41FE-BF5D-FC115ECB708B}"/>
+                <a16:creationId xmlns:a16="http://schemas.microsoft.com/office/drawing/2014/main" xmlns="" id="{1AF36DFF-55B4-41FE-BF5D-FC115ECB708B}"/>
               </a:ext>
             </a:extLst>
           </p:cNvPr>
@@ -1580,7 +1584,8 @@
           <a:p>
             <a:fld id="{D2474CCF-98B4-411A-8810-C31E8C29E19B}" type="datetimeFigureOut">
               <a:rPr lang="en-US" smtClean="0"/>
-              <a:t>6/30/2022</a:t>
+              <a:pPr/>
+              <a:t>6/1/2024</a:t>
             </a:fld>
             <a:endParaRPr lang="en-US"/>
           </a:p>
@@ -1591,7 +1596,7 @@
           <p:cNvPr id="5" name="Footer Placeholder 4">
             <a:extLst>
               <a:ext uri="{FF2B5EF4-FFF2-40B4-BE49-F238E27FC236}">
-                <a16:creationId xmlns:a16="http://schemas.microsoft.com/office/drawing/2014/main" id="{CB1B04A8-2C06-4BAA-A780-6380C576F998}"/>
+                <a16:creationId xmlns:a16="http://schemas.microsoft.com/office/drawing/2014/main" xmlns="" id="{CB1B04A8-2C06-4BAA-A780-6380C576F998}"/>
               </a:ext>
             </a:extLst>
           </p:cNvPr>
@@ -1616,7 +1621,7 @@
           <p:cNvPr id="6" name="Slide Number Placeholder 5">
             <a:extLst>
               <a:ext uri="{FF2B5EF4-FFF2-40B4-BE49-F238E27FC236}">
-                <a16:creationId xmlns:a16="http://schemas.microsoft.com/office/drawing/2014/main" id="{5A3476E6-F3EA-4F13-B40F-1978B532D33E}"/>
+                <a16:creationId xmlns:a16="http://schemas.microsoft.com/office/drawing/2014/main" xmlns="" id="{5A3476E6-F3EA-4F13-B40F-1978B532D33E}"/>
               </a:ext>
             </a:extLst>
           </p:cNvPr>
@@ -1634,6 +1639,7 @@
           <a:p>
             <a:fld id="{A1FD0E78-183D-4F7D-A18B-8A4BED7B6988}" type="slidenum">
               <a:rPr lang="en-US" smtClean="0"/>
+              <a:pPr/>
               <a:t>‹#›</a:t>
             </a:fld>
             <a:endParaRPr lang="en-US"/>
@@ -1643,7 +1649,7 @@
     </p:spTree>
     <p:extLst>
       <p:ext uri="{BB962C8B-B14F-4D97-AF65-F5344CB8AC3E}">
-        <p14:creationId xmlns:p14="http://schemas.microsoft.com/office/powerpoint/2010/main" val="1738558996"/>
+        <p14:creationId xmlns:p14="http://schemas.microsoft.com/office/powerpoint/2010/main" xmlns="" val="1738558996"/>
       </p:ext>
     </p:extLst>
   </p:cSld>
@@ -1675,7 +1681,7 @@
           <p:cNvPr id="2" name="Vertical Title 1">
             <a:extLst>
               <a:ext uri="{FF2B5EF4-FFF2-40B4-BE49-F238E27FC236}">
-                <a16:creationId xmlns:a16="http://schemas.microsoft.com/office/drawing/2014/main" id="{8BDEE29A-7B74-4351-AF12-4B1C4A1C76B4}"/>
+                <a16:creationId xmlns:a16="http://schemas.microsoft.com/office/drawing/2014/main" xmlns="" id="{8BDEE29A-7B74-4351-AF12-4B1C4A1C76B4}"/>
               </a:ext>
             </a:extLst>
           </p:cNvPr>
@@ -1708,7 +1714,7 @@
           <p:cNvPr id="3" name="Vertical Text Placeholder 2">
             <a:extLst>
               <a:ext uri="{FF2B5EF4-FFF2-40B4-BE49-F238E27FC236}">
-                <a16:creationId xmlns:a16="http://schemas.microsoft.com/office/drawing/2014/main" id="{003DBD61-8BBB-4413-B521-69C6BA2EBDB8}"/>
+                <a16:creationId xmlns:a16="http://schemas.microsoft.com/office/drawing/2014/main" xmlns="" id="{003DBD61-8BBB-4413-B521-69C6BA2EBDB8}"/>
               </a:ext>
             </a:extLst>
           </p:cNvPr>
@@ -1770,7 +1776,7 @@
           <p:cNvPr id="4" name="Date Placeholder 3">
             <a:extLst>
               <a:ext uri="{FF2B5EF4-FFF2-40B4-BE49-F238E27FC236}">
-                <a16:creationId xmlns:a16="http://schemas.microsoft.com/office/drawing/2014/main" id="{83B486CF-3404-43E2-AAB7-B052FC466837}"/>
+                <a16:creationId xmlns:a16="http://schemas.microsoft.com/office/drawing/2014/main" xmlns="" id="{83B486CF-3404-43E2-AAB7-B052FC466837}"/>
               </a:ext>
             </a:extLst>
           </p:cNvPr>
@@ -1788,7 +1794,8 @@
           <a:p>
             <a:fld id="{D2474CCF-98B4-411A-8810-C31E8C29E19B}" type="datetimeFigureOut">
               <a:rPr lang="en-US" smtClean="0"/>
-              <a:t>6/30/2022</a:t>
+              <a:pPr/>
+              <a:t>6/1/2024</a:t>
             </a:fld>
             <a:endParaRPr lang="en-US"/>
           </a:p>
@@ -1799,7 +1806,7 @@
           <p:cNvPr id="5" name="Footer Placeholder 4">
             <a:extLst>
               <a:ext uri="{FF2B5EF4-FFF2-40B4-BE49-F238E27FC236}">
-                <a16:creationId xmlns:a16="http://schemas.microsoft.com/office/drawing/2014/main" id="{F37AE448-840B-441A-88AC-D0E89CE174BF}"/>
+                <a16:creationId xmlns:a16="http://schemas.microsoft.com/office/drawing/2014/main" xmlns="" id="{F37AE448-840B-441A-88AC-D0E89CE174BF}"/>
               </a:ext>
             </a:extLst>
           </p:cNvPr>
@@ -1824,7 +1831,7 @@
           <p:cNvPr id="6" name="Slide Number Placeholder 5">
             <a:extLst>
               <a:ext uri="{FF2B5EF4-FFF2-40B4-BE49-F238E27FC236}">
-                <a16:creationId xmlns:a16="http://schemas.microsoft.com/office/drawing/2014/main" id="{E3356B10-E457-4193-8E4C-4179814527ED}"/>
+                <a16:creationId xmlns:a16="http://schemas.microsoft.com/office/drawing/2014/main" xmlns="" id="{E3356B10-E457-4193-8E4C-4179814527ED}"/>
               </a:ext>
             </a:extLst>
           </p:cNvPr>
@@ -1842,6 +1849,7 @@
           <a:p>
             <a:fld id="{A1FD0E78-183D-4F7D-A18B-8A4BED7B6988}" type="slidenum">
               <a:rPr lang="en-US" smtClean="0"/>
+              <a:pPr/>
               <a:t>‹#›</a:t>
             </a:fld>
             <a:endParaRPr lang="en-US"/>
@@ -1851,7 +1859,7 @@
     </p:spTree>
     <p:extLst>
       <p:ext uri="{BB962C8B-B14F-4D97-AF65-F5344CB8AC3E}">
-        <p14:creationId xmlns:p14="http://schemas.microsoft.com/office/powerpoint/2010/main" val="1506037322"/>
+        <p14:creationId xmlns:p14="http://schemas.microsoft.com/office/powerpoint/2010/main" xmlns="" val="1506037322"/>
       </p:ext>
     </p:extLst>
   </p:cSld>
@@ -1883,7 +1891,7 @@
           <p:cNvPr id="7" name="Rectangle 6">
             <a:extLst>
               <a:ext uri="{FF2B5EF4-FFF2-40B4-BE49-F238E27FC236}">
-                <a16:creationId xmlns:a16="http://schemas.microsoft.com/office/drawing/2014/main" id="{A8C48660-697D-4BB9-97F6-A5BB6C764668}"/>
+                <a16:creationId xmlns:a16="http://schemas.microsoft.com/office/drawing/2014/main" xmlns="" id="{A8C48660-697D-4BB9-97F6-A5BB6C764668}"/>
               </a:ext>
             </a:extLst>
           </p:cNvPr>
@@ -1932,7 +1940,7 @@
           <p:cNvPr id="8" name="Rectangle 7">
             <a:extLst>
               <a:ext uri="{FF2B5EF4-FFF2-40B4-BE49-F238E27FC236}">
-                <a16:creationId xmlns:a16="http://schemas.microsoft.com/office/drawing/2014/main" id="{BD0BE8EE-2EB2-435C-9D5A-AAA15842A36C}"/>
+                <a16:creationId xmlns:a16="http://schemas.microsoft.com/office/drawing/2014/main" xmlns="" id="{BD0BE8EE-2EB2-435C-9D5A-AAA15842A36C}"/>
               </a:ext>
             </a:extLst>
           </p:cNvPr>
@@ -1989,7 +1997,7 @@
           <p:cNvPr id="9" name="Rectangle 8">
             <a:extLst>
               <a:ext uri="{FF2B5EF4-FFF2-40B4-BE49-F238E27FC236}">
-                <a16:creationId xmlns:a16="http://schemas.microsoft.com/office/drawing/2014/main" id="{423355C8-5657-4103-B600-59803F24DBFF}"/>
+                <a16:creationId xmlns:a16="http://schemas.microsoft.com/office/drawing/2014/main" xmlns="" id="{423355C8-5657-4103-B600-59803F24DBFF}"/>
               </a:ext>
             </a:extLst>
           </p:cNvPr>
@@ -2051,7 +2059,7 @@
           <p:cNvPr id="10" name="Rectangle 9">
             <a:extLst>
               <a:ext uri="{FF2B5EF4-FFF2-40B4-BE49-F238E27FC236}">
-                <a16:creationId xmlns:a16="http://schemas.microsoft.com/office/drawing/2014/main" id="{CFF2C038-CD71-4DD5-AD56-49FB9C0E8AF6}"/>
+                <a16:creationId xmlns:a16="http://schemas.microsoft.com/office/drawing/2014/main" xmlns="" id="{CFF2C038-CD71-4DD5-AD56-49FB9C0E8AF6}"/>
               </a:ext>
             </a:extLst>
           </p:cNvPr>
@@ -2113,7 +2121,7 @@
           <p:cNvPr id="11" name="Rectangle 10">
             <a:extLst>
               <a:ext uri="{FF2B5EF4-FFF2-40B4-BE49-F238E27FC236}">
-                <a16:creationId xmlns:a16="http://schemas.microsoft.com/office/drawing/2014/main" id="{D626EA1A-6BCF-4846-ABF3-498AD8F1EC82}"/>
+                <a16:creationId xmlns:a16="http://schemas.microsoft.com/office/drawing/2014/main" xmlns="" id="{D626EA1A-6BCF-4846-ABF3-498AD8F1EC82}"/>
               </a:ext>
             </a:extLst>
           </p:cNvPr>
@@ -2175,7 +2183,7 @@
           <p:cNvPr id="12" name="Rectangle 11">
             <a:extLst>
               <a:ext uri="{FF2B5EF4-FFF2-40B4-BE49-F238E27FC236}">
-                <a16:creationId xmlns:a16="http://schemas.microsoft.com/office/drawing/2014/main" id="{E91F1E9A-33FE-49BA-B69E-30EA3CC61DB9}"/>
+                <a16:creationId xmlns:a16="http://schemas.microsoft.com/office/drawing/2014/main" xmlns="" id="{E91F1E9A-33FE-49BA-B69E-30EA3CC61DB9}"/>
               </a:ext>
             </a:extLst>
           </p:cNvPr>
@@ -2237,7 +2245,7 @@
           <p:cNvPr id="13" name="Picture 12">
             <a:extLst>
               <a:ext uri="{FF2B5EF4-FFF2-40B4-BE49-F238E27FC236}">
-                <a16:creationId xmlns:a16="http://schemas.microsoft.com/office/drawing/2014/main" id="{B9CD68B3-2898-4D6B-B5C2-F62D51C485D5}"/>
+                <a16:creationId xmlns:a16="http://schemas.microsoft.com/office/drawing/2014/main" xmlns="" id="{B9CD68B3-2898-4D6B-B5C2-F62D51C485D5}"/>
               </a:ext>
             </a:extLst>
           </p:cNvPr>
@@ -2247,10 +2255,10 @@
           <p:nvPr/>
         </p:nvPicPr>
         <p:blipFill>
-          <a:blip r:embed="rId2">
+          <a:blip r:embed="rId2" cstate="print">
             <a:extLst>
               <a:ext uri="{28A0092B-C50C-407E-A947-70E740481C1C}">
-                <a14:useLocalDpi xmlns:a14="http://schemas.microsoft.com/office/drawing/2010/main" val="0"/>
+                <a14:useLocalDpi xmlns:a14="http://schemas.microsoft.com/office/drawing/2010/main" xmlns="" val="0"/>
               </a:ext>
             </a:extLst>
           </a:blip>
@@ -2273,7 +2281,7 @@
           <p:cNvPr id="14" name="Group 13">
             <a:extLst>
               <a:ext uri="{FF2B5EF4-FFF2-40B4-BE49-F238E27FC236}">
-                <a16:creationId xmlns:a16="http://schemas.microsoft.com/office/drawing/2014/main" id="{C4873B59-2742-4F87-99A9-E1AA8FCD8E50}"/>
+                <a16:creationId xmlns:a16="http://schemas.microsoft.com/office/drawing/2014/main" xmlns="" id="{C4873B59-2742-4F87-99A9-E1AA8FCD8E50}"/>
               </a:ext>
             </a:extLst>
           </p:cNvPr>
@@ -2293,7 +2301,7 @@
             <p:cNvPr id="15" name="Picture 14">
               <a:extLst>
                 <a:ext uri="{FF2B5EF4-FFF2-40B4-BE49-F238E27FC236}">
-                  <a16:creationId xmlns:a16="http://schemas.microsoft.com/office/drawing/2014/main" id="{289441B2-4EF5-4599-887F-42F7A59ADD20}"/>
+                  <a16:creationId xmlns:a16="http://schemas.microsoft.com/office/drawing/2014/main" xmlns="" id="{289441B2-4EF5-4599-887F-42F7A59ADD20}"/>
                 </a:ext>
               </a:extLst>
             </p:cNvPr>
@@ -2306,7 +2314,7 @@
             <a:blip r:embed="rId3">
               <a:extLst>
                 <a:ext uri="{28A0092B-C50C-407E-A947-70E740481C1C}">
-                  <a14:useLocalDpi xmlns:a14="http://schemas.microsoft.com/office/drawing/2010/main" val="0"/>
+                  <a14:useLocalDpi xmlns:a14="http://schemas.microsoft.com/office/drawing/2010/main" xmlns="" val="0"/>
                 </a:ext>
               </a:extLst>
             </a:blip>
@@ -2329,7 +2337,7 @@
             <p:cNvPr id="16" name="Rectangle 15">
               <a:extLst>
                 <a:ext uri="{FF2B5EF4-FFF2-40B4-BE49-F238E27FC236}">
-                  <a16:creationId xmlns:a16="http://schemas.microsoft.com/office/drawing/2014/main" id="{C4F730E1-3FAD-4138-ACCA-276E0BBA031B}"/>
+                  <a16:creationId xmlns:a16="http://schemas.microsoft.com/office/drawing/2014/main" xmlns="" id="{C4F730E1-3FAD-4138-ACCA-276E0BBA031B}"/>
                 </a:ext>
               </a:extLst>
             </p:cNvPr>
@@ -2384,7 +2392,7 @@
           <p:cNvPr id="2" name="Title 1">
             <a:extLst>
               <a:ext uri="{FF2B5EF4-FFF2-40B4-BE49-F238E27FC236}">
-                <a16:creationId xmlns:a16="http://schemas.microsoft.com/office/drawing/2014/main" id="{3F08D64F-302C-4B73-A9F2-946CA338260A}"/>
+                <a16:creationId xmlns:a16="http://schemas.microsoft.com/office/drawing/2014/main" xmlns="" id="{3F08D64F-302C-4B73-A9F2-946CA338260A}"/>
               </a:ext>
             </a:extLst>
           </p:cNvPr>
@@ -2430,7 +2438,7 @@
           <p:cNvPr id="3" name="Content Placeholder 2">
             <a:extLst>
               <a:ext uri="{FF2B5EF4-FFF2-40B4-BE49-F238E27FC236}">
-                <a16:creationId xmlns:a16="http://schemas.microsoft.com/office/drawing/2014/main" id="{372EB2DC-2ADD-4476-921C-5457C12D154E}"/>
+                <a16:creationId xmlns:a16="http://schemas.microsoft.com/office/drawing/2014/main" xmlns="" id="{372EB2DC-2ADD-4476-921C-5457C12D154E}"/>
               </a:ext>
             </a:extLst>
           </p:cNvPr>
@@ -2546,7 +2554,7 @@
           <p:cNvPr id="4" name="Date Placeholder 3">
             <a:extLst>
               <a:ext uri="{FF2B5EF4-FFF2-40B4-BE49-F238E27FC236}">
-                <a16:creationId xmlns:a16="http://schemas.microsoft.com/office/drawing/2014/main" id="{C68B0C41-3748-45BA-AC12-3356750D6CCC}"/>
+                <a16:creationId xmlns:a16="http://schemas.microsoft.com/office/drawing/2014/main" xmlns="" id="{C68B0C41-3748-45BA-AC12-3356750D6CCC}"/>
               </a:ext>
             </a:extLst>
           </p:cNvPr>
@@ -2564,7 +2572,8 @@
           <a:p>
             <a:fld id="{D2474CCF-98B4-411A-8810-C31E8C29E19B}" type="datetimeFigureOut">
               <a:rPr lang="en-US" smtClean="0"/>
-              <a:t>6/30/2022</a:t>
+              <a:pPr/>
+              <a:t>6/1/2024</a:t>
             </a:fld>
             <a:endParaRPr lang="en-US"/>
           </a:p>
@@ -2575,7 +2584,7 @@
           <p:cNvPr id="5" name="Footer Placeholder 4">
             <a:extLst>
               <a:ext uri="{FF2B5EF4-FFF2-40B4-BE49-F238E27FC236}">
-                <a16:creationId xmlns:a16="http://schemas.microsoft.com/office/drawing/2014/main" id="{B2BC5298-80C2-435C-BE19-55A311B75B01}"/>
+                <a16:creationId xmlns:a16="http://schemas.microsoft.com/office/drawing/2014/main" xmlns="" id="{B2BC5298-80C2-435C-BE19-55A311B75B01}"/>
               </a:ext>
             </a:extLst>
           </p:cNvPr>
@@ -2600,7 +2609,7 @@
           <p:cNvPr id="6" name="Slide Number Placeholder 5">
             <a:extLst>
               <a:ext uri="{FF2B5EF4-FFF2-40B4-BE49-F238E27FC236}">
-                <a16:creationId xmlns:a16="http://schemas.microsoft.com/office/drawing/2014/main" id="{81E8E2F2-0AF5-4302-9483-8FB2AC4A12E3}"/>
+                <a16:creationId xmlns:a16="http://schemas.microsoft.com/office/drawing/2014/main" xmlns="" id="{81E8E2F2-0AF5-4302-9483-8FB2AC4A12E3}"/>
               </a:ext>
             </a:extLst>
           </p:cNvPr>
@@ -2618,6 +2627,7 @@
           <a:p>
             <a:fld id="{A1FD0E78-183D-4F7D-A18B-8A4BED7B6988}" type="slidenum">
               <a:rPr lang="en-US" smtClean="0"/>
+              <a:pPr/>
               <a:t>‹#›</a:t>
             </a:fld>
             <a:endParaRPr lang="en-US"/>
@@ -2627,7 +2637,7 @@
     </p:spTree>
     <p:extLst>
       <p:ext uri="{BB962C8B-B14F-4D97-AF65-F5344CB8AC3E}">
-        <p14:creationId xmlns:p14="http://schemas.microsoft.com/office/powerpoint/2010/main" val="4191452652"/>
+        <p14:creationId xmlns:p14="http://schemas.microsoft.com/office/powerpoint/2010/main" xmlns="" val="4191452652"/>
       </p:ext>
     </p:extLst>
   </p:cSld>
@@ -2659,7 +2669,7 @@
           <p:cNvPr id="7" name="Rectangle 6">
             <a:extLst>
               <a:ext uri="{FF2B5EF4-FFF2-40B4-BE49-F238E27FC236}">
-                <a16:creationId xmlns:a16="http://schemas.microsoft.com/office/drawing/2014/main" id="{CD1C76EB-EFA3-4D98-BF85-9CBAD51246C3}"/>
+                <a16:creationId xmlns:a16="http://schemas.microsoft.com/office/drawing/2014/main" xmlns="" id="{CD1C76EB-EFA3-4D98-BF85-9CBAD51246C3}"/>
               </a:ext>
             </a:extLst>
           </p:cNvPr>
@@ -2711,7 +2721,7 @@
           <p:cNvPr id="8" name="Rectangle 7">
             <a:extLst>
               <a:ext uri="{FF2B5EF4-FFF2-40B4-BE49-F238E27FC236}">
-                <a16:creationId xmlns:a16="http://schemas.microsoft.com/office/drawing/2014/main" id="{70F9218A-B816-4B5F-A0BE-D0AAD688BCDE}"/>
+                <a16:creationId xmlns:a16="http://schemas.microsoft.com/office/drawing/2014/main" xmlns="" id="{70F9218A-B816-4B5F-A0BE-D0AAD688BCDE}"/>
               </a:ext>
             </a:extLst>
           </p:cNvPr>
@@ -2768,7 +2778,7 @@
           <p:cNvPr id="9" name="Picture 8">
             <a:extLst>
               <a:ext uri="{FF2B5EF4-FFF2-40B4-BE49-F238E27FC236}">
-                <a16:creationId xmlns:a16="http://schemas.microsoft.com/office/drawing/2014/main" id="{07792D18-2682-4285-9429-837643BCD1C7}"/>
+                <a16:creationId xmlns:a16="http://schemas.microsoft.com/office/drawing/2014/main" xmlns="" id="{07792D18-2682-4285-9429-837643BCD1C7}"/>
               </a:ext>
             </a:extLst>
           </p:cNvPr>
@@ -2778,11 +2788,11 @@
           <p:nvPr/>
         </p:nvPicPr>
         <p:blipFill>
-          <a:blip r:embed="rId2">
+          <a:blip r:embed="rId2" cstate="print">
             <a:biLevel thresh="25000"/>
             <a:extLst>
               <a:ext uri="{28A0092B-C50C-407E-A947-70E740481C1C}">
-                <a14:useLocalDpi xmlns:a14="http://schemas.microsoft.com/office/drawing/2010/main" val="0"/>
+                <a14:useLocalDpi xmlns:a14="http://schemas.microsoft.com/office/drawing/2010/main" xmlns="" val="0"/>
               </a:ext>
             </a:extLst>
           </a:blip>
@@ -2805,7 +2815,7 @@
           <p:cNvPr id="10" name="Rectangle 9">
             <a:extLst>
               <a:ext uri="{FF2B5EF4-FFF2-40B4-BE49-F238E27FC236}">
-                <a16:creationId xmlns:a16="http://schemas.microsoft.com/office/drawing/2014/main" id="{31E5457F-D05E-4FBC-AA16-B4542B833804}"/>
+                <a16:creationId xmlns:a16="http://schemas.microsoft.com/office/drawing/2014/main" xmlns="" id="{31E5457F-D05E-4FBC-AA16-B4542B833804}"/>
               </a:ext>
             </a:extLst>
           </p:cNvPr>
@@ -2867,7 +2877,7 @@
           <p:cNvPr id="11" name="Rectangle 10">
             <a:extLst>
               <a:ext uri="{FF2B5EF4-FFF2-40B4-BE49-F238E27FC236}">
-                <a16:creationId xmlns:a16="http://schemas.microsoft.com/office/drawing/2014/main" id="{3D20450F-F92F-43A7-B557-0485260B48EC}"/>
+                <a16:creationId xmlns:a16="http://schemas.microsoft.com/office/drawing/2014/main" xmlns="" id="{3D20450F-F92F-43A7-B557-0485260B48EC}"/>
               </a:ext>
             </a:extLst>
           </p:cNvPr>
@@ -2929,7 +2939,7 @@
           <p:cNvPr id="12" name="Rectangle 11">
             <a:extLst>
               <a:ext uri="{FF2B5EF4-FFF2-40B4-BE49-F238E27FC236}">
-                <a16:creationId xmlns:a16="http://schemas.microsoft.com/office/drawing/2014/main" id="{20D495CD-0755-4CD0-952C-38FDFD818912}"/>
+                <a16:creationId xmlns:a16="http://schemas.microsoft.com/office/drawing/2014/main" xmlns="" id="{20D495CD-0755-4CD0-952C-38FDFD818912}"/>
               </a:ext>
             </a:extLst>
           </p:cNvPr>
@@ -2991,7 +3001,7 @@
           <p:cNvPr id="13" name="Rectangle 12">
             <a:extLst>
               <a:ext uri="{FF2B5EF4-FFF2-40B4-BE49-F238E27FC236}">
-                <a16:creationId xmlns:a16="http://schemas.microsoft.com/office/drawing/2014/main" id="{F756530E-6471-4A98-9409-D28702635498}"/>
+                <a16:creationId xmlns:a16="http://schemas.microsoft.com/office/drawing/2014/main" xmlns="" id="{F756530E-6471-4A98-9409-D28702635498}"/>
               </a:ext>
             </a:extLst>
           </p:cNvPr>
@@ -3053,7 +3063,7 @@
           <p:cNvPr id="2" name="Title 1">
             <a:extLst>
               <a:ext uri="{FF2B5EF4-FFF2-40B4-BE49-F238E27FC236}">
-                <a16:creationId xmlns:a16="http://schemas.microsoft.com/office/drawing/2014/main" id="{54E16744-0EC5-4409-8030-9D707EE1A1D6}"/>
+                <a16:creationId xmlns:a16="http://schemas.microsoft.com/office/drawing/2014/main" xmlns="" id="{54E16744-0EC5-4409-8030-9D707EE1A1D6}"/>
               </a:ext>
             </a:extLst>
           </p:cNvPr>
@@ -3098,7 +3108,7 @@
           <p:cNvPr id="3" name="Text Placeholder 2">
             <a:extLst>
               <a:ext uri="{FF2B5EF4-FFF2-40B4-BE49-F238E27FC236}">
-                <a16:creationId xmlns:a16="http://schemas.microsoft.com/office/drawing/2014/main" id="{C98CF225-F19A-40FE-9134-ADAC53A2CB8E}"/>
+                <a16:creationId xmlns:a16="http://schemas.microsoft.com/office/drawing/2014/main" xmlns="" id="{C98CF225-F19A-40FE-9134-ADAC53A2CB8E}"/>
               </a:ext>
             </a:extLst>
           </p:cNvPr>
@@ -3224,7 +3234,7 @@
           <p:cNvPr id="4" name="Date Placeholder 3">
             <a:extLst>
               <a:ext uri="{FF2B5EF4-FFF2-40B4-BE49-F238E27FC236}">
-                <a16:creationId xmlns:a16="http://schemas.microsoft.com/office/drawing/2014/main" id="{E6052890-A463-40F0-8781-AB9ECF34701B}"/>
+                <a16:creationId xmlns:a16="http://schemas.microsoft.com/office/drawing/2014/main" xmlns="" id="{E6052890-A463-40F0-8781-AB9ECF34701B}"/>
               </a:ext>
             </a:extLst>
           </p:cNvPr>
@@ -3242,7 +3252,8 @@
           <a:p>
             <a:fld id="{D2474CCF-98B4-411A-8810-C31E8C29E19B}" type="datetimeFigureOut">
               <a:rPr lang="en-US" smtClean="0"/>
-              <a:t>6/30/2022</a:t>
+              <a:pPr/>
+              <a:t>6/1/2024</a:t>
             </a:fld>
             <a:endParaRPr lang="en-US"/>
           </a:p>
@@ -3253,7 +3264,7 @@
           <p:cNvPr id="5" name="Footer Placeholder 4">
             <a:extLst>
               <a:ext uri="{FF2B5EF4-FFF2-40B4-BE49-F238E27FC236}">
-                <a16:creationId xmlns:a16="http://schemas.microsoft.com/office/drawing/2014/main" id="{4B4EBFC2-28E7-4B50-9949-2BDA85E26BB6}"/>
+                <a16:creationId xmlns:a16="http://schemas.microsoft.com/office/drawing/2014/main" xmlns="" id="{4B4EBFC2-28E7-4B50-9949-2BDA85E26BB6}"/>
               </a:ext>
             </a:extLst>
           </p:cNvPr>
@@ -3278,7 +3289,7 @@
           <p:cNvPr id="6" name="Slide Number Placeholder 5">
             <a:extLst>
               <a:ext uri="{FF2B5EF4-FFF2-40B4-BE49-F238E27FC236}">
-                <a16:creationId xmlns:a16="http://schemas.microsoft.com/office/drawing/2014/main" id="{90C98516-7864-4AE1-84EA-04757DF14368}"/>
+                <a16:creationId xmlns:a16="http://schemas.microsoft.com/office/drawing/2014/main" xmlns="" id="{90C98516-7864-4AE1-84EA-04757DF14368}"/>
               </a:ext>
             </a:extLst>
           </p:cNvPr>
@@ -3296,6 +3307,7 @@
           <a:p>
             <a:fld id="{A1FD0E78-183D-4F7D-A18B-8A4BED7B6988}" type="slidenum">
               <a:rPr lang="en-US" smtClean="0"/>
+              <a:pPr/>
               <a:t>‹#›</a:t>
             </a:fld>
             <a:endParaRPr lang="en-US"/>
@@ -3307,7 +3319,7 @@
           <p:cNvPr id="14" name="Straight Connector 13">
             <a:extLst>
               <a:ext uri="{FF2B5EF4-FFF2-40B4-BE49-F238E27FC236}">
-                <a16:creationId xmlns:a16="http://schemas.microsoft.com/office/drawing/2014/main" id="{709AA055-0DD5-4F16-B6C2-4900CC928098}"/>
+                <a16:creationId xmlns:a16="http://schemas.microsoft.com/office/drawing/2014/main" xmlns="" id="{709AA055-0DD5-4F16-B6C2-4900CC928098}"/>
               </a:ext>
             </a:extLst>
           </p:cNvPr>
@@ -3341,7 +3353,7 @@
     </p:spTree>
     <p:extLst>
       <p:ext uri="{BB962C8B-B14F-4D97-AF65-F5344CB8AC3E}">
-        <p14:creationId xmlns:p14="http://schemas.microsoft.com/office/powerpoint/2010/main" val="3753181276"/>
+        <p14:creationId xmlns:p14="http://schemas.microsoft.com/office/powerpoint/2010/main" xmlns="" val="3753181276"/>
       </p:ext>
     </p:extLst>
   </p:cSld>
@@ -3373,7 +3385,7 @@
           <p:cNvPr id="8" name="Rectangle 7">
             <a:extLst>
               <a:ext uri="{FF2B5EF4-FFF2-40B4-BE49-F238E27FC236}">
-                <a16:creationId xmlns:a16="http://schemas.microsoft.com/office/drawing/2014/main" id="{428ED813-B8D0-48D3-B71C-48DF5BDC9A90}"/>
+                <a16:creationId xmlns:a16="http://schemas.microsoft.com/office/drawing/2014/main" xmlns="" id="{428ED813-B8D0-48D3-B71C-48DF5BDC9A90}"/>
               </a:ext>
             </a:extLst>
           </p:cNvPr>
@@ -3422,7 +3434,7 @@
           <p:cNvPr id="9" name="Rectangle 8">
             <a:extLst>
               <a:ext uri="{FF2B5EF4-FFF2-40B4-BE49-F238E27FC236}">
-                <a16:creationId xmlns:a16="http://schemas.microsoft.com/office/drawing/2014/main" id="{FDF0879C-37D2-4E04-A609-4FEBD2EB69A2}"/>
+                <a16:creationId xmlns:a16="http://schemas.microsoft.com/office/drawing/2014/main" xmlns="" id="{FDF0879C-37D2-4E04-A609-4FEBD2EB69A2}"/>
               </a:ext>
             </a:extLst>
           </p:cNvPr>
@@ -3479,7 +3491,7 @@
           <p:cNvPr id="10" name="Rectangle 9">
             <a:extLst>
               <a:ext uri="{FF2B5EF4-FFF2-40B4-BE49-F238E27FC236}">
-                <a16:creationId xmlns:a16="http://schemas.microsoft.com/office/drawing/2014/main" id="{94C859E1-EF9A-419B-B3AC-AEA4B510D174}"/>
+                <a16:creationId xmlns:a16="http://schemas.microsoft.com/office/drawing/2014/main" xmlns="" id="{94C859E1-EF9A-419B-B3AC-AEA4B510D174}"/>
               </a:ext>
             </a:extLst>
           </p:cNvPr>
@@ -3541,7 +3553,7 @@
           <p:cNvPr id="11" name="Rectangle 10">
             <a:extLst>
               <a:ext uri="{FF2B5EF4-FFF2-40B4-BE49-F238E27FC236}">
-                <a16:creationId xmlns:a16="http://schemas.microsoft.com/office/drawing/2014/main" id="{D14C3DBE-5B2C-4C2D-8079-CF803A046CD5}"/>
+                <a16:creationId xmlns:a16="http://schemas.microsoft.com/office/drawing/2014/main" xmlns="" id="{D14C3DBE-5B2C-4C2D-8079-CF803A046CD5}"/>
               </a:ext>
             </a:extLst>
           </p:cNvPr>
@@ -3603,7 +3615,7 @@
           <p:cNvPr id="12" name="Rectangle 11">
             <a:extLst>
               <a:ext uri="{FF2B5EF4-FFF2-40B4-BE49-F238E27FC236}">
-                <a16:creationId xmlns:a16="http://schemas.microsoft.com/office/drawing/2014/main" id="{ECE1258E-5E7B-49D9-AB2A-3FCE6F2AE3D9}"/>
+                <a16:creationId xmlns:a16="http://schemas.microsoft.com/office/drawing/2014/main" xmlns="" id="{ECE1258E-5E7B-49D9-AB2A-3FCE6F2AE3D9}"/>
               </a:ext>
             </a:extLst>
           </p:cNvPr>
@@ -3665,7 +3677,7 @@
           <p:cNvPr id="13" name="Rectangle 12">
             <a:extLst>
               <a:ext uri="{FF2B5EF4-FFF2-40B4-BE49-F238E27FC236}">
-                <a16:creationId xmlns:a16="http://schemas.microsoft.com/office/drawing/2014/main" id="{EF2A0B40-AB4B-42CA-AD19-364DF8432A34}"/>
+                <a16:creationId xmlns:a16="http://schemas.microsoft.com/office/drawing/2014/main" xmlns="" id="{EF2A0B40-AB4B-42CA-AD19-364DF8432A34}"/>
               </a:ext>
             </a:extLst>
           </p:cNvPr>
@@ -3727,7 +3739,7 @@
           <p:cNvPr id="14" name="Picture 13">
             <a:extLst>
               <a:ext uri="{FF2B5EF4-FFF2-40B4-BE49-F238E27FC236}">
-                <a16:creationId xmlns:a16="http://schemas.microsoft.com/office/drawing/2014/main" id="{5ACF1E32-F9E6-49E7-B655-4856AC619B36}"/>
+                <a16:creationId xmlns:a16="http://schemas.microsoft.com/office/drawing/2014/main" xmlns="" id="{5ACF1E32-F9E6-49E7-B655-4856AC619B36}"/>
               </a:ext>
             </a:extLst>
           </p:cNvPr>
@@ -3737,10 +3749,10 @@
           <p:nvPr/>
         </p:nvPicPr>
         <p:blipFill>
-          <a:blip r:embed="rId2">
+          <a:blip r:embed="rId2" cstate="print">
             <a:extLst>
               <a:ext uri="{28A0092B-C50C-407E-A947-70E740481C1C}">
-                <a14:useLocalDpi xmlns:a14="http://schemas.microsoft.com/office/drawing/2010/main" val="0"/>
+                <a14:useLocalDpi xmlns:a14="http://schemas.microsoft.com/office/drawing/2010/main" xmlns="" val="0"/>
               </a:ext>
             </a:extLst>
           </a:blip>
@@ -3763,7 +3775,7 @@
           <p:cNvPr id="2" name="Title 1">
             <a:extLst>
               <a:ext uri="{FF2B5EF4-FFF2-40B4-BE49-F238E27FC236}">
-                <a16:creationId xmlns:a16="http://schemas.microsoft.com/office/drawing/2014/main" id="{F3355067-D68C-4E9D-814B-94F341ACA832}"/>
+                <a16:creationId xmlns:a16="http://schemas.microsoft.com/office/drawing/2014/main" xmlns="" id="{F3355067-D68C-4E9D-814B-94F341ACA832}"/>
               </a:ext>
             </a:extLst>
           </p:cNvPr>
@@ -3791,7 +3803,7 @@
           <p:cNvPr id="3" name="Content Placeholder 2">
             <a:extLst>
               <a:ext uri="{FF2B5EF4-FFF2-40B4-BE49-F238E27FC236}">
-                <a16:creationId xmlns:a16="http://schemas.microsoft.com/office/drawing/2014/main" id="{E7E56A77-566F-415D-85B3-C170D979EF12}"/>
+                <a16:creationId xmlns:a16="http://schemas.microsoft.com/office/drawing/2014/main" xmlns="" id="{E7E56A77-566F-415D-85B3-C170D979EF12}"/>
               </a:ext>
             </a:extLst>
           </p:cNvPr>
@@ -3853,7 +3865,7 @@
           <p:cNvPr id="4" name="Content Placeholder 3">
             <a:extLst>
               <a:ext uri="{FF2B5EF4-FFF2-40B4-BE49-F238E27FC236}">
-                <a16:creationId xmlns:a16="http://schemas.microsoft.com/office/drawing/2014/main" id="{B022F81A-5D76-4DBF-9DF9-92CD90E7067D}"/>
+                <a16:creationId xmlns:a16="http://schemas.microsoft.com/office/drawing/2014/main" xmlns="" id="{B022F81A-5D76-4DBF-9DF9-92CD90E7067D}"/>
               </a:ext>
             </a:extLst>
           </p:cNvPr>
@@ -3915,7 +3927,7 @@
           <p:cNvPr id="5" name="Date Placeholder 4">
             <a:extLst>
               <a:ext uri="{FF2B5EF4-FFF2-40B4-BE49-F238E27FC236}">
-                <a16:creationId xmlns:a16="http://schemas.microsoft.com/office/drawing/2014/main" id="{F71F8005-F81C-45EB-B6F5-872E765EC87A}"/>
+                <a16:creationId xmlns:a16="http://schemas.microsoft.com/office/drawing/2014/main" xmlns="" id="{F71F8005-F81C-45EB-B6F5-872E765EC87A}"/>
               </a:ext>
             </a:extLst>
           </p:cNvPr>
@@ -3933,7 +3945,8 @@
           <a:p>
             <a:fld id="{D2474CCF-98B4-411A-8810-C31E8C29E19B}" type="datetimeFigureOut">
               <a:rPr lang="en-US" smtClean="0"/>
-              <a:t>6/30/2022</a:t>
+              <a:pPr/>
+              <a:t>6/1/2024</a:t>
             </a:fld>
             <a:endParaRPr lang="en-US"/>
           </a:p>
@@ -3944,7 +3957,7 @@
           <p:cNvPr id="6" name="Footer Placeholder 5">
             <a:extLst>
               <a:ext uri="{FF2B5EF4-FFF2-40B4-BE49-F238E27FC236}">
-                <a16:creationId xmlns:a16="http://schemas.microsoft.com/office/drawing/2014/main" id="{2062E53F-F0E3-4A6E-B3B1-F5491F54889A}"/>
+                <a16:creationId xmlns:a16="http://schemas.microsoft.com/office/drawing/2014/main" xmlns="" id="{2062E53F-F0E3-4A6E-B3B1-F5491F54889A}"/>
               </a:ext>
             </a:extLst>
           </p:cNvPr>
@@ -3969,7 +3982,7 @@
           <p:cNvPr id="7" name="Slide Number Placeholder 6">
             <a:extLst>
               <a:ext uri="{FF2B5EF4-FFF2-40B4-BE49-F238E27FC236}">
-                <a16:creationId xmlns:a16="http://schemas.microsoft.com/office/drawing/2014/main" id="{A8B69BF3-2B4A-42F7-B934-99F11627F82D}"/>
+                <a16:creationId xmlns:a16="http://schemas.microsoft.com/office/drawing/2014/main" xmlns="" id="{A8B69BF3-2B4A-42F7-B934-99F11627F82D}"/>
               </a:ext>
             </a:extLst>
           </p:cNvPr>
@@ -3987,6 +4000,7 @@
           <a:p>
             <a:fld id="{A1FD0E78-183D-4F7D-A18B-8A4BED7B6988}" type="slidenum">
               <a:rPr lang="en-US" smtClean="0"/>
+              <a:pPr/>
               <a:t>‹#›</a:t>
             </a:fld>
             <a:endParaRPr lang="en-US"/>
@@ -3996,7 +4010,7 @@
     </p:spTree>
     <p:extLst>
       <p:ext uri="{BB962C8B-B14F-4D97-AF65-F5344CB8AC3E}">
-        <p14:creationId xmlns:p14="http://schemas.microsoft.com/office/powerpoint/2010/main" val="2838539625"/>
+        <p14:creationId xmlns:p14="http://schemas.microsoft.com/office/powerpoint/2010/main" xmlns="" val="2838539625"/>
       </p:ext>
     </p:extLst>
   </p:cSld>
@@ -4028,7 +4042,7 @@
           <p:cNvPr id="10" name="Rectangle 9">
             <a:extLst>
               <a:ext uri="{FF2B5EF4-FFF2-40B4-BE49-F238E27FC236}">
-                <a16:creationId xmlns:a16="http://schemas.microsoft.com/office/drawing/2014/main" id="{5894546B-A81A-48D4-B4C5-7E2E6285F424}"/>
+                <a16:creationId xmlns:a16="http://schemas.microsoft.com/office/drawing/2014/main" xmlns="" id="{5894546B-A81A-48D4-B4C5-7E2E6285F424}"/>
               </a:ext>
             </a:extLst>
           </p:cNvPr>
@@ -4077,7 +4091,7 @@
           <p:cNvPr id="11" name="Rectangle 10">
             <a:extLst>
               <a:ext uri="{FF2B5EF4-FFF2-40B4-BE49-F238E27FC236}">
-                <a16:creationId xmlns:a16="http://schemas.microsoft.com/office/drawing/2014/main" id="{39C06CAA-5E4F-43E2-8A98-36361486A3A4}"/>
+                <a16:creationId xmlns:a16="http://schemas.microsoft.com/office/drawing/2014/main" xmlns="" id="{39C06CAA-5E4F-43E2-8A98-36361486A3A4}"/>
               </a:ext>
             </a:extLst>
           </p:cNvPr>
@@ -4134,7 +4148,7 @@
           <p:cNvPr id="12" name="Rectangle 11">
             <a:extLst>
               <a:ext uri="{FF2B5EF4-FFF2-40B4-BE49-F238E27FC236}">
-                <a16:creationId xmlns:a16="http://schemas.microsoft.com/office/drawing/2014/main" id="{128E28CB-622A-4807-91B6-87A76E180121}"/>
+                <a16:creationId xmlns:a16="http://schemas.microsoft.com/office/drawing/2014/main" xmlns="" id="{128E28CB-622A-4807-91B6-87A76E180121}"/>
               </a:ext>
             </a:extLst>
           </p:cNvPr>
@@ -4196,7 +4210,7 @@
           <p:cNvPr id="13" name="Rectangle 12">
             <a:extLst>
               <a:ext uri="{FF2B5EF4-FFF2-40B4-BE49-F238E27FC236}">
-                <a16:creationId xmlns:a16="http://schemas.microsoft.com/office/drawing/2014/main" id="{9C30D63E-AE12-491E-81E4-B3C25BA710AC}"/>
+                <a16:creationId xmlns:a16="http://schemas.microsoft.com/office/drawing/2014/main" xmlns="" id="{9C30D63E-AE12-491E-81E4-B3C25BA710AC}"/>
               </a:ext>
             </a:extLst>
           </p:cNvPr>
@@ -4258,7 +4272,7 @@
           <p:cNvPr id="14" name="Rectangle 13">
             <a:extLst>
               <a:ext uri="{FF2B5EF4-FFF2-40B4-BE49-F238E27FC236}">
-                <a16:creationId xmlns:a16="http://schemas.microsoft.com/office/drawing/2014/main" id="{BEA4929A-0E7F-4B2B-81BC-6899210E604F}"/>
+                <a16:creationId xmlns:a16="http://schemas.microsoft.com/office/drawing/2014/main" xmlns="" id="{BEA4929A-0E7F-4B2B-81BC-6899210E604F}"/>
               </a:ext>
             </a:extLst>
           </p:cNvPr>
@@ -4320,7 +4334,7 @@
           <p:cNvPr id="15" name="Rectangle 14">
             <a:extLst>
               <a:ext uri="{FF2B5EF4-FFF2-40B4-BE49-F238E27FC236}">
-                <a16:creationId xmlns:a16="http://schemas.microsoft.com/office/drawing/2014/main" id="{4C27A026-FFDC-4CB9-9AB8-BB4B31660FD8}"/>
+                <a16:creationId xmlns:a16="http://schemas.microsoft.com/office/drawing/2014/main" xmlns="" id="{4C27A026-FFDC-4CB9-9AB8-BB4B31660FD8}"/>
               </a:ext>
             </a:extLst>
           </p:cNvPr>
@@ -4382,7 +4396,7 @@
           <p:cNvPr id="16" name="Picture 15">
             <a:extLst>
               <a:ext uri="{FF2B5EF4-FFF2-40B4-BE49-F238E27FC236}">
-                <a16:creationId xmlns:a16="http://schemas.microsoft.com/office/drawing/2014/main" id="{CE0FBF31-43A4-4034-8688-BF6697211B67}"/>
+                <a16:creationId xmlns:a16="http://schemas.microsoft.com/office/drawing/2014/main" xmlns="" id="{CE0FBF31-43A4-4034-8688-BF6697211B67}"/>
               </a:ext>
             </a:extLst>
           </p:cNvPr>
@@ -4392,10 +4406,10 @@
           <p:nvPr/>
         </p:nvPicPr>
         <p:blipFill>
-          <a:blip r:embed="rId2">
+          <a:blip r:embed="rId2" cstate="print">
             <a:extLst>
               <a:ext uri="{28A0092B-C50C-407E-A947-70E740481C1C}">
-                <a14:useLocalDpi xmlns:a14="http://schemas.microsoft.com/office/drawing/2010/main" val="0"/>
+                <a14:useLocalDpi xmlns:a14="http://schemas.microsoft.com/office/drawing/2010/main" xmlns="" val="0"/>
               </a:ext>
             </a:extLst>
           </a:blip>
@@ -4418,7 +4432,7 @@
           <p:cNvPr id="2" name="Title 1">
             <a:extLst>
               <a:ext uri="{FF2B5EF4-FFF2-40B4-BE49-F238E27FC236}">
-                <a16:creationId xmlns:a16="http://schemas.microsoft.com/office/drawing/2014/main" id="{FA67B1EE-D3B9-4A72-BB78-BEAFBE1FD62F}"/>
+                <a16:creationId xmlns:a16="http://schemas.microsoft.com/office/drawing/2014/main" xmlns="" id="{FA67B1EE-D3B9-4A72-BB78-BEAFBE1FD62F}"/>
               </a:ext>
             </a:extLst>
           </p:cNvPr>
@@ -4451,7 +4465,7 @@
           <p:cNvPr id="3" name="Text Placeholder 2">
             <a:extLst>
               <a:ext uri="{FF2B5EF4-FFF2-40B4-BE49-F238E27FC236}">
-                <a16:creationId xmlns:a16="http://schemas.microsoft.com/office/drawing/2014/main" id="{53C1261F-F460-4F19-99F4-F65B97B6FB44}"/>
+                <a16:creationId xmlns:a16="http://schemas.microsoft.com/office/drawing/2014/main" xmlns="" id="{53C1261F-F460-4F19-99F4-F65B97B6FB44}"/>
               </a:ext>
             </a:extLst>
           </p:cNvPr>
@@ -4522,7 +4536,7 @@
           <p:cNvPr id="4" name="Content Placeholder 3">
             <a:extLst>
               <a:ext uri="{FF2B5EF4-FFF2-40B4-BE49-F238E27FC236}">
-                <a16:creationId xmlns:a16="http://schemas.microsoft.com/office/drawing/2014/main" id="{D0C84E1E-AD39-414E-A630-BB5F20BC8A9B}"/>
+                <a16:creationId xmlns:a16="http://schemas.microsoft.com/office/drawing/2014/main" xmlns="" id="{D0C84E1E-AD39-414E-A630-BB5F20BC8A9B}"/>
               </a:ext>
             </a:extLst>
           </p:cNvPr>
@@ -4584,7 +4598,7 @@
           <p:cNvPr id="5" name="Text Placeholder 4">
             <a:extLst>
               <a:ext uri="{FF2B5EF4-FFF2-40B4-BE49-F238E27FC236}">
-                <a16:creationId xmlns:a16="http://schemas.microsoft.com/office/drawing/2014/main" id="{9EEA01E5-2430-4A1C-8323-5D191529BD67}"/>
+                <a16:creationId xmlns:a16="http://schemas.microsoft.com/office/drawing/2014/main" xmlns="" id="{9EEA01E5-2430-4A1C-8323-5D191529BD67}"/>
               </a:ext>
             </a:extLst>
           </p:cNvPr>
@@ -4655,7 +4669,7 @@
           <p:cNvPr id="6" name="Content Placeholder 5">
             <a:extLst>
               <a:ext uri="{FF2B5EF4-FFF2-40B4-BE49-F238E27FC236}">
-                <a16:creationId xmlns:a16="http://schemas.microsoft.com/office/drawing/2014/main" id="{B4C4A9DA-01AC-4343-9532-A824358CD679}"/>
+                <a16:creationId xmlns:a16="http://schemas.microsoft.com/office/drawing/2014/main" xmlns="" id="{B4C4A9DA-01AC-4343-9532-A824358CD679}"/>
               </a:ext>
             </a:extLst>
           </p:cNvPr>
@@ -4717,7 +4731,7 @@
           <p:cNvPr id="7" name="Date Placeholder 6">
             <a:extLst>
               <a:ext uri="{FF2B5EF4-FFF2-40B4-BE49-F238E27FC236}">
-                <a16:creationId xmlns:a16="http://schemas.microsoft.com/office/drawing/2014/main" id="{CA9BA755-AEE2-4001-8DE6-415A8DBF9673}"/>
+                <a16:creationId xmlns:a16="http://schemas.microsoft.com/office/drawing/2014/main" xmlns="" id="{CA9BA755-AEE2-4001-8DE6-415A8DBF9673}"/>
               </a:ext>
             </a:extLst>
           </p:cNvPr>
@@ -4735,7 +4749,8 @@
           <a:p>
             <a:fld id="{D2474CCF-98B4-411A-8810-C31E8C29E19B}" type="datetimeFigureOut">
               <a:rPr lang="en-US" smtClean="0"/>
-              <a:t>6/30/2022</a:t>
+              <a:pPr/>
+              <a:t>6/1/2024</a:t>
             </a:fld>
             <a:endParaRPr lang="en-US"/>
           </a:p>
@@ -4746,7 +4761,7 @@
           <p:cNvPr id="8" name="Footer Placeholder 7">
             <a:extLst>
               <a:ext uri="{FF2B5EF4-FFF2-40B4-BE49-F238E27FC236}">
-                <a16:creationId xmlns:a16="http://schemas.microsoft.com/office/drawing/2014/main" id="{823B665F-223D-495A-BDBB-E3363CAFC9D8}"/>
+                <a16:creationId xmlns:a16="http://schemas.microsoft.com/office/drawing/2014/main" xmlns="" id="{823B665F-223D-495A-BDBB-E3363CAFC9D8}"/>
               </a:ext>
             </a:extLst>
           </p:cNvPr>
@@ -4771,7 +4786,7 @@
           <p:cNvPr id="9" name="Slide Number Placeholder 8">
             <a:extLst>
               <a:ext uri="{FF2B5EF4-FFF2-40B4-BE49-F238E27FC236}">
-                <a16:creationId xmlns:a16="http://schemas.microsoft.com/office/drawing/2014/main" id="{B19B297C-3F38-49A1-953B-17E3F6F667AE}"/>
+                <a16:creationId xmlns:a16="http://schemas.microsoft.com/office/drawing/2014/main" xmlns="" id="{B19B297C-3F38-49A1-953B-17E3F6F667AE}"/>
               </a:ext>
             </a:extLst>
           </p:cNvPr>
@@ -4789,6 +4804,7 @@
           <a:p>
             <a:fld id="{A1FD0E78-183D-4F7D-A18B-8A4BED7B6988}" type="slidenum">
               <a:rPr lang="en-US" smtClean="0"/>
+              <a:pPr/>
               <a:t>‹#›</a:t>
             </a:fld>
             <a:endParaRPr lang="en-US"/>
@@ -4798,7 +4814,7 @@
     </p:spTree>
     <p:extLst>
       <p:ext uri="{BB962C8B-B14F-4D97-AF65-F5344CB8AC3E}">
-        <p14:creationId xmlns:p14="http://schemas.microsoft.com/office/powerpoint/2010/main" val="265057621"/>
+        <p14:creationId xmlns:p14="http://schemas.microsoft.com/office/powerpoint/2010/main" xmlns="" val="265057621"/>
       </p:ext>
     </p:extLst>
   </p:cSld>
@@ -4830,7 +4846,7 @@
           <p:cNvPr id="6" name="Rectangle 5">
             <a:extLst>
               <a:ext uri="{FF2B5EF4-FFF2-40B4-BE49-F238E27FC236}">
-                <a16:creationId xmlns:a16="http://schemas.microsoft.com/office/drawing/2014/main" id="{37856098-1DA3-49E8-91B8-CAA5CDB7382E}"/>
+                <a16:creationId xmlns:a16="http://schemas.microsoft.com/office/drawing/2014/main" xmlns="" id="{37856098-1DA3-49E8-91B8-CAA5CDB7382E}"/>
               </a:ext>
             </a:extLst>
           </p:cNvPr>
@@ -4879,7 +4895,7 @@
           <p:cNvPr id="7" name="Rectangle 6">
             <a:extLst>
               <a:ext uri="{FF2B5EF4-FFF2-40B4-BE49-F238E27FC236}">
-                <a16:creationId xmlns:a16="http://schemas.microsoft.com/office/drawing/2014/main" id="{8AD2C0DA-73C9-4A83-97A2-EB4541745B64}"/>
+                <a16:creationId xmlns:a16="http://schemas.microsoft.com/office/drawing/2014/main" xmlns="" id="{8AD2C0DA-73C9-4A83-97A2-EB4541745B64}"/>
               </a:ext>
             </a:extLst>
           </p:cNvPr>
@@ -4936,7 +4952,7 @@
           <p:cNvPr id="8" name="Rectangle 7">
             <a:extLst>
               <a:ext uri="{FF2B5EF4-FFF2-40B4-BE49-F238E27FC236}">
-                <a16:creationId xmlns:a16="http://schemas.microsoft.com/office/drawing/2014/main" id="{B83A0938-3C8A-4ACA-8AD0-352B444392A9}"/>
+                <a16:creationId xmlns:a16="http://schemas.microsoft.com/office/drawing/2014/main" xmlns="" id="{B83A0938-3C8A-4ACA-8AD0-352B444392A9}"/>
               </a:ext>
             </a:extLst>
           </p:cNvPr>
@@ -4998,7 +5014,7 @@
           <p:cNvPr id="9" name="Rectangle 8">
             <a:extLst>
               <a:ext uri="{FF2B5EF4-FFF2-40B4-BE49-F238E27FC236}">
-                <a16:creationId xmlns:a16="http://schemas.microsoft.com/office/drawing/2014/main" id="{2FE9A254-00DC-4FF4-ABF3-8D548470A822}"/>
+                <a16:creationId xmlns:a16="http://schemas.microsoft.com/office/drawing/2014/main" xmlns="" id="{2FE9A254-00DC-4FF4-ABF3-8D548470A822}"/>
               </a:ext>
             </a:extLst>
           </p:cNvPr>
@@ -5060,7 +5076,7 @@
           <p:cNvPr id="10" name="Rectangle 9">
             <a:extLst>
               <a:ext uri="{FF2B5EF4-FFF2-40B4-BE49-F238E27FC236}">
-                <a16:creationId xmlns:a16="http://schemas.microsoft.com/office/drawing/2014/main" id="{27E83A17-368C-4CF3-93EE-956780C13754}"/>
+                <a16:creationId xmlns:a16="http://schemas.microsoft.com/office/drawing/2014/main" xmlns="" id="{27E83A17-368C-4CF3-93EE-956780C13754}"/>
               </a:ext>
             </a:extLst>
           </p:cNvPr>
@@ -5122,7 +5138,7 @@
           <p:cNvPr id="11" name="Rectangle 10">
             <a:extLst>
               <a:ext uri="{FF2B5EF4-FFF2-40B4-BE49-F238E27FC236}">
-                <a16:creationId xmlns:a16="http://schemas.microsoft.com/office/drawing/2014/main" id="{F86DDFCB-6B13-4853-B2B2-7FDD576847E1}"/>
+                <a16:creationId xmlns:a16="http://schemas.microsoft.com/office/drawing/2014/main" xmlns="" id="{F86DDFCB-6B13-4853-B2B2-7FDD576847E1}"/>
               </a:ext>
             </a:extLst>
           </p:cNvPr>
@@ -5184,7 +5200,7 @@
           <p:cNvPr id="12" name="Picture 11">
             <a:extLst>
               <a:ext uri="{FF2B5EF4-FFF2-40B4-BE49-F238E27FC236}">
-                <a16:creationId xmlns:a16="http://schemas.microsoft.com/office/drawing/2014/main" id="{64C8E1E0-E974-41E1-9F43-DEF84D8A1F22}"/>
+                <a16:creationId xmlns:a16="http://schemas.microsoft.com/office/drawing/2014/main" xmlns="" id="{64C8E1E0-E974-41E1-9F43-DEF84D8A1F22}"/>
               </a:ext>
             </a:extLst>
           </p:cNvPr>
@@ -5194,10 +5210,10 @@
           <p:nvPr/>
         </p:nvPicPr>
         <p:blipFill>
-          <a:blip r:embed="rId2">
+          <a:blip r:embed="rId2" cstate="print">
             <a:extLst>
               <a:ext uri="{28A0092B-C50C-407E-A947-70E740481C1C}">
-                <a14:useLocalDpi xmlns:a14="http://schemas.microsoft.com/office/drawing/2010/main" val="0"/>
+                <a14:useLocalDpi xmlns:a14="http://schemas.microsoft.com/office/drawing/2010/main" xmlns="" val="0"/>
               </a:ext>
             </a:extLst>
           </a:blip>
@@ -5220,7 +5236,7 @@
           <p:cNvPr id="2" name="Title 1">
             <a:extLst>
               <a:ext uri="{FF2B5EF4-FFF2-40B4-BE49-F238E27FC236}">
-                <a16:creationId xmlns:a16="http://schemas.microsoft.com/office/drawing/2014/main" id="{634473C1-75AC-4CC3-97E1-56E2CDDB9EEA}"/>
+                <a16:creationId xmlns:a16="http://schemas.microsoft.com/office/drawing/2014/main" xmlns="" id="{634473C1-75AC-4CC3-97E1-56E2CDDB9EEA}"/>
               </a:ext>
             </a:extLst>
           </p:cNvPr>
@@ -5248,7 +5264,7 @@
           <p:cNvPr id="3" name="Date Placeholder 2">
             <a:extLst>
               <a:ext uri="{FF2B5EF4-FFF2-40B4-BE49-F238E27FC236}">
-                <a16:creationId xmlns:a16="http://schemas.microsoft.com/office/drawing/2014/main" id="{8027F37E-14E1-44B3-BCD8-AEBD153A14BA}"/>
+                <a16:creationId xmlns:a16="http://schemas.microsoft.com/office/drawing/2014/main" xmlns="" id="{8027F37E-14E1-44B3-BCD8-AEBD153A14BA}"/>
               </a:ext>
             </a:extLst>
           </p:cNvPr>
@@ -5266,7 +5282,8 @@
           <a:p>
             <a:fld id="{D2474CCF-98B4-411A-8810-C31E8C29E19B}" type="datetimeFigureOut">
               <a:rPr lang="en-US" smtClean="0"/>
-              <a:t>6/30/2022</a:t>
+              <a:pPr/>
+              <a:t>6/1/2024</a:t>
             </a:fld>
             <a:endParaRPr lang="en-US"/>
           </a:p>
@@ -5277,7 +5294,7 @@
           <p:cNvPr id="4" name="Footer Placeholder 3">
             <a:extLst>
               <a:ext uri="{FF2B5EF4-FFF2-40B4-BE49-F238E27FC236}">
-                <a16:creationId xmlns:a16="http://schemas.microsoft.com/office/drawing/2014/main" id="{3EEB09FB-ACF3-4E2F-B66D-3E13733A5B2B}"/>
+                <a16:creationId xmlns:a16="http://schemas.microsoft.com/office/drawing/2014/main" xmlns="" id="{3EEB09FB-ACF3-4E2F-B66D-3E13733A5B2B}"/>
               </a:ext>
             </a:extLst>
           </p:cNvPr>
@@ -5302,7 +5319,7 @@
           <p:cNvPr id="5" name="Slide Number Placeholder 4">
             <a:extLst>
               <a:ext uri="{FF2B5EF4-FFF2-40B4-BE49-F238E27FC236}">
-                <a16:creationId xmlns:a16="http://schemas.microsoft.com/office/drawing/2014/main" id="{00D82C6C-9BFE-4C90-A547-8C325C55EAA2}"/>
+                <a16:creationId xmlns:a16="http://schemas.microsoft.com/office/drawing/2014/main" xmlns="" id="{00D82C6C-9BFE-4C90-A547-8C325C55EAA2}"/>
               </a:ext>
             </a:extLst>
           </p:cNvPr>
@@ -5320,6 +5337,7 @@
           <a:p>
             <a:fld id="{A1FD0E78-183D-4F7D-A18B-8A4BED7B6988}" type="slidenum">
               <a:rPr lang="en-US" smtClean="0"/>
+              <a:pPr/>
               <a:t>‹#›</a:t>
             </a:fld>
             <a:endParaRPr lang="en-US"/>
@@ -5329,7 +5347,7 @@
     </p:spTree>
     <p:extLst>
       <p:ext uri="{BB962C8B-B14F-4D97-AF65-F5344CB8AC3E}">
-        <p14:creationId xmlns:p14="http://schemas.microsoft.com/office/powerpoint/2010/main" val="3783065093"/>
+        <p14:creationId xmlns:p14="http://schemas.microsoft.com/office/powerpoint/2010/main" xmlns="" val="3783065093"/>
       </p:ext>
     </p:extLst>
   </p:cSld>
@@ -5361,7 +5379,7 @@
           <p:cNvPr id="5" name="Rectangle 4">
             <a:extLst>
               <a:ext uri="{FF2B5EF4-FFF2-40B4-BE49-F238E27FC236}">
-                <a16:creationId xmlns:a16="http://schemas.microsoft.com/office/drawing/2014/main" id="{F2FA0252-28E1-40E5-ACE6-20D14F5256B9}"/>
+                <a16:creationId xmlns:a16="http://schemas.microsoft.com/office/drawing/2014/main" xmlns="" id="{F2FA0252-28E1-40E5-ACE6-20D14F5256B9}"/>
               </a:ext>
             </a:extLst>
           </p:cNvPr>
@@ -5410,7 +5428,7 @@
           <p:cNvPr id="6" name="Rectangle 5">
             <a:extLst>
               <a:ext uri="{FF2B5EF4-FFF2-40B4-BE49-F238E27FC236}">
-                <a16:creationId xmlns:a16="http://schemas.microsoft.com/office/drawing/2014/main" id="{3E618FD9-31FC-4567-B182-23204706A8B0}"/>
+                <a16:creationId xmlns:a16="http://schemas.microsoft.com/office/drawing/2014/main" xmlns="" id="{3E618FD9-31FC-4567-B182-23204706A8B0}"/>
               </a:ext>
             </a:extLst>
           </p:cNvPr>
@@ -5467,7 +5485,7 @@
           <p:cNvPr id="7" name="Rectangle 6">
             <a:extLst>
               <a:ext uri="{FF2B5EF4-FFF2-40B4-BE49-F238E27FC236}">
-                <a16:creationId xmlns:a16="http://schemas.microsoft.com/office/drawing/2014/main" id="{0B29B7B4-B37A-4ECF-85D2-5A66AA4D9A3E}"/>
+                <a16:creationId xmlns:a16="http://schemas.microsoft.com/office/drawing/2014/main" xmlns="" id="{0B29B7B4-B37A-4ECF-85D2-5A66AA4D9A3E}"/>
               </a:ext>
             </a:extLst>
           </p:cNvPr>
@@ -5529,7 +5547,7 @@
           <p:cNvPr id="8" name="Rectangle 7">
             <a:extLst>
               <a:ext uri="{FF2B5EF4-FFF2-40B4-BE49-F238E27FC236}">
-                <a16:creationId xmlns:a16="http://schemas.microsoft.com/office/drawing/2014/main" id="{CCF4FB33-76DE-4704-8B1A-C3FE16F507E2}"/>
+                <a16:creationId xmlns:a16="http://schemas.microsoft.com/office/drawing/2014/main" xmlns="" id="{CCF4FB33-76DE-4704-8B1A-C3FE16F507E2}"/>
               </a:ext>
             </a:extLst>
           </p:cNvPr>
@@ -5591,7 +5609,7 @@
           <p:cNvPr id="9" name="Rectangle 8">
             <a:extLst>
               <a:ext uri="{FF2B5EF4-FFF2-40B4-BE49-F238E27FC236}">
-                <a16:creationId xmlns:a16="http://schemas.microsoft.com/office/drawing/2014/main" id="{58A894C9-4BA3-403A-B5F2-D596A188AF2F}"/>
+                <a16:creationId xmlns:a16="http://schemas.microsoft.com/office/drawing/2014/main" xmlns="" id="{58A894C9-4BA3-403A-B5F2-D596A188AF2F}"/>
               </a:ext>
             </a:extLst>
           </p:cNvPr>
@@ -5653,7 +5671,7 @@
           <p:cNvPr id="10" name="Rectangle 9">
             <a:extLst>
               <a:ext uri="{FF2B5EF4-FFF2-40B4-BE49-F238E27FC236}">
-                <a16:creationId xmlns:a16="http://schemas.microsoft.com/office/drawing/2014/main" id="{970B9174-D03E-4D6F-A8E5-B9D3C8C2DB80}"/>
+                <a16:creationId xmlns:a16="http://schemas.microsoft.com/office/drawing/2014/main" xmlns="" id="{970B9174-D03E-4D6F-A8E5-B9D3C8C2DB80}"/>
               </a:ext>
             </a:extLst>
           </p:cNvPr>
@@ -5715,7 +5733,7 @@
           <p:cNvPr id="11" name="Picture 10">
             <a:extLst>
               <a:ext uri="{FF2B5EF4-FFF2-40B4-BE49-F238E27FC236}">
-                <a16:creationId xmlns:a16="http://schemas.microsoft.com/office/drawing/2014/main" id="{16EAC91E-9BE5-4729-AA9E-F5E9394A8D1C}"/>
+                <a16:creationId xmlns:a16="http://schemas.microsoft.com/office/drawing/2014/main" xmlns="" id="{16EAC91E-9BE5-4729-AA9E-F5E9394A8D1C}"/>
               </a:ext>
             </a:extLst>
           </p:cNvPr>
@@ -5725,10 +5743,10 @@
           <p:nvPr/>
         </p:nvPicPr>
         <p:blipFill>
-          <a:blip r:embed="rId2">
+          <a:blip r:embed="rId2" cstate="print">
             <a:extLst>
               <a:ext uri="{28A0092B-C50C-407E-A947-70E740481C1C}">
-                <a14:useLocalDpi xmlns:a14="http://schemas.microsoft.com/office/drawing/2010/main" val="0"/>
+                <a14:useLocalDpi xmlns:a14="http://schemas.microsoft.com/office/drawing/2010/main" xmlns="" val="0"/>
               </a:ext>
             </a:extLst>
           </a:blip>
@@ -5751,7 +5769,7 @@
           <p:cNvPr id="2" name="Date Placeholder 1">
             <a:extLst>
               <a:ext uri="{FF2B5EF4-FFF2-40B4-BE49-F238E27FC236}">
-                <a16:creationId xmlns:a16="http://schemas.microsoft.com/office/drawing/2014/main" id="{7839A89A-4F67-468F-80FE-0E3680B1A7D2}"/>
+                <a16:creationId xmlns:a16="http://schemas.microsoft.com/office/drawing/2014/main" xmlns="" id="{7839A89A-4F67-468F-80FE-0E3680B1A7D2}"/>
               </a:ext>
             </a:extLst>
           </p:cNvPr>
@@ -5769,7 +5787,8 @@
           <a:p>
             <a:fld id="{D2474CCF-98B4-411A-8810-C31E8C29E19B}" type="datetimeFigureOut">
               <a:rPr lang="en-US" smtClean="0"/>
-              <a:t>6/30/2022</a:t>
+              <a:pPr/>
+              <a:t>6/1/2024</a:t>
             </a:fld>
             <a:endParaRPr lang="en-US"/>
           </a:p>
@@ -5780,7 +5799,7 @@
           <p:cNvPr id="3" name="Footer Placeholder 2">
             <a:extLst>
               <a:ext uri="{FF2B5EF4-FFF2-40B4-BE49-F238E27FC236}">
-                <a16:creationId xmlns:a16="http://schemas.microsoft.com/office/drawing/2014/main" id="{5C101976-8FCF-4B4F-B90A-B5E724625AE4}"/>
+                <a16:creationId xmlns:a16="http://schemas.microsoft.com/office/drawing/2014/main" xmlns="" id="{5C101976-8FCF-4B4F-B90A-B5E724625AE4}"/>
               </a:ext>
             </a:extLst>
           </p:cNvPr>
@@ -5805,7 +5824,7 @@
           <p:cNvPr id="4" name="Slide Number Placeholder 3">
             <a:extLst>
               <a:ext uri="{FF2B5EF4-FFF2-40B4-BE49-F238E27FC236}">
-                <a16:creationId xmlns:a16="http://schemas.microsoft.com/office/drawing/2014/main" id="{706AE299-AC97-4CB0-8712-61CB13DAB778}"/>
+                <a16:creationId xmlns:a16="http://schemas.microsoft.com/office/drawing/2014/main" xmlns="" id="{706AE299-AC97-4CB0-8712-61CB13DAB778}"/>
               </a:ext>
             </a:extLst>
           </p:cNvPr>
@@ -5823,6 +5842,7 @@
           <a:p>
             <a:fld id="{A1FD0E78-183D-4F7D-A18B-8A4BED7B6988}" type="slidenum">
               <a:rPr lang="en-US" smtClean="0"/>
+              <a:pPr/>
               <a:t>‹#›</a:t>
             </a:fld>
             <a:endParaRPr lang="en-US"/>
@@ -5832,7 +5852,7 @@
     </p:spTree>
     <p:extLst>
       <p:ext uri="{BB962C8B-B14F-4D97-AF65-F5344CB8AC3E}">
-        <p14:creationId xmlns:p14="http://schemas.microsoft.com/office/powerpoint/2010/main" val="3528334488"/>
+        <p14:creationId xmlns:p14="http://schemas.microsoft.com/office/powerpoint/2010/main" xmlns="" val="3528334488"/>
       </p:ext>
     </p:extLst>
   </p:cSld>
@@ -5864,7 +5884,7 @@
           <p:cNvPr id="2" name="Title 1">
             <a:extLst>
               <a:ext uri="{FF2B5EF4-FFF2-40B4-BE49-F238E27FC236}">
-                <a16:creationId xmlns:a16="http://schemas.microsoft.com/office/drawing/2014/main" id="{0AB6CCC9-CB97-4066-B6DA-4148BB88F608}"/>
+                <a16:creationId xmlns:a16="http://schemas.microsoft.com/office/drawing/2014/main" xmlns="" id="{0AB6CCC9-CB97-4066-B6DA-4148BB88F608}"/>
               </a:ext>
             </a:extLst>
           </p:cNvPr>
@@ -5901,7 +5921,7 @@
           <p:cNvPr id="3" name="Content Placeholder 2">
             <a:extLst>
               <a:ext uri="{FF2B5EF4-FFF2-40B4-BE49-F238E27FC236}">
-                <a16:creationId xmlns:a16="http://schemas.microsoft.com/office/drawing/2014/main" id="{F8B6ECEE-E57D-455E-A22A-6DE67E6B8B65}"/>
+                <a16:creationId xmlns:a16="http://schemas.microsoft.com/office/drawing/2014/main" xmlns="" id="{F8B6ECEE-E57D-455E-A22A-6DE67E6B8B65}"/>
               </a:ext>
             </a:extLst>
           </p:cNvPr>
@@ -5991,7 +6011,7 @@
           <p:cNvPr id="4" name="Text Placeholder 3">
             <a:extLst>
               <a:ext uri="{FF2B5EF4-FFF2-40B4-BE49-F238E27FC236}">
-                <a16:creationId xmlns:a16="http://schemas.microsoft.com/office/drawing/2014/main" id="{23E2D1F0-214E-43F0-A7BC-42F93E547BE6}"/>
+                <a16:creationId xmlns:a16="http://schemas.microsoft.com/office/drawing/2014/main" xmlns="" id="{23E2D1F0-214E-43F0-A7BC-42F93E547BE6}"/>
               </a:ext>
             </a:extLst>
           </p:cNvPr>
@@ -6062,7 +6082,7 @@
           <p:cNvPr id="5" name="Date Placeholder 4">
             <a:extLst>
               <a:ext uri="{FF2B5EF4-FFF2-40B4-BE49-F238E27FC236}">
-                <a16:creationId xmlns:a16="http://schemas.microsoft.com/office/drawing/2014/main" id="{D0B125E7-FC1E-4111-8E29-520E9E6AFC29}"/>
+                <a16:creationId xmlns:a16="http://schemas.microsoft.com/office/drawing/2014/main" xmlns="" id="{D0B125E7-FC1E-4111-8E29-520E9E6AFC29}"/>
               </a:ext>
             </a:extLst>
           </p:cNvPr>
@@ -6080,7 +6100,8 @@
           <a:p>
             <a:fld id="{D2474CCF-98B4-411A-8810-C31E8C29E19B}" type="datetimeFigureOut">
               <a:rPr lang="en-US" smtClean="0"/>
-              <a:t>6/30/2022</a:t>
+              <a:pPr/>
+              <a:t>6/1/2024</a:t>
             </a:fld>
             <a:endParaRPr lang="en-US"/>
           </a:p>
@@ -6091,7 +6112,7 @@
           <p:cNvPr id="6" name="Footer Placeholder 5">
             <a:extLst>
               <a:ext uri="{FF2B5EF4-FFF2-40B4-BE49-F238E27FC236}">
-                <a16:creationId xmlns:a16="http://schemas.microsoft.com/office/drawing/2014/main" id="{856E390C-8CD6-41DF-B8A7-0EA86E70449B}"/>
+                <a16:creationId xmlns:a16="http://schemas.microsoft.com/office/drawing/2014/main" xmlns="" id="{856E390C-8CD6-41DF-B8A7-0EA86E70449B}"/>
               </a:ext>
             </a:extLst>
           </p:cNvPr>
@@ -6116,7 +6137,7 @@
           <p:cNvPr id="7" name="Slide Number Placeholder 6">
             <a:extLst>
               <a:ext uri="{FF2B5EF4-FFF2-40B4-BE49-F238E27FC236}">
-                <a16:creationId xmlns:a16="http://schemas.microsoft.com/office/drawing/2014/main" id="{F24D1209-8122-481B-93F3-CD9D18358AD5}"/>
+                <a16:creationId xmlns:a16="http://schemas.microsoft.com/office/drawing/2014/main" xmlns="" id="{F24D1209-8122-481B-93F3-CD9D18358AD5}"/>
               </a:ext>
             </a:extLst>
           </p:cNvPr>
@@ -6134,6 +6155,7 @@
           <a:p>
             <a:fld id="{A1FD0E78-183D-4F7D-A18B-8A4BED7B6988}" type="slidenum">
               <a:rPr lang="en-US" smtClean="0"/>
+              <a:pPr/>
               <a:t>‹#›</a:t>
             </a:fld>
             <a:endParaRPr lang="en-US"/>
@@ -6143,7 +6165,7 @@
     </p:spTree>
     <p:extLst>
       <p:ext uri="{BB962C8B-B14F-4D97-AF65-F5344CB8AC3E}">
-        <p14:creationId xmlns:p14="http://schemas.microsoft.com/office/powerpoint/2010/main" val="2872829762"/>
+        <p14:creationId xmlns:p14="http://schemas.microsoft.com/office/powerpoint/2010/main" xmlns="" val="2872829762"/>
       </p:ext>
     </p:extLst>
   </p:cSld>
@@ -6175,7 +6197,7 @@
           <p:cNvPr id="2" name="Title 1">
             <a:extLst>
               <a:ext uri="{FF2B5EF4-FFF2-40B4-BE49-F238E27FC236}">
-                <a16:creationId xmlns:a16="http://schemas.microsoft.com/office/drawing/2014/main" id="{D0421060-B002-4A29-A677-95E1A92CC3EB}"/>
+                <a16:creationId xmlns:a16="http://schemas.microsoft.com/office/drawing/2014/main" xmlns="" id="{D0421060-B002-4A29-A677-95E1A92CC3EB}"/>
               </a:ext>
             </a:extLst>
           </p:cNvPr>
@@ -6212,7 +6234,7 @@
           <p:cNvPr id="3" name="Picture Placeholder 2">
             <a:extLst>
               <a:ext uri="{FF2B5EF4-FFF2-40B4-BE49-F238E27FC236}">
-                <a16:creationId xmlns:a16="http://schemas.microsoft.com/office/drawing/2014/main" id="{4DA23B8C-6470-4EFE-BA18-C7C748C1CA29}"/>
+                <a16:creationId xmlns:a16="http://schemas.microsoft.com/office/drawing/2014/main" xmlns="" id="{4DA23B8C-6470-4EFE-BA18-C7C748C1CA29}"/>
               </a:ext>
             </a:extLst>
           </p:cNvPr>
@@ -6282,7 +6304,7 @@
           <p:cNvPr id="4" name="Text Placeholder 3">
             <a:extLst>
               <a:ext uri="{FF2B5EF4-FFF2-40B4-BE49-F238E27FC236}">
-                <a16:creationId xmlns:a16="http://schemas.microsoft.com/office/drawing/2014/main" id="{0C14D961-FD3B-461E-A88E-64AC4821E64F}"/>
+                <a16:creationId xmlns:a16="http://schemas.microsoft.com/office/drawing/2014/main" xmlns="" id="{0C14D961-FD3B-461E-A88E-64AC4821E64F}"/>
               </a:ext>
             </a:extLst>
           </p:cNvPr>
@@ -6353,7 +6375,7 @@
           <p:cNvPr id="5" name="Date Placeholder 4">
             <a:extLst>
               <a:ext uri="{FF2B5EF4-FFF2-40B4-BE49-F238E27FC236}">
-                <a16:creationId xmlns:a16="http://schemas.microsoft.com/office/drawing/2014/main" id="{C64AF84C-0554-4D2A-95E2-84C361AAEDFA}"/>
+                <a16:creationId xmlns:a16="http://schemas.microsoft.com/office/drawing/2014/main" xmlns="" id="{C64AF84C-0554-4D2A-95E2-84C361AAEDFA}"/>
               </a:ext>
             </a:extLst>
           </p:cNvPr>
@@ -6371,7 +6393,8 @@
           <a:p>
             <a:fld id="{D2474CCF-98B4-411A-8810-C31E8C29E19B}" type="datetimeFigureOut">
               <a:rPr lang="en-US" smtClean="0"/>
-              <a:t>6/30/2022</a:t>
+              <a:pPr/>
+              <a:t>6/1/2024</a:t>
             </a:fld>
             <a:endParaRPr lang="en-US"/>
           </a:p>
@@ -6382,7 +6405,7 @@
           <p:cNvPr id="6" name="Footer Placeholder 5">
             <a:extLst>
               <a:ext uri="{FF2B5EF4-FFF2-40B4-BE49-F238E27FC236}">
-                <a16:creationId xmlns:a16="http://schemas.microsoft.com/office/drawing/2014/main" id="{682BC5B5-70F3-4D7C-9421-4846A194AF84}"/>
+                <a16:creationId xmlns:a16="http://schemas.microsoft.com/office/drawing/2014/main" xmlns="" id="{682BC5B5-70F3-4D7C-9421-4846A194AF84}"/>
               </a:ext>
             </a:extLst>
           </p:cNvPr>
@@ -6407,7 +6430,7 @@
           <p:cNvPr id="7" name="Slide Number Placeholder 6">
             <a:extLst>
               <a:ext uri="{FF2B5EF4-FFF2-40B4-BE49-F238E27FC236}">
-                <a16:creationId xmlns:a16="http://schemas.microsoft.com/office/drawing/2014/main" id="{040C9E27-8F16-42E6-B25A-6357B56B30CB}"/>
+                <a16:creationId xmlns:a16="http://schemas.microsoft.com/office/drawing/2014/main" xmlns="" id="{040C9E27-8F16-42E6-B25A-6357B56B30CB}"/>
               </a:ext>
             </a:extLst>
           </p:cNvPr>
@@ -6425,6 +6448,7 @@
           <a:p>
             <a:fld id="{A1FD0E78-183D-4F7D-A18B-8A4BED7B6988}" type="slidenum">
               <a:rPr lang="en-US" smtClean="0"/>
+              <a:pPr/>
               <a:t>‹#›</a:t>
             </a:fld>
             <a:endParaRPr lang="en-US"/>
@@ -6434,7 +6458,7 @@
     </p:spTree>
     <p:extLst>
       <p:ext uri="{BB962C8B-B14F-4D97-AF65-F5344CB8AC3E}">
-        <p14:creationId xmlns:p14="http://schemas.microsoft.com/office/powerpoint/2010/main" val="3978059408"/>
+        <p14:creationId xmlns:p14="http://schemas.microsoft.com/office/powerpoint/2010/main" xmlns="" val="3978059408"/>
       </p:ext>
     </p:extLst>
   </p:cSld>
@@ -6471,7 +6495,7 @@
           <p:cNvPr id="2" name="Title Placeholder 1">
             <a:extLst>
               <a:ext uri="{FF2B5EF4-FFF2-40B4-BE49-F238E27FC236}">
-                <a16:creationId xmlns:a16="http://schemas.microsoft.com/office/drawing/2014/main" id="{5672EF02-B3FB-409B-B71D-7DB59224D03E}"/>
+                <a16:creationId xmlns:a16="http://schemas.microsoft.com/office/drawing/2014/main" xmlns="" id="{5672EF02-B3FB-409B-B71D-7DB59224D03E}"/>
               </a:ext>
             </a:extLst>
           </p:cNvPr>
@@ -6509,7 +6533,7 @@
           <p:cNvPr id="3" name="Text Placeholder 2">
             <a:extLst>
               <a:ext uri="{FF2B5EF4-FFF2-40B4-BE49-F238E27FC236}">
-                <a16:creationId xmlns:a16="http://schemas.microsoft.com/office/drawing/2014/main" id="{1FD66FC5-8BC1-45FA-8841-F34FA58FDF13}"/>
+                <a16:creationId xmlns:a16="http://schemas.microsoft.com/office/drawing/2014/main" xmlns="" id="{1FD66FC5-8BC1-45FA-8841-F34FA58FDF13}"/>
               </a:ext>
             </a:extLst>
           </p:cNvPr>
@@ -6576,7 +6600,7 @@
           <p:cNvPr id="4" name="Date Placeholder 3">
             <a:extLst>
               <a:ext uri="{FF2B5EF4-FFF2-40B4-BE49-F238E27FC236}">
-                <a16:creationId xmlns:a16="http://schemas.microsoft.com/office/drawing/2014/main" id="{4107B98F-173F-4961-A753-124D5F25AED6}"/>
+                <a16:creationId xmlns:a16="http://schemas.microsoft.com/office/drawing/2014/main" xmlns="" id="{4107B98F-173F-4961-A753-124D5F25AED6}"/>
               </a:ext>
             </a:extLst>
           </p:cNvPr>
@@ -6612,7 +6636,8 @@
           <a:p>
             <a:fld id="{D2474CCF-98B4-411A-8810-C31E8C29E19B}" type="datetimeFigureOut">
               <a:rPr lang="en-US" smtClean="0"/>
-              <a:t>6/30/2022</a:t>
+              <a:pPr/>
+              <a:t>6/1/2024</a:t>
             </a:fld>
             <a:endParaRPr lang="en-US"/>
           </a:p>
@@ -6623,7 +6648,7 @@
           <p:cNvPr id="5" name="Footer Placeholder 4">
             <a:extLst>
               <a:ext uri="{FF2B5EF4-FFF2-40B4-BE49-F238E27FC236}">
-                <a16:creationId xmlns:a16="http://schemas.microsoft.com/office/drawing/2014/main" id="{69DB7A21-CD9E-479E-AAB2-6CC376E9F692}"/>
+                <a16:creationId xmlns:a16="http://schemas.microsoft.com/office/drawing/2014/main" xmlns="" id="{69DB7A21-CD9E-479E-AAB2-6CC376E9F692}"/>
               </a:ext>
             </a:extLst>
           </p:cNvPr>
@@ -6666,7 +6691,7 @@
           <p:cNvPr id="6" name="Slide Number Placeholder 5">
             <a:extLst>
               <a:ext uri="{FF2B5EF4-FFF2-40B4-BE49-F238E27FC236}">
-                <a16:creationId xmlns:a16="http://schemas.microsoft.com/office/drawing/2014/main" id="{C6ABC126-58FF-4F4D-A936-FEFCC877EF3A}"/>
+                <a16:creationId xmlns:a16="http://schemas.microsoft.com/office/drawing/2014/main" xmlns="" id="{C6ABC126-58FF-4F4D-A936-FEFCC877EF3A}"/>
               </a:ext>
             </a:extLst>
           </p:cNvPr>
@@ -6702,6 +6727,7 @@
           <a:p>
             <a:fld id="{A1FD0E78-183D-4F7D-A18B-8A4BED7B6988}" type="slidenum">
               <a:rPr lang="en-US" smtClean="0"/>
+              <a:pPr/>
               <a:t>‹#›</a:t>
             </a:fld>
             <a:endParaRPr lang="en-US"/>
@@ -6711,7 +6737,7 @@
     </p:spTree>
     <p:extLst>
       <p:ext uri="{BB962C8B-B14F-4D97-AF65-F5344CB8AC3E}">
-        <p14:creationId xmlns:p14="http://schemas.microsoft.com/office/powerpoint/2010/main" val="3606927380"/>
+        <p14:creationId xmlns:p14="http://schemas.microsoft.com/office/powerpoint/2010/main" xmlns="" val="3606927380"/>
       </p:ext>
     </p:extLst>
   </p:cSld>
@@ -7034,7 +7060,7 @@
           <p:cNvPr id="2" name="Title 1">
             <a:extLst>
               <a:ext uri="{FF2B5EF4-FFF2-40B4-BE49-F238E27FC236}">
-                <a16:creationId xmlns:a16="http://schemas.microsoft.com/office/drawing/2014/main" id="{C70F88C2-D62C-496E-8359-A6E42ABBE5C2}"/>
+                <a16:creationId xmlns:a16="http://schemas.microsoft.com/office/drawing/2014/main" xmlns="" id="{C70F88C2-D62C-496E-8359-A6E42ABBE5C2}"/>
               </a:ext>
             </a:extLst>
           </p:cNvPr>
@@ -7068,7 +7094,7 @@
           <p:cNvPr id="3" name="Subtitle 2">
             <a:extLst>
               <a:ext uri="{FF2B5EF4-FFF2-40B4-BE49-F238E27FC236}">
-                <a16:creationId xmlns:a16="http://schemas.microsoft.com/office/drawing/2014/main" id="{D66627D2-8B6B-4DCC-9D83-1FA969EFAFA0}"/>
+                <a16:creationId xmlns:a16="http://schemas.microsoft.com/office/drawing/2014/main" xmlns="" id="{D66627D2-8B6B-4DCC-9D83-1FA969EFAFA0}"/>
               </a:ext>
             </a:extLst>
           </p:cNvPr>
@@ -7110,7 +7136,7 @@
     </p:spTree>
     <p:extLst>
       <p:ext uri="{BB962C8B-B14F-4D97-AF65-F5344CB8AC3E}">
-        <p14:creationId xmlns:p14="http://schemas.microsoft.com/office/powerpoint/2010/main" val="926091206"/>
+        <p14:creationId xmlns:p14="http://schemas.microsoft.com/office/powerpoint/2010/main" xmlns="" val="926091206"/>
       </p:ext>
     </p:extLst>
   </p:cSld>
@@ -7142,7 +7168,7 @@
           <p:cNvPr id="2" name="Title 1">
             <a:extLst>
               <a:ext uri="{FF2B5EF4-FFF2-40B4-BE49-F238E27FC236}">
-                <a16:creationId xmlns:a16="http://schemas.microsoft.com/office/drawing/2014/main" id="{0FF717EB-CA8C-3FEB-939F-E937AAED48D9}"/>
+                <a16:creationId xmlns:a16="http://schemas.microsoft.com/office/drawing/2014/main" xmlns="" id="{0FF717EB-CA8C-3FEB-939F-E937AAED48D9}"/>
               </a:ext>
             </a:extLst>
           </p:cNvPr>
@@ -7186,7 +7212,7 @@
           <p:cNvPr id="4" name="TextBox 3">
             <a:extLst>
               <a:ext uri="{FF2B5EF4-FFF2-40B4-BE49-F238E27FC236}">
-                <a16:creationId xmlns:a16="http://schemas.microsoft.com/office/drawing/2014/main" id="{798D0670-DF32-BBEA-9A0F-5AC3C5E9CAFF}"/>
+                <a16:creationId xmlns:a16="http://schemas.microsoft.com/office/drawing/2014/main" xmlns="" id="{798D0670-DF32-BBEA-9A0F-5AC3C5E9CAFF}"/>
               </a:ext>
             </a:extLst>
           </p:cNvPr>
@@ -7246,7 +7272,7 @@
           <p:cNvPr id="6" name="TextBox 5">
             <a:extLst>
               <a:ext uri="{FF2B5EF4-FFF2-40B4-BE49-F238E27FC236}">
-                <a16:creationId xmlns:a16="http://schemas.microsoft.com/office/drawing/2014/main" id="{AA8F88F3-1F38-8E2B-8B94-23F3FDE3E791}"/>
+                <a16:creationId xmlns:a16="http://schemas.microsoft.com/office/drawing/2014/main" xmlns="" id="{AA8F88F3-1F38-8E2B-8B94-23F3FDE3E791}"/>
               </a:ext>
             </a:extLst>
           </p:cNvPr>
@@ -7306,7 +7332,7 @@
           <p:cNvPr id="7" name="Table 6">
             <a:extLst>
               <a:ext uri="{FF2B5EF4-FFF2-40B4-BE49-F238E27FC236}">
-                <a16:creationId xmlns:a16="http://schemas.microsoft.com/office/drawing/2014/main" id="{62C506E3-DA1C-F51B-6DC8-4DC5EE4ED334}"/>
+                <a16:creationId xmlns:a16="http://schemas.microsoft.com/office/drawing/2014/main" xmlns="" id="{62C506E3-DA1C-F51B-6DC8-4DC5EE4ED334}"/>
               </a:ext>
             </a:extLst>
           </p:cNvPr>
@@ -7316,7 +7342,7 @@
           <p:nvPr>
             <p:extLst>
               <p:ext uri="{D42A27DB-BD31-4B8C-83A1-F6EECF244321}">
-                <p14:modId xmlns:p14="http://schemas.microsoft.com/office/powerpoint/2010/main" val="409243327"/>
+                <p14:modId xmlns:p14="http://schemas.microsoft.com/office/powerpoint/2010/main" xmlns="" val="409243327"/>
               </p:ext>
             </p:extLst>
           </p:nvPr>
@@ -7333,21 +7359,21 @@
                 <a:gridCol w="2125790">
                   <a:extLst>
                     <a:ext uri="{9D8B030D-6E8A-4147-A177-3AD203B41FA5}">
-                      <a16:colId xmlns:a16="http://schemas.microsoft.com/office/drawing/2014/main" val="3130570310"/>
+                      <a16:colId xmlns:a16="http://schemas.microsoft.com/office/drawing/2014/main" xmlns="" val="3130570310"/>
                     </a:ext>
                   </a:extLst>
                 </a:gridCol>
                 <a:gridCol w="2125790">
                   <a:extLst>
                     <a:ext uri="{9D8B030D-6E8A-4147-A177-3AD203B41FA5}">
-                      <a16:colId xmlns:a16="http://schemas.microsoft.com/office/drawing/2014/main" val="2503551420"/>
+                      <a16:colId xmlns:a16="http://schemas.microsoft.com/office/drawing/2014/main" xmlns="" val="2503551420"/>
                     </a:ext>
                   </a:extLst>
                 </a:gridCol>
                 <a:gridCol w="2125790">
                   <a:extLst>
                     <a:ext uri="{9D8B030D-6E8A-4147-A177-3AD203B41FA5}">
-                      <a16:colId xmlns:a16="http://schemas.microsoft.com/office/drawing/2014/main" val="1552930882"/>
+                      <a16:colId xmlns:a16="http://schemas.microsoft.com/office/drawing/2014/main" xmlns="" val="1552930882"/>
                     </a:ext>
                   </a:extLst>
                 </a:gridCol>
@@ -7523,7 +7549,7 @@
                 </a:tc>
                 <a:extLst>
                   <a:ext uri="{0D108BD9-81ED-4DB2-BD59-A6C34878D82A}">
-                    <a16:rowId xmlns:a16="http://schemas.microsoft.com/office/drawing/2014/main" val="3361918746"/>
+                    <a16:rowId xmlns:a16="http://schemas.microsoft.com/office/drawing/2014/main" xmlns="" val="3361918746"/>
                   </a:ext>
                 </a:extLst>
               </a:tr>
@@ -7695,7 +7721,7 @@
                 </a:tc>
                 <a:extLst>
                   <a:ext uri="{0D108BD9-81ED-4DB2-BD59-A6C34878D82A}">
-                    <a16:rowId xmlns:a16="http://schemas.microsoft.com/office/drawing/2014/main" val="3620680177"/>
+                    <a16:rowId xmlns:a16="http://schemas.microsoft.com/office/drawing/2014/main" xmlns="" val="3620680177"/>
                   </a:ext>
                 </a:extLst>
               </a:tr>
@@ -7867,7 +7893,7 @@
                 </a:tc>
                 <a:extLst>
                   <a:ext uri="{0D108BD9-81ED-4DB2-BD59-A6C34878D82A}">
-                    <a16:rowId xmlns:a16="http://schemas.microsoft.com/office/drawing/2014/main" val="2485276359"/>
+                    <a16:rowId xmlns:a16="http://schemas.microsoft.com/office/drawing/2014/main" xmlns="" val="2485276359"/>
                   </a:ext>
                 </a:extLst>
               </a:tr>
@@ -8039,7 +8065,7 @@
                 </a:tc>
                 <a:extLst>
                   <a:ext uri="{0D108BD9-81ED-4DB2-BD59-A6C34878D82A}">
-                    <a16:rowId xmlns:a16="http://schemas.microsoft.com/office/drawing/2014/main" val="3717046040"/>
+                    <a16:rowId xmlns:a16="http://schemas.microsoft.com/office/drawing/2014/main" xmlns="" val="3717046040"/>
                   </a:ext>
                 </a:extLst>
               </a:tr>
@@ -8050,7 +8076,7 @@
     </p:spTree>
     <p:extLst>
       <p:ext uri="{BB962C8B-B14F-4D97-AF65-F5344CB8AC3E}">
-        <p14:creationId xmlns:p14="http://schemas.microsoft.com/office/powerpoint/2010/main" val="1323947785"/>
+        <p14:creationId xmlns:p14="http://schemas.microsoft.com/office/powerpoint/2010/main" xmlns="" val="1323947785"/>
       </p:ext>
     </p:extLst>
   </p:cSld>
@@ -8082,7 +8108,7 @@
           <p:cNvPr id="2" name="Title 1">
             <a:extLst>
               <a:ext uri="{FF2B5EF4-FFF2-40B4-BE49-F238E27FC236}">
-                <a16:creationId xmlns:a16="http://schemas.microsoft.com/office/drawing/2014/main" id="{6E88B52F-9ACE-AD58-3DC0-4ACA85064264}"/>
+                <a16:creationId xmlns:a16="http://schemas.microsoft.com/office/drawing/2014/main" xmlns="" id="{6E88B52F-9ACE-AD58-3DC0-4ACA85064264}"/>
               </a:ext>
             </a:extLst>
           </p:cNvPr>
@@ -8119,6 +8145,10 @@
                 <a:latin typeface="system-ui"/>
               </a:rPr>
             </a:br>
+            <a:r>
+              <a:rPr lang="en-IN" dirty="0"/>
+              <a:t/>
+            </a:r>
             <a:br>
               <a:rPr lang="en-IN" dirty="0"/>
             </a:br>
@@ -8131,7 +8161,7 @@
           <p:cNvPr id="4" name="TextBox 3">
             <a:extLst>
               <a:ext uri="{FF2B5EF4-FFF2-40B4-BE49-F238E27FC236}">
-                <a16:creationId xmlns:a16="http://schemas.microsoft.com/office/drawing/2014/main" id="{94BACDA7-D1C8-C9E3-2E98-120B02297297}"/>
+                <a16:creationId xmlns:a16="http://schemas.microsoft.com/office/drawing/2014/main" xmlns="" id="{94BACDA7-D1C8-C9E3-2E98-120B02297297}"/>
               </a:ext>
             </a:extLst>
           </p:cNvPr>
@@ -8262,7 +8292,7 @@
           <p:cNvPr id="2050" name="Picture 2" descr="normalizationinsql_10.">
             <a:extLst>
               <a:ext uri="{FF2B5EF4-FFF2-40B4-BE49-F238E27FC236}">
-                <a16:creationId xmlns:a16="http://schemas.microsoft.com/office/drawing/2014/main" id="{987247E9-DE0D-E4CD-24C2-55E8110D03B5}"/>
+                <a16:creationId xmlns:a16="http://schemas.microsoft.com/office/drawing/2014/main" xmlns="" id="{987247E9-DE0D-E4CD-24C2-55E8110D03B5}"/>
               </a:ext>
             </a:extLst>
           </p:cNvPr>
@@ -8275,7 +8305,7 @@
           <a:blip r:embed="rId2">
             <a:extLst>
               <a:ext uri="{28A0092B-C50C-407E-A947-70E740481C1C}">
-                <a14:useLocalDpi xmlns:a14="http://schemas.microsoft.com/office/drawing/2010/main" val="0"/>
+                <a14:useLocalDpi xmlns:a14="http://schemas.microsoft.com/office/drawing/2010/main" xmlns="" val="0"/>
               </a:ext>
             </a:extLst>
           </a:blip>
@@ -8295,7 +8325,7 @@
           <a:noFill/>
           <a:extLst>
             <a:ext uri="{909E8E84-426E-40DD-AFC4-6F175D3DCCD1}">
-              <a14:hiddenFill xmlns:a14="http://schemas.microsoft.com/office/drawing/2010/main">
+              <a14:hiddenFill xmlns:a14="http://schemas.microsoft.com/office/drawing/2010/main" xmlns="">
                 <a:solidFill>
                   <a:srgbClr val="FFFFFF"/>
                 </a:solidFill>
@@ -8309,7 +8339,7 @@
           <p:cNvPr id="7" name="TextBox 6">
             <a:extLst>
               <a:ext uri="{FF2B5EF4-FFF2-40B4-BE49-F238E27FC236}">
-                <a16:creationId xmlns:a16="http://schemas.microsoft.com/office/drawing/2014/main" id="{DE383A25-72CE-D027-CCDD-7E979826D12B}"/>
+                <a16:creationId xmlns:a16="http://schemas.microsoft.com/office/drawing/2014/main" xmlns="" id="{DE383A25-72CE-D027-CCDD-7E979826D12B}"/>
               </a:ext>
             </a:extLst>
           </p:cNvPr>
@@ -8452,7 +8482,7 @@
           <p:cNvPr id="9" name="TextBox 8">
             <a:extLst>
               <a:ext uri="{FF2B5EF4-FFF2-40B4-BE49-F238E27FC236}">
-                <a16:creationId xmlns:a16="http://schemas.microsoft.com/office/drawing/2014/main" id="{5AB428A1-08F8-4240-0C78-AAA88FB31095}"/>
+                <a16:creationId xmlns:a16="http://schemas.microsoft.com/office/drawing/2014/main" xmlns="" id="{5AB428A1-08F8-4240-0C78-AAA88FB31095}"/>
               </a:ext>
             </a:extLst>
           </p:cNvPr>
@@ -8515,7 +8545,7 @@
     </p:spTree>
     <p:extLst>
       <p:ext uri="{BB962C8B-B14F-4D97-AF65-F5344CB8AC3E}">
-        <p14:creationId xmlns:p14="http://schemas.microsoft.com/office/powerpoint/2010/main" val="959416341"/>
+        <p14:creationId xmlns:p14="http://schemas.microsoft.com/office/powerpoint/2010/main" xmlns="" val="959416341"/>
       </p:ext>
     </p:extLst>
   </p:cSld>
@@ -8547,7 +8577,7 @@
           <p:cNvPr id="6" name="TextBox 5">
             <a:extLst>
               <a:ext uri="{FF2B5EF4-FFF2-40B4-BE49-F238E27FC236}">
-                <a16:creationId xmlns:a16="http://schemas.microsoft.com/office/drawing/2014/main" id="{F4A3F3DB-56D0-766A-FEB4-0F7C9351FB06}"/>
+                <a16:creationId xmlns:a16="http://schemas.microsoft.com/office/drawing/2014/main" xmlns="" id="{F4A3F3DB-56D0-766A-FEB4-0F7C9351FB06}"/>
               </a:ext>
             </a:extLst>
           </p:cNvPr>
@@ -8655,7 +8685,7 @@
           <p:cNvPr id="8" name="TextBox 7">
             <a:extLst>
               <a:ext uri="{FF2B5EF4-FFF2-40B4-BE49-F238E27FC236}">
-                <a16:creationId xmlns:a16="http://schemas.microsoft.com/office/drawing/2014/main" id="{CDB50202-096D-8B74-4811-F33CFD60C26E}"/>
+                <a16:creationId xmlns:a16="http://schemas.microsoft.com/office/drawing/2014/main" xmlns="" id="{CDB50202-096D-8B74-4811-F33CFD60C26E}"/>
               </a:ext>
             </a:extLst>
           </p:cNvPr>
@@ -8769,7 +8799,7 @@
           <p:cNvPr id="10" name="TextBox 9">
             <a:extLst>
               <a:ext uri="{FF2B5EF4-FFF2-40B4-BE49-F238E27FC236}">
-                <a16:creationId xmlns:a16="http://schemas.microsoft.com/office/drawing/2014/main" id="{3AA7E917-7AC9-4F55-BD39-A8A8AE5EBB9A}"/>
+                <a16:creationId xmlns:a16="http://schemas.microsoft.com/office/drawing/2014/main" xmlns="" id="{3AA7E917-7AC9-4F55-BD39-A8A8AE5EBB9A}"/>
               </a:ext>
             </a:extLst>
           </p:cNvPr>
@@ -8822,7 +8852,7 @@
           <p:cNvPr id="12" name="TextBox 11">
             <a:extLst>
               <a:ext uri="{FF2B5EF4-FFF2-40B4-BE49-F238E27FC236}">
-                <a16:creationId xmlns:a16="http://schemas.microsoft.com/office/drawing/2014/main" id="{71A171A0-D910-46F9-EB5A-28071F397E21}"/>
+                <a16:creationId xmlns:a16="http://schemas.microsoft.com/office/drawing/2014/main" xmlns="" id="{71A171A0-D910-46F9-EB5A-28071F397E21}"/>
               </a:ext>
             </a:extLst>
           </p:cNvPr>
@@ -8883,7 +8913,7 @@
     </p:spTree>
     <p:extLst>
       <p:ext uri="{BB962C8B-B14F-4D97-AF65-F5344CB8AC3E}">
-        <p14:creationId xmlns:p14="http://schemas.microsoft.com/office/powerpoint/2010/main" val="1126985099"/>
+        <p14:creationId xmlns:p14="http://schemas.microsoft.com/office/powerpoint/2010/main" xmlns="" val="1126985099"/>
       </p:ext>
     </p:extLst>
   </p:cSld>
@@ -8915,7 +8945,7 @@
           <p:cNvPr id="3" name="TextBox 2">
             <a:extLst>
               <a:ext uri="{FF2B5EF4-FFF2-40B4-BE49-F238E27FC236}">
-                <a16:creationId xmlns:a16="http://schemas.microsoft.com/office/drawing/2014/main" id="{295A4755-719D-9A66-24D8-BB42B6B2C1FB}"/>
+                <a16:creationId xmlns:a16="http://schemas.microsoft.com/office/drawing/2014/main" xmlns="" id="{295A4755-719D-9A66-24D8-BB42B6B2C1FB}"/>
               </a:ext>
             </a:extLst>
           </p:cNvPr>
@@ -8997,7 +9027,7 @@
           <p:cNvPr id="3074" name="Picture 2" descr="normalizationinsql_11">
             <a:extLst>
               <a:ext uri="{FF2B5EF4-FFF2-40B4-BE49-F238E27FC236}">
-                <a16:creationId xmlns:a16="http://schemas.microsoft.com/office/drawing/2014/main" id="{BB4CE2E5-BC4A-B190-CFEC-7AC6878BDC38}"/>
+                <a16:creationId xmlns:a16="http://schemas.microsoft.com/office/drawing/2014/main" xmlns="" id="{BB4CE2E5-BC4A-B190-CFEC-7AC6878BDC38}"/>
               </a:ext>
             </a:extLst>
           </p:cNvPr>
@@ -9010,7 +9040,7 @@
           <a:blip r:embed="rId2">
             <a:extLst>
               <a:ext uri="{28A0092B-C50C-407E-A947-70E740481C1C}">
-                <a14:useLocalDpi xmlns:a14="http://schemas.microsoft.com/office/drawing/2010/main" val="0"/>
+                <a14:useLocalDpi xmlns:a14="http://schemas.microsoft.com/office/drawing/2010/main" xmlns="" val="0"/>
               </a:ext>
             </a:extLst>
           </a:blip>
@@ -9030,7 +9060,7 @@
           <a:noFill/>
           <a:extLst>
             <a:ext uri="{909E8E84-426E-40DD-AFC4-6F175D3DCCD1}">
-              <a14:hiddenFill xmlns:a14="http://schemas.microsoft.com/office/drawing/2010/main">
+              <a14:hiddenFill xmlns:a14="http://schemas.microsoft.com/office/drawing/2010/main" xmlns="">
                 <a:solidFill>
                   <a:srgbClr val="FFFFFF"/>
                 </a:solidFill>
@@ -9044,7 +9074,7 @@
           <p:cNvPr id="3076" name="Picture 4" descr="normalizationinsql_12.">
             <a:extLst>
               <a:ext uri="{FF2B5EF4-FFF2-40B4-BE49-F238E27FC236}">
-                <a16:creationId xmlns:a16="http://schemas.microsoft.com/office/drawing/2014/main" id="{499A8520-A6CD-7642-DCCD-2D96367D9839}"/>
+                <a16:creationId xmlns:a16="http://schemas.microsoft.com/office/drawing/2014/main" xmlns="" id="{499A8520-A6CD-7642-DCCD-2D96367D9839}"/>
               </a:ext>
             </a:extLst>
           </p:cNvPr>
@@ -9057,7 +9087,7 @@
           <a:blip r:embed="rId3">
             <a:extLst>
               <a:ext uri="{28A0092B-C50C-407E-A947-70E740481C1C}">
-                <a14:useLocalDpi xmlns:a14="http://schemas.microsoft.com/office/drawing/2010/main" val="0"/>
+                <a14:useLocalDpi xmlns:a14="http://schemas.microsoft.com/office/drawing/2010/main" xmlns="" val="0"/>
               </a:ext>
             </a:extLst>
           </a:blip>
@@ -9077,7 +9107,7 @@
           <a:noFill/>
           <a:extLst>
             <a:ext uri="{909E8E84-426E-40DD-AFC4-6F175D3DCCD1}">
-              <a14:hiddenFill xmlns:a14="http://schemas.microsoft.com/office/drawing/2010/main">
+              <a14:hiddenFill xmlns:a14="http://schemas.microsoft.com/office/drawing/2010/main" xmlns="">
                 <a:solidFill>
                   <a:srgbClr val="FFFFFF"/>
                 </a:solidFill>
@@ -9089,7 +9119,7 @@
     </p:spTree>
     <p:extLst>
       <p:ext uri="{BB962C8B-B14F-4D97-AF65-F5344CB8AC3E}">
-        <p14:creationId xmlns:p14="http://schemas.microsoft.com/office/powerpoint/2010/main" val="1847630278"/>
+        <p14:creationId xmlns:p14="http://schemas.microsoft.com/office/powerpoint/2010/main" xmlns="" val="1847630278"/>
       </p:ext>
     </p:extLst>
   </p:cSld>
@@ -9121,7 +9151,7 @@
           <p:cNvPr id="2" name="Title 1">
             <a:extLst>
               <a:ext uri="{FF2B5EF4-FFF2-40B4-BE49-F238E27FC236}">
-                <a16:creationId xmlns:a16="http://schemas.microsoft.com/office/drawing/2014/main" id="{83D5EFE0-43DB-718C-6997-CB298302758E}"/>
+                <a16:creationId xmlns:a16="http://schemas.microsoft.com/office/drawing/2014/main" xmlns="" id="{83D5EFE0-43DB-718C-6997-CB298302758E}"/>
               </a:ext>
             </a:extLst>
           </p:cNvPr>
@@ -9149,7 +9179,7 @@
           <p:cNvPr id="4" name="TextBox 3">
             <a:extLst>
               <a:ext uri="{FF2B5EF4-FFF2-40B4-BE49-F238E27FC236}">
-                <a16:creationId xmlns:a16="http://schemas.microsoft.com/office/drawing/2014/main" id="{C38ECA25-212C-9E98-E8E1-ECCBBC845FCD}"/>
+                <a16:creationId xmlns:a16="http://schemas.microsoft.com/office/drawing/2014/main" xmlns="" id="{C38ECA25-212C-9E98-E8E1-ECCBBC845FCD}"/>
               </a:ext>
             </a:extLst>
           </p:cNvPr>
@@ -9203,7 +9233,7 @@
           <p:cNvPr id="7" name="Table 6">
             <a:extLst>
               <a:ext uri="{FF2B5EF4-FFF2-40B4-BE49-F238E27FC236}">
-                <a16:creationId xmlns:a16="http://schemas.microsoft.com/office/drawing/2014/main" id="{A0C1D2D8-78E9-1974-707D-ABA122EBD535}"/>
+                <a16:creationId xmlns:a16="http://schemas.microsoft.com/office/drawing/2014/main" xmlns="" id="{A0C1D2D8-78E9-1974-707D-ABA122EBD535}"/>
               </a:ext>
             </a:extLst>
           </p:cNvPr>
@@ -9213,7 +9243,7 @@
           <p:nvPr>
             <p:extLst>
               <p:ext uri="{D42A27DB-BD31-4B8C-83A1-F6EECF244321}">
-                <p14:modId xmlns:p14="http://schemas.microsoft.com/office/powerpoint/2010/main" val="2766457001"/>
+                <p14:modId xmlns:p14="http://schemas.microsoft.com/office/powerpoint/2010/main" xmlns="" val="2766457001"/>
               </p:ext>
             </p:extLst>
           </p:nvPr>
@@ -9230,21 +9260,21 @@
                 <a:gridCol w="2155825">
                   <a:extLst>
                     <a:ext uri="{9D8B030D-6E8A-4147-A177-3AD203B41FA5}">
-                      <a16:colId xmlns:a16="http://schemas.microsoft.com/office/drawing/2014/main" val="1394935880"/>
+                      <a16:colId xmlns:a16="http://schemas.microsoft.com/office/drawing/2014/main" xmlns="" val="1394935880"/>
                     </a:ext>
                   </a:extLst>
                 </a:gridCol>
                 <a:gridCol w="2155825">
                   <a:extLst>
                     <a:ext uri="{9D8B030D-6E8A-4147-A177-3AD203B41FA5}">
-                      <a16:colId xmlns:a16="http://schemas.microsoft.com/office/drawing/2014/main" val="4178378281"/>
+                      <a16:colId xmlns:a16="http://schemas.microsoft.com/office/drawing/2014/main" xmlns="" val="4178378281"/>
                     </a:ext>
                   </a:extLst>
                 </a:gridCol>
                 <a:gridCol w="2155825">
                   <a:extLst>
                     <a:ext uri="{9D8B030D-6E8A-4147-A177-3AD203B41FA5}">
-                      <a16:colId xmlns:a16="http://schemas.microsoft.com/office/drawing/2014/main" val="3189520124"/>
+                      <a16:colId xmlns:a16="http://schemas.microsoft.com/office/drawing/2014/main" xmlns="" val="3189520124"/>
                     </a:ext>
                   </a:extLst>
                 </a:gridCol>
@@ -9432,7 +9462,7 @@
                 </a:tc>
                 <a:extLst>
                   <a:ext uri="{0D108BD9-81ED-4DB2-BD59-A6C34878D82A}">
-                    <a16:rowId xmlns:a16="http://schemas.microsoft.com/office/drawing/2014/main" val="919731219"/>
+                    <a16:rowId xmlns:a16="http://schemas.microsoft.com/office/drawing/2014/main" xmlns="" val="919731219"/>
                   </a:ext>
                 </a:extLst>
               </a:tr>
@@ -9619,7 +9649,7 @@
                 </a:tc>
                 <a:extLst>
                   <a:ext uri="{0D108BD9-81ED-4DB2-BD59-A6C34878D82A}">
-                    <a16:rowId xmlns:a16="http://schemas.microsoft.com/office/drawing/2014/main" val="2082642064"/>
+                    <a16:rowId xmlns:a16="http://schemas.microsoft.com/office/drawing/2014/main" xmlns="" val="2082642064"/>
                   </a:ext>
                 </a:extLst>
               </a:tr>
@@ -9806,7 +9836,7 @@
                 </a:tc>
                 <a:extLst>
                   <a:ext uri="{0D108BD9-81ED-4DB2-BD59-A6C34878D82A}">
-                    <a16:rowId xmlns:a16="http://schemas.microsoft.com/office/drawing/2014/main" val="3594951090"/>
+                    <a16:rowId xmlns:a16="http://schemas.microsoft.com/office/drawing/2014/main" xmlns="" val="3594951090"/>
                   </a:ext>
                 </a:extLst>
               </a:tr>
@@ -9993,7 +10023,7 @@
                 </a:tc>
                 <a:extLst>
                   <a:ext uri="{0D108BD9-81ED-4DB2-BD59-A6C34878D82A}">
-                    <a16:rowId xmlns:a16="http://schemas.microsoft.com/office/drawing/2014/main" val="1433803665"/>
+                    <a16:rowId xmlns:a16="http://schemas.microsoft.com/office/drawing/2014/main" xmlns="" val="1433803665"/>
                   </a:ext>
                 </a:extLst>
               </a:tr>
@@ -10180,7 +10210,7 @@
                 </a:tc>
                 <a:extLst>
                   <a:ext uri="{0D108BD9-81ED-4DB2-BD59-A6C34878D82A}">
-                    <a16:rowId xmlns:a16="http://schemas.microsoft.com/office/drawing/2014/main" val="675835294"/>
+                    <a16:rowId xmlns:a16="http://schemas.microsoft.com/office/drawing/2014/main" xmlns="" val="675835294"/>
                   </a:ext>
                 </a:extLst>
               </a:tr>
@@ -10367,7 +10397,7 @@
                 </a:tc>
                 <a:extLst>
                   <a:ext uri="{0D108BD9-81ED-4DB2-BD59-A6C34878D82A}">
-                    <a16:rowId xmlns:a16="http://schemas.microsoft.com/office/drawing/2014/main" val="2723174134"/>
+                    <a16:rowId xmlns:a16="http://schemas.microsoft.com/office/drawing/2014/main" xmlns="" val="2723174134"/>
                   </a:ext>
                 </a:extLst>
               </a:tr>
@@ -10378,7 +10408,7 @@
     </p:spTree>
     <p:extLst>
       <p:ext uri="{BB962C8B-B14F-4D97-AF65-F5344CB8AC3E}">
-        <p14:creationId xmlns:p14="http://schemas.microsoft.com/office/powerpoint/2010/main" val="1352213639"/>
+        <p14:creationId xmlns:p14="http://schemas.microsoft.com/office/powerpoint/2010/main" xmlns="" val="1352213639"/>
       </p:ext>
     </p:extLst>
   </p:cSld>
@@ -10410,7 +10440,7 @@
           <p:cNvPr id="4" name="TextBox 3">
             <a:extLst>
               <a:ext uri="{FF2B5EF4-FFF2-40B4-BE49-F238E27FC236}">
-                <a16:creationId xmlns:a16="http://schemas.microsoft.com/office/drawing/2014/main" id="{9B0E336E-91AD-98EC-6C18-D8B416926091}"/>
+                <a16:creationId xmlns:a16="http://schemas.microsoft.com/office/drawing/2014/main" xmlns="" id="{9B0E336E-91AD-98EC-6C18-D8B416926091}"/>
               </a:ext>
             </a:extLst>
           </p:cNvPr>
@@ -10478,7 +10508,7 @@
           <p:cNvPr id="5" name="Table 4">
             <a:extLst>
               <a:ext uri="{FF2B5EF4-FFF2-40B4-BE49-F238E27FC236}">
-                <a16:creationId xmlns:a16="http://schemas.microsoft.com/office/drawing/2014/main" id="{34FB0572-E98F-B4A9-A626-AB86F143749A}"/>
+                <a16:creationId xmlns:a16="http://schemas.microsoft.com/office/drawing/2014/main" xmlns="" id="{34FB0572-E98F-B4A9-A626-AB86F143749A}"/>
               </a:ext>
             </a:extLst>
           </p:cNvPr>
@@ -10488,7 +10518,7 @@
           <p:nvPr>
             <p:extLst>
               <p:ext uri="{D42A27DB-BD31-4B8C-83A1-F6EECF244321}">
-                <p14:modId xmlns:p14="http://schemas.microsoft.com/office/powerpoint/2010/main" val="1665248852"/>
+                <p14:modId xmlns:p14="http://schemas.microsoft.com/office/powerpoint/2010/main" xmlns="" val="1665248852"/>
               </p:ext>
             </p:extLst>
           </p:nvPr>
@@ -10505,14 +10535,14 @@
                 <a:gridCol w="3233738">
                   <a:extLst>
                     <a:ext uri="{9D8B030D-6E8A-4147-A177-3AD203B41FA5}">
-                      <a16:colId xmlns:a16="http://schemas.microsoft.com/office/drawing/2014/main" val="2953007295"/>
+                      <a16:colId xmlns:a16="http://schemas.microsoft.com/office/drawing/2014/main" xmlns="" val="2953007295"/>
                     </a:ext>
                   </a:extLst>
                 </a:gridCol>
                 <a:gridCol w="3233738">
                   <a:extLst>
                     <a:ext uri="{9D8B030D-6E8A-4147-A177-3AD203B41FA5}">
-                      <a16:colId xmlns:a16="http://schemas.microsoft.com/office/drawing/2014/main" val="1652535363"/>
+                      <a16:colId xmlns:a16="http://schemas.microsoft.com/office/drawing/2014/main" xmlns="" val="1652535363"/>
                     </a:ext>
                   </a:extLst>
                 </a:gridCol>
@@ -10640,7 +10670,7 @@
                 </a:tc>
                 <a:extLst>
                   <a:ext uri="{0D108BD9-81ED-4DB2-BD59-A6C34878D82A}">
-                    <a16:rowId xmlns:a16="http://schemas.microsoft.com/office/drawing/2014/main" val="3233328660"/>
+                    <a16:rowId xmlns:a16="http://schemas.microsoft.com/office/drawing/2014/main" xmlns="" val="3233328660"/>
                   </a:ext>
                 </a:extLst>
               </a:tr>
@@ -10767,7 +10797,7 @@
                 </a:tc>
                 <a:extLst>
                   <a:ext uri="{0D108BD9-81ED-4DB2-BD59-A6C34878D82A}">
-                    <a16:rowId xmlns:a16="http://schemas.microsoft.com/office/drawing/2014/main" val="3479738443"/>
+                    <a16:rowId xmlns:a16="http://schemas.microsoft.com/office/drawing/2014/main" xmlns="" val="3479738443"/>
                   </a:ext>
                 </a:extLst>
               </a:tr>
@@ -10894,7 +10924,7 @@
                 </a:tc>
                 <a:extLst>
                   <a:ext uri="{0D108BD9-81ED-4DB2-BD59-A6C34878D82A}">
-                    <a16:rowId xmlns:a16="http://schemas.microsoft.com/office/drawing/2014/main" val="3511899572"/>
+                    <a16:rowId xmlns:a16="http://schemas.microsoft.com/office/drawing/2014/main" xmlns="" val="3511899572"/>
                   </a:ext>
                 </a:extLst>
               </a:tr>
@@ -11021,7 +11051,7 @@
                 </a:tc>
                 <a:extLst>
                   <a:ext uri="{0D108BD9-81ED-4DB2-BD59-A6C34878D82A}">
-                    <a16:rowId xmlns:a16="http://schemas.microsoft.com/office/drawing/2014/main" val="1772165888"/>
+                    <a16:rowId xmlns:a16="http://schemas.microsoft.com/office/drawing/2014/main" xmlns="" val="1772165888"/>
                   </a:ext>
                 </a:extLst>
               </a:tr>
@@ -11148,7 +11178,7 @@
                 </a:tc>
                 <a:extLst>
                   <a:ext uri="{0D108BD9-81ED-4DB2-BD59-A6C34878D82A}">
-                    <a16:rowId xmlns:a16="http://schemas.microsoft.com/office/drawing/2014/main" val="1400724862"/>
+                    <a16:rowId xmlns:a16="http://schemas.microsoft.com/office/drawing/2014/main" xmlns="" val="1400724862"/>
                   </a:ext>
                 </a:extLst>
               </a:tr>
@@ -11161,7 +11191,7 @@
           <p:cNvPr id="6" name="Table 5">
             <a:extLst>
               <a:ext uri="{FF2B5EF4-FFF2-40B4-BE49-F238E27FC236}">
-                <a16:creationId xmlns:a16="http://schemas.microsoft.com/office/drawing/2014/main" id="{6BCA0124-7948-6F6A-B42F-CFDEBE9E0356}"/>
+                <a16:creationId xmlns:a16="http://schemas.microsoft.com/office/drawing/2014/main" xmlns="" id="{6BCA0124-7948-6F6A-B42F-CFDEBE9E0356}"/>
               </a:ext>
             </a:extLst>
           </p:cNvPr>
@@ -11171,7 +11201,7 @@
           <p:nvPr>
             <p:extLst>
               <p:ext uri="{D42A27DB-BD31-4B8C-83A1-F6EECF244321}">
-                <p14:modId xmlns:p14="http://schemas.microsoft.com/office/powerpoint/2010/main" val="1755288995"/>
+                <p14:modId xmlns:p14="http://schemas.microsoft.com/office/powerpoint/2010/main" xmlns="" val="1755288995"/>
               </p:ext>
             </p:extLst>
           </p:nvPr>
@@ -11188,14 +11218,14 @@
                 <a:gridCol w="3233738">
                   <a:extLst>
                     <a:ext uri="{9D8B030D-6E8A-4147-A177-3AD203B41FA5}">
-                      <a16:colId xmlns:a16="http://schemas.microsoft.com/office/drawing/2014/main" val="173092348"/>
+                      <a16:colId xmlns:a16="http://schemas.microsoft.com/office/drawing/2014/main" xmlns="" val="173092348"/>
                     </a:ext>
                   </a:extLst>
                 </a:gridCol>
                 <a:gridCol w="3233738">
                   <a:extLst>
                     <a:ext uri="{9D8B030D-6E8A-4147-A177-3AD203B41FA5}">
-                      <a16:colId xmlns:a16="http://schemas.microsoft.com/office/drawing/2014/main" val="4167083997"/>
+                      <a16:colId xmlns:a16="http://schemas.microsoft.com/office/drawing/2014/main" xmlns="" val="4167083997"/>
                     </a:ext>
                   </a:extLst>
                 </a:gridCol>
@@ -11323,7 +11353,7 @@
                 </a:tc>
                 <a:extLst>
                   <a:ext uri="{0D108BD9-81ED-4DB2-BD59-A6C34878D82A}">
-                    <a16:rowId xmlns:a16="http://schemas.microsoft.com/office/drawing/2014/main" val="282443595"/>
+                    <a16:rowId xmlns:a16="http://schemas.microsoft.com/office/drawing/2014/main" xmlns="" val="282443595"/>
                   </a:ext>
                 </a:extLst>
               </a:tr>
@@ -11450,7 +11480,7 @@
                 </a:tc>
                 <a:extLst>
                   <a:ext uri="{0D108BD9-81ED-4DB2-BD59-A6C34878D82A}">
-                    <a16:rowId xmlns:a16="http://schemas.microsoft.com/office/drawing/2014/main" val="129033911"/>
+                    <a16:rowId xmlns:a16="http://schemas.microsoft.com/office/drawing/2014/main" xmlns="" val="129033911"/>
                   </a:ext>
                 </a:extLst>
               </a:tr>
@@ -11577,7 +11607,7 @@
                 </a:tc>
                 <a:extLst>
                   <a:ext uri="{0D108BD9-81ED-4DB2-BD59-A6C34878D82A}">
-                    <a16:rowId xmlns:a16="http://schemas.microsoft.com/office/drawing/2014/main" val="3498271520"/>
+                    <a16:rowId xmlns:a16="http://schemas.microsoft.com/office/drawing/2014/main" xmlns="" val="3498271520"/>
                   </a:ext>
                 </a:extLst>
               </a:tr>
@@ -11704,7 +11734,7 @@
                 </a:tc>
                 <a:extLst>
                   <a:ext uri="{0D108BD9-81ED-4DB2-BD59-A6C34878D82A}">
-                    <a16:rowId xmlns:a16="http://schemas.microsoft.com/office/drawing/2014/main" val="1967659514"/>
+                    <a16:rowId xmlns:a16="http://schemas.microsoft.com/office/drawing/2014/main" xmlns="" val="1967659514"/>
                   </a:ext>
                 </a:extLst>
               </a:tr>
@@ -11831,7 +11861,7 @@
                 </a:tc>
                 <a:extLst>
                   <a:ext uri="{0D108BD9-81ED-4DB2-BD59-A6C34878D82A}">
-                    <a16:rowId xmlns:a16="http://schemas.microsoft.com/office/drawing/2014/main" val="4046164782"/>
+                    <a16:rowId xmlns:a16="http://schemas.microsoft.com/office/drawing/2014/main" xmlns="" val="4046164782"/>
                   </a:ext>
                 </a:extLst>
               </a:tr>
@@ -11958,7 +11988,7 @@
                 </a:tc>
                 <a:extLst>
                   <a:ext uri="{0D108BD9-81ED-4DB2-BD59-A6C34878D82A}">
-                    <a16:rowId xmlns:a16="http://schemas.microsoft.com/office/drawing/2014/main" val="1965004528"/>
+                    <a16:rowId xmlns:a16="http://schemas.microsoft.com/office/drawing/2014/main" xmlns="" val="1965004528"/>
                   </a:ext>
                 </a:extLst>
               </a:tr>
@@ -11971,7 +12001,7 @@
           <p:cNvPr id="7" name="Table 6">
             <a:extLst>
               <a:ext uri="{FF2B5EF4-FFF2-40B4-BE49-F238E27FC236}">
-                <a16:creationId xmlns:a16="http://schemas.microsoft.com/office/drawing/2014/main" id="{FD3FA685-8133-5325-5BC6-616175A4CA37}"/>
+                <a16:creationId xmlns:a16="http://schemas.microsoft.com/office/drawing/2014/main" xmlns="" id="{FD3FA685-8133-5325-5BC6-616175A4CA37}"/>
               </a:ext>
             </a:extLst>
           </p:cNvPr>
@@ -11981,7 +12011,7 @@
           <p:nvPr>
             <p:extLst>
               <p:ext uri="{D42A27DB-BD31-4B8C-83A1-F6EECF244321}">
-                <p14:modId xmlns:p14="http://schemas.microsoft.com/office/powerpoint/2010/main" val="1441785364"/>
+                <p14:modId xmlns:p14="http://schemas.microsoft.com/office/powerpoint/2010/main" xmlns="" val="1441785364"/>
               </p:ext>
             </p:extLst>
           </p:nvPr>
@@ -11998,14 +12028,14 @@
                 <a:gridCol w="3233738">
                   <a:extLst>
                     <a:ext uri="{9D8B030D-6E8A-4147-A177-3AD203B41FA5}">
-                      <a16:colId xmlns:a16="http://schemas.microsoft.com/office/drawing/2014/main" val="3300140679"/>
+                      <a16:colId xmlns:a16="http://schemas.microsoft.com/office/drawing/2014/main" xmlns="" val="3300140679"/>
                     </a:ext>
                   </a:extLst>
                 </a:gridCol>
                 <a:gridCol w="3233738">
                   <a:extLst>
                     <a:ext uri="{9D8B030D-6E8A-4147-A177-3AD203B41FA5}">
-                      <a16:colId xmlns:a16="http://schemas.microsoft.com/office/drawing/2014/main" val="2586920592"/>
+                      <a16:colId xmlns:a16="http://schemas.microsoft.com/office/drawing/2014/main" xmlns="" val="2586920592"/>
                     </a:ext>
                   </a:extLst>
                 </a:gridCol>
@@ -12133,7 +12163,7 @@
                 </a:tc>
                 <a:extLst>
                   <a:ext uri="{0D108BD9-81ED-4DB2-BD59-A6C34878D82A}">
-                    <a16:rowId xmlns:a16="http://schemas.microsoft.com/office/drawing/2014/main" val="368645953"/>
+                    <a16:rowId xmlns:a16="http://schemas.microsoft.com/office/drawing/2014/main" xmlns="" val="368645953"/>
                   </a:ext>
                 </a:extLst>
               </a:tr>
@@ -12260,7 +12290,7 @@
                 </a:tc>
                 <a:extLst>
                   <a:ext uri="{0D108BD9-81ED-4DB2-BD59-A6C34878D82A}">
-                    <a16:rowId xmlns:a16="http://schemas.microsoft.com/office/drawing/2014/main" val="3840172692"/>
+                    <a16:rowId xmlns:a16="http://schemas.microsoft.com/office/drawing/2014/main" xmlns="" val="3840172692"/>
                   </a:ext>
                 </a:extLst>
               </a:tr>
@@ -12387,7 +12417,7 @@
                 </a:tc>
                 <a:extLst>
                   <a:ext uri="{0D108BD9-81ED-4DB2-BD59-A6C34878D82A}">
-                    <a16:rowId xmlns:a16="http://schemas.microsoft.com/office/drawing/2014/main" val="4027654593"/>
+                    <a16:rowId xmlns:a16="http://schemas.microsoft.com/office/drawing/2014/main" xmlns="" val="4027654593"/>
                   </a:ext>
                 </a:extLst>
               </a:tr>
@@ -12514,7 +12544,7 @@
                 </a:tc>
                 <a:extLst>
                   <a:ext uri="{0D108BD9-81ED-4DB2-BD59-A6C34878D82A}">
-                    <a16:rowId xmlns:a16="http://schemas.microsoft.com/office/drawing/2014/main" val="1387197896"/>
+                    <a16:rowId xmlns:a16="http://schemas.microsoft.com/office/drawing/2014/main" xmlns="" val="1387197896"/>
                   </a:ext>
                 </a:extLst>
               </a:tr>
@@ -12641,7 +12671,7 @@
                 </a:tc>
                 <a:extLst>
                   <a:ext uri="{0D108BD9-81ED-4DB2-BD59-A6C34878D82A}">
-                    <a16:rowId xmlns:a16="http://schemas.microsoft.com/office/drawing/2014/main" val="2742696017"/>
+                    <a16:rowId xmlns:a16="http://schemas.microsoft.com/office/drawing/2014/main" xmlns="" val="2742696017"/>
                   </a:ext>
                 </a:extLst>
               </a:tr>
@@ -12768,7 +12798,7 @@
                 </a:tc>
                 <a:extLst>
                   <a:ext uri="{0D108BD9-81ED-4DB2-BD59-A6C34878D82A}">
-                    <a16:rowId xmlns:a16="http://schemas.microsoft.com/office/drawing/2014/main" val="99017533"/>
+                    <a16:rowId xmlns:a16="http://schemas.microsoft.com/office/drawing/2014/main" xmlns="" val="99017533"/>
                   </a:ext>
                 </a:extLst>
               </a:tr>
@@ -12779,7 +12809,7 @@
     </p:spTree>
     <p:extLst>
       <p:ext uri="{BB962C8B-B14F-4D97-AF65-F5344CB8AC3E}">
-        <p14:creationId xmlns:p14="http://schemas.microsoft.com/office/powerpoint/2010/main" val="1032277847"/>
+        <p14:creationId xmlns:p14="http://schemas.microsoft.com/office/powerpoint/2010/main" xmlns="" val="1032277847"/>
       </p:ext>
     </p:extLst>
   </p:cSld>
@@ -12811,7 +12841,7 @@
           <p:cNvPr id="2" name="Title 1">
             <a:extLst>
               <a:ext uri="{FF2B5EF4-FFF2-40B4-BE49-F238E27FC236}">
-                <a16:creationId xmlns:a16="http://schemas.microsoft.com/office/drawing/2014/main" id="{51E0D6E2-A4AD-0103-0CF2-E34652668322}"/>
+                <a16:creationId xmlns:a16="http://schemas.microsoft.com/office/drawing/2014/main" xmlns="" id="{51E0D6E2-A4AD-0103-0CF2-E34652668322}"/>
               </a:ext>
             </a:extLst>
           </p:cNvPr>
@@ -12839,7 +12869,7 @@
           <p:cNvPr id="3" name="Text Placeholder 2">
             <a:extLst>
               <a:ext uri="{FF2B5EF4-FFF2-40B4-BE49-F238E27FC236}">
-                <a16:creationId xmlns:a16="http://schemas.microsoft.com/office/drawing/2014/main" id="{F53E832E-91D7-71AB-6EFF-627BD0F5CC47}"/>
+                <a16:creationId xmlns:a16="http://schemas.microsoft.com/office/drawing/2014/main" xmlns="" id="{F53E832E-91D7-71AB-6EFF-627BD0F5CC47}"/>
               </a:ext>
             </a:extLst>
           </p:cNvPr>
@@ -12862,7 +12892,7 @@
     </p:spTree>
     <p:extLst>
       <p:ext uri="{BB962C8B-B14F-4D97-AF65-F5344CB8AC3E}">
-        <p14:creationId xmlns:p14="http://schemas.microsoft.com/office/powerpoint/2010/main" val="4239707183"/>
+        <p14:creationId xmlns:p14="http://schemas.microsoft.com/office/powerpoint/2010/main" xmlns="" val="4239707183"/>
       </p:ext>
     </p:extLst>
   </p:cSld>
@@ -12894,7 +12924,7 @@
           <p:cNvPr id="2" name="Title 1">
             <a:extLst>
               <a:ext uri="{FF2B5EF4-FFF2-40B4-BE49-F238E27FC236}">
-                <a16:creationId xmlns:a16="http://schemas.microsoft.com/office/drawing/2014/main" id="{3CB67110-23E6-680B-F5BE-E61542A43E45}"/>
+                <a16:creationId xmlns:a16="http://schemas.microsoft.com/office/drawing/2014/main" xmlns="" id="{3CB67110-23E6-680B-F5BE-E61542A43E45}"/>
               </a:ext>
             </a:extLst>
           </p:cNvPr>
@@ -12938,7 +12968,7 @@
           <p:cNvPr id="4" name="TextBox 3">
             <a:extLst>
               <a:ext uri="{FF2B5EF4-FFF2-40B4-BE49-F238E27FC236}">
-                <a16:creationId xmlns:a16="http://schemas.microsoft.com/office/drawing/2014/main" id="{62436D50-D186-E276-9719-00BDD6F20483}"/>
+                <a16:creationId xmlns:a16="http://schemas.microsoft.com/office/drawing/2014/main" xmlns="" id="{62436D50-D186-E276-9719-00BDD6F20483}"/>
               </a:ext>
             </a:extLst>
           </p:cNvPr>
@@ -13019,7 +13049,7 @@
     </p:spTree>
     <p:extLst>
       <p:ext uri="{BB962C8B-B14F-4D97-AF65-F5344CB8AC3E}">
-        <p14:creationId xmlns:p14="http://schemas.microsoft.com/office/powerpoint/2010/main" val="4262669751"/>
+        <p14:creationId xmlns:p14="http://schemas.microsoft.com/office/powerpoint/2010/main" xmlns="" val="4262669751"/>
       </p:ext>
     </p:extLst>
   </p:cSld>
@@ -13051,7 +13081,7 @@
           <p:cNvPr id="3" name="TextBox 2">
             <a:extLst>
               <a:ext uri="{FF2B5EF4-FFF2-40B4-BE49-F238E27FC236}">
-                <a16:creationId xmlns:a16="http://schemas.microsoft.com/office/drawing/2014/main" id="{2F1B6C6C-1634-1C99-78A8-64098DDB3BF2}"/>
+                <a16:creationId xmlns:a16="http://schemas.microsoft.com/office/drawing/2014/main" xmlns="" id="{2F1B6C6C-1634-1C99-78A8-64098DDB3BF2}"/>
               </a:ext>
             </a:extLst>
           </p:cNvPr>
@@ -13109,7 +13139,7 @@
     </p:spTree>
     <p:extLst>
       <p:ext uri="{BB962C8B-B14F-4D97-AF65-F5344CB8AC3E}">
-        <p14:creationId xmlns:p14="http://schemas.microsoft.com/office/powerpoint/2010/main" val="2089571266"/>
+        <p14:creationId xmlns:p14="http://schemas.microsoft.com/office/powerpoint/2010/main" xmlns="" val="2089571266"/>
       </p:ext>
     </p:extLst>
   </p:cSld>
@@ -13141,7 +13171,7 @@
           <p:cNvPr id="2" name="Title 1">
             <a:extLst>
               <a:ext uri="{FF2B5EF4-FFF2-40B4-BE49-F238E27FC236}">
-                <a16:creationId xmlns:a16="http://schemas.microsoft.com/office/drawing/2014/main" id="{FDE43099-0356-D9F0-EB2F-E84B250B88A4}"/>
+                <a16:creationId xmlns:a16="http://schemas.microsoft.com/office/drawing/2014/main" xmlns="" id="{FDE43099-0356-D9F0-EB2F-E84B250B88A4}"/>
               </a:ext>
             </a:extLst>
           </p:cNvPr>
@@ -13173,7 +13203,7 @@
           <p:cNvPr id="3" name="Text Placeholder 2">
             <a:extLst>
               <a:ext uri="{FF2B5EF4-FFF2-40B4-BE49-F238E27FC236}">
-                <a16:creationId xmlns:a16="http://schemas.microsoft.com/office/drawing/2014/main" id="{1E854B4B-E81C-0F5E-421C-150766EABED5}"/>
+                <a16:creationId xmlns:a16="http://schemas.microsoft.com/office/drawing/2014/main" xmlns="" id="{1E854B4B-E81C-0F5E-421C-150766EABED5}"/>
               </a:ext>
             </a:extLst>
           </p:cNvPr>
@@ -13196,7 +13226,7 @@
     </p:spTree>
     <p:extLst>
       <p:ext uri="{BB962C8B-B14F-4D97-AF65-F5344CB8AC3E}">
-        <p14:creationId xmlns:p14="http://schemas.microsoft.com/office/powerpoint/2010/main" val="1980264837"/>
+        <p14:creationId xmlns:p14="http://schemas.microsoft.com/office/powerpoint/2010/main" xmlns="" val="1980264837"/>
       </p:ext>
     </p:extLst>
   </p:cSld>
@@ -13228,7 +13258,7 @@
           <p:cNvPr id="2050" name="Picture 2" descr="Relational Model of database">
             <a:extLst>
               <a:ext uri="{FF2B5EF4-FFF2-40B4-BE49-F238E27FC236}">
-                <a16:creationId xmlns:a16="http://schemas.microsoft.com/office/drawing/2014/main" id="{AFA20FE7-729E-590F-BF1E-A302154038EB}"/>
+                <a16:creationId xmlns:a16="http://schemas.microsoft.com/office/drawing/2014/main" xmlns="" id="{AFA20FE7-729E-590F-BF1E-A302154038EB}"/>
               </a:ext>
             </a:extLst>
           </p:cNvPr>
@@ -13241,7 +13271,7 @@
           <a:blip r:embed="rId2">
             <a:extLst>
               <a:ext uri="{28A0092B-C50C-407E-A947-70E740481C1C}">
-                <a14:useLocalDpi xmlns:a14="http://schemas.microsoft.com/office/drawing/2010/main" val="0"/>
+                <a14:useLocalDpi xmlns:a14="http://schemas.microsoft.com/office/drawing/2010/main" xmlns="" val="0"/>
               </a:ext>
             </a:extLst>
           </a:blip>
@@ -13264,7 +13294,7 @@
     </p:spTree>
     <p:extLst>
       <p:ext uri="{BB962C8B-B14F-4D97-AF65-F5344CB8AC3E}">
-        <p14:creationId xmlns:p14="http://schemas.microsoft.com/office/powerpoint/2010/main" val="2928595944"/>
+        <p14:creationId xmlns:p14="http://schemas.microsoft.com/office/powerpoint/2010/main" xmlns="" val="2928595944"/>
       </p:ext>
     </p:extLst>
   </p:cSld>
@@ -13296,7 +13326,7 @@
           <p:cNvPr id="3" name="TextBox 2">
             <a:extLst>
               <a:ext uri="{FF2B5EF4-FFF2-40B4-BE49-F238E27FC236}">
-                <a16:creationId xmlns:a16="http://schemas.microsoft.com/office/drawing/2014/main" id="{C0F46DE3-7488-CAFF-F8C2-1F2E37ABBE1D}"/>
+                <a16:creationId xmlns:a16="http://schemas.microsoft.com/office/drawing/2014/main" xmlns="" id="{C0F46DE3-7488-CAFF-F8C2-1F2E37ABBE1D}"/>
               </a:ext>
             </a:extLst>
           </p:cNvPr>
@@ -13356,7 +13386,7 @@
           <p:cNvPr id="6" name="TextBox 5">
             <a:extLst>
               <a:ext uri="{FF2B5EF4-FFF2-40B4-BE49-F238E27FC236}">
-                <a16:creationId xmlns:a16="http://schemas.microsoft.com/office/drawing/2014/main" id="{1931EC5C-FE70-CC0F-905C-FD8D8DEFBE59}"/>
+                <a16:creationId xmlns:a16="http://schemas.microsoft.com/office/drawing/2014/main" xmlns="" id="{1931EC5C-FE70-CC0F-905C-FD8D8DEFBE59}"/>
               </a:ext>
             </a:extLst>
           </p:cNvPr>
@@ -13441,7 +13471,7 @@
           <p:cNvPr id="8" name="TextBox 7">
             <a:extLst>
               <a:ext uri="{FF2B5EF4-FFF2-40B4-BE49-F238E27FC236}">
-                <a16:creationId xmlns:a16="http://schemas.microsoft.com/office/drawing/2014/main" id="{B08BC3FA-700B-12D4-4684-F94BCA15E3AB}"/>
+                <a16:creationId xmlns:a16="http://schemas.microsoft.com/office/drawing/2014/main" xmlns="" id="{B08BC3FA-700B-12D4-4684-F94BCA15E3AB}"/>
               </a:ext>
             </a:extLst>
           </p:cNvPr>
@@ -13511,7 +13541,7 @@
           <p:cNvPr id="10" name="TextBox 9">
             <a:extLst>
               <a:ext uri="{FF2B5EF4-FFF2-40B4-BE49-F238E27FC236}">
-                <a16:creationId xmlns:a16="http://schemas.microsoft.com/office/drawing/2014/main" id="{EB89C622-90D1-2840-F676-7E890D86DA7A}"/>
+                <a16:creationId xmlns:a16="http://schemas.microsoft.com/office/drawing/2014/main" xmlns="" id="{EB89C622-90D1-2840-F676-7E890D86DA7A}"/>
               </a:ext>
             </a:extLst>
           </p:cNvPr>
@@ -13585,7 +13615,7 @@
           <p:cNvPr id="13" name="TextBox 12">
             <a:extLst>
               <a:ext uri="{FF2B5EF4-FFF2-40B4-BE49-F238E27FC236}">
-                <a16:creationId xmlns:a16="http://schemas.microsoft.com/office/drawing/2014/main" id="{FFDBDDD6-7401-E9BD-5636-416584B68897}"/>
+                <a16:creationId xmlns:a16="http://schemas.microsoft.com/office/drawing/2014/main" xmlns="" id="{FFDBDDD6-7401-E9BD-5636-416584B68897}"/>
               </a:ext>
             </a:extLst>
           </p:cNvPr>
@@ -13642,7 +13672,7 @@
     </p:spTree>
     <p:extLst>
       <p:ext uri="{BB962C8B-B14F-4D97-AF65-F5344CB8AC3E}">
-        <p14:creationId xmlns:p14="http://schemas.microsoft.com/office/powerpoint/2010/main" val="1212032433"/>
+        <p14:creationId xmlns:p14="http://schemas.microsoft.com/office/powerpoint/2010/main" xmlns="" val="1212032433"/>
       </p:ext>
     </p:extLst>
   </p:cSld>
@@ -13674,7 +13704,7 @@
           <p:cNvPr id="2" name="Title 1">
             <a:extLst>
               <a:ext uri="{FF2B5EF4-FFF2-40B4-BE49-F238E27FC236}">
-                <a16:creationId xmlns:a16="http://schemas.microsoft.com/office/drawing/2014/main" id="{2999EAC0-2DBC-4D40-77E1-85BA45CE8150}"/>
+                <a16:creationId xmlns:a16="http://schemas.microsoft.com/office/drawing/2014/main" xmlns="" id="{2999EAC0-2DBC-4D40-77E1-85BA45CE8150}"/>
               </a:ext>
             </a:extLst>
           </p:cNvPr>
@@ -13739,7 +13769,7 @@
           <p:cNvPr id="5" name="TextBox 4">
             <a:extLst>
               <a:ext uri="{FF2B5EF4-FFF2-40B4-BE49-F238E27FC236}">
-                <a16:creationId xmlns:a16="http://schemas.microsoft.com/office/drawing/2014/main" id="{D4748397-9348-EFE4-8F79-46727CDBA51F}"/>
+                <a16:creationId xmlns:a16="http://schemas.microsoft.com/office/drawing/2014/main" xmlns="" id="{D4748397-9348-EFE4-8F79-46727CDBA51F}"/>
               </a:ext>
             </a:extLst>
           </p:cNvPr>
@@ -13852,7 +13882,7 @@
           <p:cNvPr id="7" name="TextBox 6">
             <a:extLst>
               <a:ext uri="{FF2B5EF4-FFF2-40B4-BE49-F238E27FC236}">
-                <a16:creationId xmlns:a16="http://schemas.microsoft.com/office/drawing/2014/main" id="{8D276164-BF1D-0EC3-1823-230D27673086}"/>
+                <a16:creationId xmlns:a16="http://schemas.microsoft.com/office/drawing/2014/main" xmlns="" id="{8D276164-BF1D-0EC3-1823-230D27673086}"/>
               </a:ext>
             </a:extLst>
           </p:cNvPr>
@@ -13907,7 +13937,7 @@
     </p:spTree>
     <p:extLst>
       <p:ext uri="{BB962C8B-B14F-4D97-AF65-F5344CB8AC3E}">
-        <p14:creationId xmlns:p14="http://schemas.microsoft.com/office/powerpoint/2010/main" val="3504114964"/>
+        <p14:creationId xmlns:p14="http://schemas.microsoft.com/office/powerpoint/2010/main" xmlns="" val="3504114964"/>
       </p:ext>
     </p:extLst>
   </p:cSld>
@@ -13939,7 +13969,7 @@
           <p:cNvPr id="2" name="Title 1">
             <a:extLst>
               <a:ext uri="{FF2B5EF4-FFF2-40B4-BE49-F238E27FC236}">
-                <a16:creationId xmlns:a16="http://schemas.microsoft.com/office/drawing/2014/main" id="{3F0AF270-FA72-5AEF-FEF0-5D536AFA8941}"/>
+                <a16:creationId xmlns:a16="http://schemas.microsoft.com/office/drawing/2014/main" xmlns="" id="{3F0AF270-FA72-5AEF-FEF0-5D536AFA8941}"/>
               </a:ext>
             </a:extLst>
           </p:cNvPr>
@@ -13993,7 +14023,7 @@
           <p:cNvPr id="4" name="TextBox 3">
             <a:extLst>
               <a:ext uri="{FF2B5EF4-FFF2-40B4-BE49-F238E27FC236}">
-                <a16:creationId xmlns:a16="http://schemas.microsoft.com/office/drawing/2014/main" id="{AE05E5FC-E6E9-9873-FCAC-89E2800DF8E4}"/>
+                <a16:creationId xmlns:a16="http://schemas.microsoft.com/office/drawing/2014/main" xmlns="" id="{AE05E5FC-E6E9-9873-FCAC-89E2800DF8E4}"/>
               </a:ext>
             </a:extLst>
           </p:cNvPr>
@@ -14116,7 +14146,7 @@
     </p:spTree>
     <p:extLst>
       <p:ext uri="{BB962C8B-B14F-4D97-AF65-F5344CB8AC3E}">
-        <p14:creationId xmlns:p14="http://schemas.microsoft.com/office/powerpoint/2010/main" val="3730492136"/>
+        <p14:creationId xmlns:p14="http://schemas.microsoft.com/office/powerpoint/2010/main" xmlns="" val="3730492136"/>
       </p:ext>
     </p:extLst>
   </p:cSld>
@@ -14148,7 +14178,7 @@
           <p:cNvPr id="2" name="Title 1">
             <a:extLst>
               <a:ext uri="{FF2B5EF4-FFF2-40B4-BE49-F238E27FC236}">
-                <a16:creationId xmlns:a16="http://schemas.microsoft.com/office/drawing/2014/main" id="{1C45CE7D-83C7-75AC-7948-D194DDF57E81}"/>
+                <a16:creationId xmlns:a16="http://schemas.microsoft.com/office/drawing/2014/main" xmlns="" id="{1C45CE7D-83C7-75AC-7948-D194DDF57E81}"/>
               </a:ext>
             </a:extLst>
           </p:cNvPr>
@@ -14202,7 +14232,7 @@
           <p:cNvPr id="4" name="TextBox 3">
             <a:extLst>
               <a:ext uri="{FF2B5EF4-FFF2-40B4-BE49-F238E27FC236}">
-                <a16:creationId xmlns:a16="http://schemas.microsoft.com/office/drawing/2014/main" id="{FA1C358C-19E9-C978-C9FB-8C6579DA3BE7}"/>
+                <a16:creationId xmlns:a16="http://schemas.microsoft.com/office/drawing/2014/main" xmlns="" id="{FA1C358C-19E9-C978-C9FB-8C6579DA3BE7}"/>
               </a:ext>
             </a:extLst>
           </p:cNvPr>
@@ -14285,7 +14315,7 @@
     </p:spTree>
     <p:extLst>
       <p:ext uri="{BB962C8B-B14F-4D97-AF65-F5344CB8AC3E}">
-        <p14:creationId xmlns:p14="http://schemas.microsoft.com/office/powerpoint/2010/main" val="2035204442"/>
+        <p14:creationId xmlns:p14="http://schemas.microsoft.com/office/powerpoint/2010/main" xmlns="" val="2035204442"/>
       </p:ext>
     </p:extLst>
   </p:cSld>
@@ -14317,7 +14347,7 @@
           <p:cNvPr id="2" name="Title 1">
             <a:extLst>
               <a:ext uri="{FF2B5EF4-FFF2-40B4-BE49-F238E27FC236}">
-                <a16:creationId xmlns:a16="http://schemas.microsoft.com/office/drawing/2014/main" id="{4AAD6E6B-4EBA-10E7-CF84-3AA4B3786824}"/>
+                <a16:creationId xmlns:a16="http://schemas.microsoft.com/office/drawing/2014/main" xmlns="" id="{4AAD6E6B-4EBA-10E7-CF84-3AA4B3786824}"/>
               </a:ext>
             </a:extLst>
           </p:cNvPr>
@@ -14371,7 +14401,7 @@
           <p:cNvPr id="4" name="TextBox 3">
             <a:extLst>
               <a:ext uri="{FF2B5EF4-FFF2-40B4-BE49-F238E27FC236}">
-                <a16:creationId xmlns:a16="http://schemas.microsoft.com/office/drawing/2014/main" id="{ACCEA707-DAEF-AE70-AC89-F3949A10B1F6}"/>
+                <a16:creationId xmlns:a16="http://schemas.microsoft.com/office/drawing/2014/main" xmlns="" id="{ACCEA707-DAEF-AE70-AC89-F3949A10B1F6}"/>
               </a:ext>
             </a:extLst>
           </p:cNvPr>
@@ -14497,7 +14527,7 @@
           <p:cNvPr id="10242" name="Picture 2" descr="DBMS SQL Operator">
             <a:extLst>
               <a:ext uri="{FF2B5EF4-FFF2-40B4-BE49-F238E27FC236}">
-                <a16:creationId xmlns:a16="http://schemas.microsoft.com/office/drawing/2014/main" id="{E90B8F56-08BF-938F-7FC8-433903387699}"/>
+                <a16:creationId xmlns:a16="http://schemas.microsoft.com/office/drawing/2014/main" xmlns="" id="{E90B8F56-08BF-938F-7FC8-433903387699}"/>
               </a:ext>
             </a:extLst>
           </p:cNvPr>
@@ -14510,7 +14540,7 @@
           <a:blip r:embed="rId3">
             <a:extLst>
               <a:ext uri="{28A0092B-C50C-407E-A947-70E740481C1C}">
-                <a14:useLocalDpi xmlns:a14="http://schemas.microsoft.com/office/drawing/2010/main" val="0"/>
+                <a14:useLocalDpi xmlns:a14="http://schemas.microsoft.com/office/drawing/2010/main" xmlns="" val="0"/>
               </a:ext>
             </a:extLst>
           </a:blip>
@@ -14530,7 +14560,7 @@
           <a:noFill/>
           <a:extLst>
             <a:ext uri="{909E8E84-426E-40DD-AFC4-6F175D3DCCD1}">
-              <a14:hiddenFill xmlns:a14="http://schemas.microsoft.com/office/drawing/2010/main">
+              <a14:hiddenFill xmlns:a14="http://schemas.microsoft.com/office/drawing/2010/main" xmlns="">
                 <a:solidFill>
                   <a:srgbClr val="FFFFFF"/>
                 </a:solidFill>
@@ -14544,7 +14574,7 @@
           <p:cNvPr id="10" name="TextBox 9">
             <a:extLst>
               <a:ext uri="{FF2B5EF4-FFF2-40B4-BE49-F238E27FC236}">
-                <a16:creationId xmlns:a16="http://schemas.microsoft.com/office/drawing/2014/main" id="{7A959094-BF2C-B153-1465-2A5B7F09D2F9}"/>
+                <a16:creationId xmlns:a16="http://schemas.microsoft.com/office/drawing/2014/main" xmlns="" id="{7A959094-BF2C-B153-1465-2A5B7F09D2F9}"/>
               </a:ext>
             </a:extLst>
           </p:cNvPr>
@@ -14622,7 +14652,7 @@
     </p:spTree>
     <p:extLst>
       <p:ext uri="{BB962C8B-B14F-4D97-AF65-F5344CB8AC3E}">
-        <p14:creationId xmlns:p14="http://schemas.microsoft.com/office/powerpoint/2010/main" val="3006066172"/>
+        <p14:creationId xmlns:p14="http://schemas.microsoft.com/office/powerpoint/2010/main" xmlns="" val="3006066172"/>
       </p:ext>
     </p:extLst>
   </p:cSld>
@@ -14654,7 +14684,7 @@
           <p:cNvPr id="2" name="Table 1">
             <a:extLst>
               <a:ext uri="{FF2B5EF4-FFF2-40B4-BE49-F238E27FC236}">
-                <a16:creationId xmlns:a16="http://schemas.microsoft.com/office/drawing/2014/main" id="{71F2EA4C-75FD-04BC-3356-1C37CA5985FC}"/>
+                <a16:creationId xmlns:a16="http://schemas.microsoft.com/office/drawing/2014/main" xmlns="" id="{71F2EA4C-75FD-04BC-3356-1C37CA5985FC}"/>
               </a:ext>
             </a:extLst>
           </p:cNvPr>
@@ -14675,21 +14705,21 @@
                 <a:gridCol w="3505200">
                   <a:extLst>
                     <a:ext uri="{9D8B030D-6E8A-4147-A177-3AD203B41FA5}">
-                      <a16:colId xmlns:a16="http://schemas.microsoft.com/office/drawing/2014/main" val="2533166068"/>
+                      <a16:colId xmlns:a16="http://schemas.microsoft.com/office/drawing/2014/main" xmlns="" val="2533166068"/>
                     </a:ext>
                   </a:extLst>
                 </a:gridCol>
                 <a:gridCol w="3505200">
                   <a:extLst>
                     <a:ext uri="{9D8B030D-6E8A-4147-A177-3AD203B41FA5}">
-                      <a16:colId xmlns:a16="http://schemas.microsoft.com/office/drawing/2014/main" val="3519522965"/>
+                      <a16:colId xmlns:a16="http://schemas.microsoft.com/office/drawing/2014/main" xmlns="" val="3519522965"/>
                     </a:ext>
                   </a:extLst>
                 </a:gridCol>
                 <a:gridCol w="3505200">
                   <a:extLst>
                     <a:ext uri="{9D8B030D-6E8A-4147-A177-3AD203B41FA5}">
-                      <a16:colId xmlns:a16="http://schemas.microsoft.com/office/drawing/2014/main" val="2356007174"/>
+                      <a16:colId xmlns:a16="http://schemas.microsoft.com/office/drawing/2014/main" xmlns="" val="2356007174"/>
                     </a:ext>
                   </a:extLst>
                 </a:gridCol>
@@ -14823,7 +14853,7 @@
                 </a:tc>
                 <a:extLst>
                   <a:ext uri="{0D108BD9-81ED-4DB2-BD59-A6C34878D82A}">
-                    <a16:rowId xmlns:a16="http://schemas.microsoft.com/office/drawing/2014/main" val="2530814592"/>
+                    <a16:rowId xmlns:a16="http://schemas.microsoft.com/office/drawing/2014/main" xmlns="" val="2530814592"/>
                   </a:ext>
                 </a:extLst>
               </a:tr>
@@ -15010,7 +15040,7 @@
                 </a:tc>
                 <a:extLst>
                   <a:ext uri="{0D108BD9-81ED-4DB2-BD59-A6C34878D82A}">
-                    <a16:rowId xmlns:a16="http://schemas.microsoft.com/office/drawing/2014/main" val="583133547"/>
+                    <a16:rowId xmlns:a16="http://schemas.microsoft.com/office/drawing/2014/main" xmlns="" val="583133547"/>
                   </a:ext>
                 </a:extLst>
               </a:tr>
@@ -15197,7 +15227,7 @@
                 </a:tc>
                 <a:extLst>
                   <a:ext uri="{0D108BD9-81ED-4DB2-BD59-A6C34878D82A}">
-                    <a16:rowId xmlns:a16="http://schemas.microsoft.com/office/drawing/2014/main" val="2295545562"/>
+                    <a16:rowId xmlns:a16="http://schemas.microsoft.com/office/drawing/2014/main" xmlns="" val="2295545562"/>
                   </a:ext>
                 </a:extLst>
               </a:tr>
@@ -15384,7 +15414,7 @@
                 </a:tc>
                 <a:extLst>
                   <a:ext uri="{0D108BD9-81ED-4DB2-BD59-A6C34878D82A}">
-                    <a16:rowId xmlns:a16="http://schemas.microsoft.com/office/drawing/2014/main" val="3538201197"/>
+                    <a16:rowId xmlns:a16="http://schemas.microsoft.com/office/drawing/2014/main" xmlns="" val="3538201197"/>
                   </a:ext>
                 </a:extLst>
               </a:tr>
@@ -15571,7 +15601,7 @@
                 </a:tc>
                 <a:extLst>
                   <a:ext uri="{0D108BD9-81ED-4DB2-BD59-A6C34878D82A}">
-                    <a16:rowId xmlns:a16="http://schemas.microsoft.com/office/drawing/2014/main" val="478079205"/>
+                    <a16:rowId xmlns:a16="http://schemas.microsoft.com/office/drawing/2014/main" xmlns="" val="478079205"/>
                   </a:ext>
                 </a:extLst>
               </a:tr>
@@ -15768,7 +15798,7 @@
                 </a:tc>
                 <a:extLst>
                   <a:ext uri="{0D108BD9-81ED-4DB2-BD59-A6C34878D82A}">
-                    <a16:rowId xmlns:a16="http://schemas.microsoft.com/office/drawing/2014/main" val="772913648"/>
+                    <a16:rowId xmlns:a16="http://schemas.microsoft.com/office/drawing/2014/main" xmlns="" val="772913648"/>
                   </a:ext>
                 </a:extLst>
               </a:tr>
@@ -15781,7 +15811,7 @@
           <p:cNvPr id="4" name="TextBox 3">
             <a:extLst>
               <a:ext uri="{FF2B5EF4-FFF2-40B4-BE49-F238E27FC236}">
-                <a16:creationId xmlns:a16="http://schemas.microsoft.com/office/drawing/2014/main" id="{264FCDE9-4EB1-02F1-8652-CCC6D064D3CD}"/>
+                <a16:creationId xmlns:a16="http://schemas.microsoft.com/office/drawing/2014/main" xmlns="" id="{264FCDE9-4EB1-02F1-8652-CCC6D064D3CD}"/>
               </a:ext>
             </a:extLst>
           </p:cNvPr>
@@ -15821,7 +15851,7 @@
     </p:spTree>
     <p:extLst>
       <p:ext uri="{BB962C8B-B14F-4D97-AF65-F5344CB8AC3E}">
-        <p14:creationId xmlns:p14="http://schemas.microsoft.com/office/powerpoint/2010/main" val="3101899319"/>
+        <p14:creationId xmlns:p14="http://schemas.microsoft.com/office/powerpoint/2010/main" xmlns="" val="3101899319"/>
       </p:ext>
     </p:extLst>
   </p:cSld>
@@ -15853,7 +15883,7 @@
           <p:cNvPr id="2" name="Title 1">
             <a:extLst>
               <a:ext uri="{FF2B5EF4-FFF2-40B4-BE49-F238E27FC236}">
-                <a16:creationId xmlns:a16="http://schemas.microsoft.com/office/drawing/2014/main" id="{4C55823D-5000-9CD5-3EDB-ACF268677B77}"/>
+                <a16:creationId xmlns:a16="http://schemas.microsoft.com/office/drawing/2014/main" xmlns="" id="{4C55823D-5000-9CD5-3EDB-ACF268677B77}"/>
               </a:ext>
             </a:extLst>
           </p:cNvPr>
@@ -15896,7 +15926,7 @@
           <p:cNvPr id="5" name="Table 4">
             <a:extLst>
               <a:ext uri="{FF2B5EF4-FFF2-40B4-BE49-F238E27FC236}">
-                <a16:creationId xmlns:a16="http://schemas.microsoft.com/office/drawing/2014/main" id="{BA816881-0BA6-9D2C-1994-2EDB7FA33B82}"/>
+                <a16:creationId xmlns:a16="http://schemas.microsoft.com/office/drawing/2014/main" xmlns="" id="{BA816881-0BA6-9D2C-1994-2EDB7FA33B82}"/>
               </a:ext>
             </a:extLst>
           </p:cNvPr>
@@ -15906,7 +15936,7 @@
           <p:nvPr>
             <p:extLst>
               <p:ext uri="{D42A27DB-BD31-4B8C-83A1-F6EECF244321}">
-                <p14:modId xmlns:p14="http://schemas.microsoft.com/office/powerpoint/2010/main" val="3101419077"/>
+                <p14:modId xmlns:p14="http://schemas.microsoft.com/office/powerpoint/2010/main" xmlns="" val="3101419077"/>
               </p:ext>
             </p:extLst>
           </p:nvPr>
@@ -15923,21 +15953,21 @@
                 <a:gridCol w="846200">
                   <a:extLst>
                     <a:ext uri="{9D8B030D-6E8A-4147-A177-3AD203B41FA5}">
-                      <a16:colId xmlns:a16="http://schemas.microsoft.com/office/drawing/2014/main" val="4176172553"/>
+                      <a16:colId xmlns:a16="http://schemas.microsoft.com/office/drawing/2014/main" xmlns="" val="4176172553"/>
                     </a:ext>
                   </a:extLst>
                 </a:gridCol>
                 <a:gridCol w="6987588">
                   <a:extLst>
                     <a:ext uri="{9D8B030D-6E8A-4147-A177-3AD203B41FA5}">
-                      <a16:colId xmlns:a16="http://schemas.microsoft.com/office/drawing/2014/main" val="377717538"/>
+                      <a16:colId xmlns:a16="http://schemas.microsoft.com/office/drawing/2014/main" xmlns="" val="377717538"/>
                     </a:ext>
                   </a:extLst>
                 </a:gridCol>
                 <a:gridCol w="1428359">
                   <a:extLst>
                     <a:ext uri="{9D8B030D-6E8A-4147-A177-3AD203B41FA5}">
-                      <a16:colId xmlns:a16="http://schemas.microsoft.com/office/drawing/2014/main" val="3709514679"/>
+                      <a16:colId xmlns:a16="http://schemas.microsoft.com/office/drawing/2014/main" xmlns="" val="3709514679"/>
                     </a:ext>
                   </a:extLst>
                 </a:gridCol>
@@ -16125,7 +16155,7 @@
                 </a:tc>
                 <a:extLst>
                   <a:ext uri="{0D108BD9-81ED-4DB2-BD59-A6C34878D82A}">
-                    <a16:rowId xmlns:a16="http://schemas.microsoft.com/office/drawing/2014/main" val="3902503457"/>
+                    <a16:rowId xmlns:a16="http://schemas.microsoft.com/office/drawing/2014/main" xmlns="" val="3902503457"/>
                   </a:ext>
                 </a:extLst>
               </a:tr>
@@ -16312,7 +16342,7 @@
                 </a:tc>
                 <a:extLst>
                   <a:ext uri="{0D108BD9-81ED-4DB2-BD59-A6C34878D82A}">
-                    <a16:rowId xmlns:a16="http://schemas.microsoft.com/office/drawing/2014/main" val="2505520519"/>
+                    <a16:rowId xmlns:a16="http://schemas.microsoft.com/office/drawing/2014/main" xmlns="" val="2505520519"/>
                   </a:ext>
                 </a:extLst>
               </a:tr>
@@ -16499,7 +16529,7 @@
                 </a:tc>
                 <a:extLst>
                   <a:ext uri="{0D108BD9-81ED-4DB2-BD59-A6C34878D82A}">
-                    <a16:rowId xmlns:a16="http://schemas.microsoft.com/office/drawing/2014/main" val="4138950486"/>
+                    <a16:rowId xmlns:a16="http://schemas.microsoft.com/office/drawing/2014/main" xmlns="" val="4138950486"/>
                   </a:ext>
                 </a:extLst>
               </a:tr>
@@ -16686,7 +16716,7 @@
                 </a:tc>
                 <a:extLst>
                   <a:ext uri="{0D108BD9-81ED-4DB2-BD59-A6C34878D82A}">
-                    <a16:rowId xmlns:a16="http://schemas.microsoft.com/office/drawing/2014/main" val="2940376016"/>
+                    <a16:rowId xmlns:a16="http://schemas.microsoft.com/office/drawing/2014/main" xmlns="" val="2940376016"/>
                   </a:ext>
                 </a:extLst>
               </a:tr>
@@ -16873,7 +16903,7 @@
                 </a:tc>
                 <a:extLst>
                   <a:ext uri="{0D108BD9-81ED-4DB2-BD59-A6C34878D82A}">
-                    <a16:rowId xmlns:a16="http://schemas.microsoft.com/office/drawing/2014/main" val="1760585653"/>
+                    <a16:rowId xmlns:a16="http://schemas.microsoft.com/office/drawing/2014/main" xmlns="" val="1760585653"/>
                   </a:ext>
                 </a:extLst>
               </a:tr>
@@ -17060,7 +17090,7 @@
                 </a:tc>
                 <a:extLst>
                   <a:ext uri="{0D108BD9-81ED-4DB2-BD59-A6C34878D82A}">
-                    <a16:rowId xmlns:a16="http://schemas.microsoft.com/office/drawing/2014/main" val="2660013521"/>
+                    <a16:rowId xmlns:a16="http://schemas.microsoft.com/office/drawing/2014/main" xmlns="" val="2660013521"/>
                   </a:ext>
                 </a:extLst>
               </a:tr>
@@ -17247,7 +17277,7 @@
                 </a:tc>
                 <a:extLst>
                   <a:ext uri="{0D108BD9-81ED-4DB2-BD59-A6C34878D82A}">
-                    <a16:rowId xmlns:a16="http://schemas.microsoft.com/office/drawing/2014/main" val="3102660518"/>
+                    <a16:rowId xmlns:a16="http://schemas.microsoft.com/office/drawing/2014/main" xmlns="" val="3102660518"/>
                   </a:ext>
                 </a:extLst>
               </a:tr>
@@ -17434,7 +17464,7 @@
                 </a:tc>
                 <a:extLst>
                   <a:ext uri="{0D108BD9-81ED-4DB2-BD59-A6C34878D82A}">
-                    <a16:rowId xmlns:a16="http://schemas.microsoft.com/office/drawing/2014/main" val="2244121743"/>
+                    <a16:rowId xmlns:a16="http://schemas.microsoft.com/office/drawing/2014/main" xmlns="" val="2244121743"/>
                   </a:ext>
                 </a:extLst>
               </a:tr>
@@ -17621,7 +17651,7 @@
                 </a:tc>
                 <a:extLst>
                   <a:ext uri="{0D108BD9-81ED-4DB2-BD59-A6C34878D82A}">
-                    <a16:rowId xmlns:a16="http://schemas.microsoft.com/office/drawing/2014/main" val="2949155040"/>
+                    <a16:rowId xmlns:a16="http://schemas.microsoft.com/office/drawing/2014/main" xmlns="" val="2949155040"/>
                   </a:ext>
                 </a:extLst>
               </a:tr>
@@ -17777,7 +17807,7 @@
                 </a:tc>
                 <a:extLst>
                   <a:ext uri="{0D108BD9-81ED-4DB2-BD59-A6C34878D82A}">
-                    <a16:rowId xmlns:a16="http://schemas.microsoft.com/office/drawing/2014/main" val="2268871359"/>
+                    <a16:rowId xmlns:a16="http://schemas.microsoft.com/office/drawing/2014/main" xmlns="" val="2268871359"/>
                   </a:ext>
                 </a:extLst>
               </a:tr>
@@ -17788,7 +17818,7 @@
     </p:spTree>
     <p:extLst>
       <p:ext uri="{BB962C8B-B14F-4D97-AF65-F5344CB8AC3E}">
-        <p14:creationId xmlns:p14="http://schemas.microsoft.com/office/powerpoint/2010/main" val="448149321"/>
+        <p14:creationId xmlns:p14="http://schemas.microsoft.com/office/powerpoint/2010/main" xmlns="" val="448149321"/>
       </p:ext>
     </p:extLst>
   </p:cSld>
@@ -17820,7 +17850,7 @@
           <p:cNvPr id="2" name="Title 1">
             <a:extLst>
               <a:ext uri="{FF2B5EF4-FFF2-40B4-BE49-F238E27FC236}">
-                <a16:creationId xmlns:a16="http://schemas.microsoft.com/office/drawing/2014/main" id="{C4314219-5624-B099-779A-F122C1152E0C}"/>
+                <a16:creationId xmlns:a16="http://schemas.microsoft.com/office/drawing/2014/main" xmlns="" id="{C4314219-5624-B099-779A-F122C1152E0C}"/>
               </a:ext>
             </a:extLst>
           </p:cNvPr>
@@ -17863,7 +17893,7 @@
           <p:cNvPr id="3" name="Table 2">
             <a:extLst>
               <a:ext uri="{FF2B5EF4-FFF2-40B4-BE49-F238E27FC236}">
-                <a16:creationId xmlns:a16="http://schemas.microsoft.com/office/drawing/2014/main" id="{08A05B6E-59A8-64BF-E283-1E4B5F170C32}"/>
+                <a16:creationId xmlns:a16="http://schemas.microsoft.com/office/drawing/2014/main" xmlns="" id="{08A05B6E-59A8-64BF-E283-1E4B5F170C32}"/>
               </a:ext>
             </a:extLst>
           </p:cNvPr>
@@ -17873,7 +17903,7 @@
           <p:nvPr>
             <p:extLst>
               <p:ext uri="{D42A27DB-BD31-4B8C-83A1-F6EECF244321}">
-                <p14:modId xmlns:p14="http://schemas.microsoft.com/office/powerpoint/2010/main" val="2920271682"/>
+                <p14:modId xmlns:p14="http://schemas.microsoft.com/office/powerpoint/2010/main" xmlns="" val="2920271682"/>
               </p:ext>
             </p:extLst>
           </p:nvPr>
@@ -17890,14 +17920,14 @@
                 <a:gridCol w="3151824">
                   <a:extLst>
                     <a:ext uri="{9D8B030D-6E8A-4147-A177-3AD203B41FA5}">
-                      <a16:colId xmlns:a16="http://schemas.microsoft.com/office/drawing/2014/main" val="4044774970"/>
+                      <a16:colId xmlns:a16="http://schemas.microsoft.com/office/drawing/2014/main" xmlns="" val="4044774970"/>
                     </a:ext>
                   </a:extLst>
                 </a:gridCol>
                 <a:gridCol w="5374693">
                   <a:extLst>
                     <a:ext uri="{9D8B030D-6E8A-4147-A177-3AD203B41FA5}">
-                      <a16:colId xmlns:a16="http://schemas.microsoft.com/office/drawing/2014/main" val="474592400"/>
+                      <a16:colId xmlns:a16="http://schemas.microsoft.com/office/drawing/2014/main" xmlns="" val="474592400"/>
                     </a:ext>
                   </a:extLst>
                 </a:gridCol>
@@ -18025,7 +18055,7 @@
                 </a:tc>
                 <a:extLst>
                   <a:ext uri="{0D108BD9-81ED-4DB2-BD59-A6C34878D82A}">
-                    <a16:rowId xmlns:a16="http://schemas.microsoft.com/office/drawing/2014/main" val="957970771"/>
+                    <a16:rowId xmlns:a16="http://schemas.microsoft.com/office/drawing/2014/main" xmlns="" val="957970771"/>
                   </a:ext>
                 </a:extLst>
               </a:tr>
@@ -18152,7 +18182,7 @@
                 </a:tc>
                 <a:extLst>
                   <a:ext uri="{0D108BD9-81ED-4DB2-BD59-A6C34878D82A}">
-                    <a16:rowId xmlns:a16="http://schemas.microsoft.com/office/drawing/2014/main" val="2254343487"/>
+                    <a16:rowId xmlns:a16="http://schemas.microsoft.com/office/drawing/2014/main" xmlns="" val="2254343487"/>
                   </a:ext>
                 </a:extLst>
               </a:tr>
@@ -18279,7 +18309,7 @@
                 </a:tc>
                 <a:extLst>
                   <a:ext uri="{0D108BD9-81ED-4DB2-BD59-A6C34878D82A}">
-                    <a16:rowId xmlns:a16="http://schemas.microsoft.com/office/drawing/2014/main" val="805549476"/>
+                    <a16:rowId xmlns:a16="http://schemas.microsoft.com/office/drawing/2014/main" xmlns="" val="805549476"/>
                   </a:ext>
                 </a:extLst>
               </a:tr>
@@ -18406,7 +18436,7 @@
                 </a:tc>
                 <a:extLst>
                   <a:ext uri="{0D108BD9-81ED-4DB2-BD59-A6C34878D82A}">
-                    <a16:rowId xmlns:a16="http://schemas.microsoft.com/office/drawing/2014/main" val="3361476770"/>
+                    <a16:rowId xmlns:a16="http://schemas.microsoft.com/office/drawing/2014/main" xmlns="" val="3361476770"/>
                   </a:ext>
                 </a:extLst>
               </a:tr>
@@ -18533,7 +18563,7 @@
                 </a:tc>
                 <a:extLst>
                   <a:ext uri="{0D108BD9-81ED-4DB2-BD59-A6C34878D82A}">
-                    <a16:rowId xmlns:a16="http://schemas.microsoft.com/office/drawing/2014/main" val="1110962818"/>
+                    <a16:rowId xmlns:a16="http://schemas.microsoft.com/office/drawing/2014/main" xmlns="" val="1110962818"/>
                   </a:ext>
                 </a:extLst>
               </a:tr>
@@ -18660,7 +18690,7 @@
                 </a:tc>
                 <a:extLst>
                   <a:ext uri="{0D108BD9-81ED-4DB2-BD59-A6C34878D82A}">
-                    <a16:rowId xmlns:a16="http://schemas.microsoft.com/office/drawing/2014/main" val="235740492"/>
+                    <a16:rowId xmlns:a16="http://schemas.microsoft.com/office/drawing/2014/main" xmlns="" val="235740492"/>
                   </a:ext>
                 </a:extLst>
               </a:tr>
@@ -18787,7 +18817,7 @@
                 </a:tc>
                 <a:extLst>
                   <a:ext uri="{0D108BD9-81ED-4DB2-BD59-A6C34878D82A}">
-                    <a16:rowId xmlns:a16="http://schemas.microsoft.com/office/drawing/2014/main" val="3325236565"/>
+                    <a16:rowId xmlns:a16="http://schemas.microsoft.com/office/drawing/2014/main" xmlns="" val="3325236565"/>
                   </a:ext>
                 </a:extLst>
               </a:tr>
@@ -18914,7 +18944,7 @@
                 </a:tc>
                 <a:extLst>
                   <a:ext uri="{0D108BD9-81ED-4DB2-BD59-A6C34878D82A}">
-                    <a16:rowId xmlns:a16="http://schemas.microsoft.com/office/drawing/2014/main" val="1226260900"/>
+                    <a16:rowId xmlns:a16="http://schemas.microsoft.com/office/drawing/2014/main" xmlns="" val="1226260900"/>
                   </a:ext>
                 </a:extLst>
               </a:tr>
@@ -19041,7 +19071,7 @@
                 </a:tc>
                 <a:extLst>
                   <a:ext uri="{0D108BD9-81ED-4DB2-BD59-A6C34878D82A}">
-                    <a16:rowId xmlns:a16="http://schemas.microsoft.com/office/drawing/2014/main" val="752051509"/>
+                    <a16:rowId xmlns:a16="http://schemas.microsoft.com/office/drawing/2014/main" xmlns="" val="752051509"/>
                   </a:ext>
                 </a:extLst>
               </a:tr>
@@ -19168,7 +19198,7 @@
                 </a:tc>
                 <a:extLst>
                   <a:ext uri="{0D108BD9-81ED-4DB2-BD59-A6C34878D82A}">
-                    <a16:rowId xmlns:a16="http://schemas.microsoft.com/office/drawing/2014/main" val="3753542564"/>
+                    <a16:rowId xmlns:a16="http://schemas.microsoft.com/office/drawing/2014/main" xmlns="" val="3753542564"/>
                   </a:ext>
                 </a:extLst>
               </a:tr>
@@ -19179,7 +19209,7 @@
     </p:spTree>
     <p:extLst>
       <p:ext uri="{BB962C8B-B14F-4D97-AF65-F5344CB8AC3E}">
-        <p14:creationId xmlns:p14="http://schemas.microsoft.com/office/powerpoint/2010/main" val="1591992522"/>
+        <p14:creationId xmlns:p14="http://schemas.microsoft.com/office/powerpoint/2010/main" xmlns="" val="1591992522"/>
       </p:ext>
     </p:extLst>
   </p:cSld>
@@ -19211,7 +19241,7 @@
           <p:cNvPr id="2" name="Title 1">
             <a:extLst>
               <a:ext uri="{FF2B5EF4-FFF2-40B4-BE49-F238E27FC236}">
-                <a16:creationId xmlns:a16="http://schemas.microsoft.com/office/drawing/2014/main" id="{B207B21A-B21F-93FE-1512-2E896FA0718E}"/>
+                <a16:creationId xmlns:a16="http://schemas.microsoft.com/office/drawing/2014/main" xmlns="" id="{B207B21A-B21F-93FE-1512-2E896FA0718E}"/>
               </a:ext>
             </a:extLst>
           </p:cNvPr>
@@ -19244,7 +19274,7 @@
           <p:cNvPr id="3" name="Text Placeholder 2">
             <a:extLst>
               <a:ext uri="{FF2B5EF4-FFF2-40B4-BE49-F238E27FC236}">
-                <a16:creationId xmlns:a16="http://schemas.microsoft.com/office/drawing/2014/main" id="{EB370CCC-812C-A6FD-C5FE-9CBF8AAA7127}"/>
+                <a16:creationId xmlns:a16="http://schemas.microsoft.com/office/drawing/2014/main" xmlns="" id="{EB370CCC-812C-A6FD-C5FE-9CBF8AAA7127}"/>
               </a:ext>
             </a:extLst>
           </p:cNvPr>
@@ -19267,7 +19297,7 @@
     </p:spTree>
     <p:extLst>
       <p:ext uri="{BB962C8B-B14F-4D97-AF65-F5344CB8AC3E}">
-        <p14:creationId xmlns:p14="http://schemas.microsoft.com/office/powerpoint/2010/main" val="3101313825"/>
+        <p14:creationId xmlns:p14="http://schemas.microsoft.com/office/powerpoint/2010/main" xmlns="" val="3101313825"/>
       </p:ext>
     </p:extLst>
   </p:cSld>
@@ -19299,7 +19329,7 @@
           <p:cNvPr id="2" name="Title 1">
             <a:extLst>
               <a:ext uri="{FF2B5EF4-FFF2-40B4-BE49-F238E27FC236}">
-                <a16:creationId xmlns:a16="http://schemas.microsoft.com/office/drawing/2014/main" id="{73BF5FED-7C98-8567-AF99-25386E51EC41}"/>
+                <a16:creationId xmlns:a16="http://schemas.microsoft.com/office/drawing/2014/main" xmlns="" id="{73BF5FED-7C98-8567-AF99-25386E51EC41}"/>
               </a:ext>
             </a:extLst>
           </p:cNvPr>
@@ -19335,6 +19365,16 @@
               </a:rPr>
               <a:t>JOINS</a:t>
             </a:r>
+            <a:r>
+              <a:rPr lang="en-IN" b="1" i="0" dirty="0">
+                <a:solidFill>
+                  <a:srgbClr val="535353"/>
+                </a:solidFill>
+                <a:effectLst/>
+                <a:latin typeface="Helvetica Neue"/>
+              </a:rPr>
+              <a:t/>
+            </a:r>
             <a:br>
               <a:rPr lang="en-IN" b="1" i="0" dirty="0">
                 <a:solidFill>
@@ -19353,7 +19393,7 @@
           <p:cNvPr id="4" name="TextBox 3">
             <a:extLst>
               <a:ext uri="{FF2B5EF4-FFF2-40B4-BE49-F238E27FC236}">
-                <a16:creationId xmlns:a16="http://schemas.microsoft.com/office/drawing/2014/main" id="{319461FB-A810-3F1F-45E1-029F424387D3}"/>
+                <a16:creationId xmlns:a16="http://schemas.microsoft.com/office/drawing/2014/main" xmlns="" id="{319461FB-A810-3F1F-45E1-029F424387D3}"/>
               </a:ext>
             </a:extLst>
           </p:cNvPr>
@@ -19470,7 +19510,7 @@
     </p:spTree>
     <p:extLst>
       <p:ext uri="{BB962C8B-B14F-4D97-AF65-F5344CB8AC3E}">
-        <p14:creationId xmlns:p14="http://schemas.microsoft.com/office/powerpoint/2010/main" val="3456290579"/>
+        <p14:creationId xmlns:p14="http://schemas.microsoft.com/office/powerpoint/2010/main" xmlns="" val="3456290579"/>
       </p:ext>
     </p:extLst>
   </p:cSld>
@@ -19502,7 +19542,7 @@
           <p:cNvPr id="2" name="Title 1">
             <a:extLst>
               <a:ext uri="{FF2B5EF4-FFF2-40B4-BE49-F238E27FC236}">
-                <a16:creationId xmlns:a16="http://schemas.microsoft.com/office/drawing/2014/main" id="{7106707E-5945-E00B-A8A7-896BA1F403F0}"/>
+                <a16:creationId xmlns:a16="http://schemas.microsoft.com/office/drawing/2014/main" xmlns="" id="{7106707E-5945-E00B-A8A7-896BA1F403F0}"/>
               </a:ext>
             </a:extLst>
           </p:cNvPr>
@@ -19546,7 +19586,7 @@
           <p:cNvPr id="4" name="TextBox 3">
             <a:extLst>
               <a:ext uri="{FF2B5EF4-FFF2-40B4-BE49-F238E27FC236}">
-                <a16:creationId xmlns:a16="http://schemas.microsoft.com/office/drawing/2014/main" id="{AE85D0FE-0EC8-BB23-9F94-059F518A7728}"/>
+                <a16:creationId xmlns:a16="http://schemas.microsoft.com/office/drawing/2014/main" xmlns="" id="{AE85D0FE-0EC8-BB23-9F94-059F518A7728}"/>
               </a:ext>
             </a:extLst>
           </p:cNvPr>
@@ -19651,7 +19691,7 @@
     </p:spTree>
     <p:extLst>
       <p:ext uri="{BB962C8B-B14F-4D97-AF65-F5344CB8AC3E}">
-        <p14:creationId xmlns:p14="http://schemas.microsoft.com/office/powerpoint/2010/main" val="1205682746"/>
+        <p14:creationId xmlns:p14="http://schemas.microsoft.com/office/powerpoint/2010/main" xmlns="" val="1205682746"/>
       </p:ext>
     </p:extLst>
   </p:cSld>
@@ -19683,7 +19723,7 @@
           <p:cNvPr id="2" name="Title 1">
             <a:extLst>
               <a:ext uri="{FF2B5EF4-FFF2-40B4-BE49-F238E27FC236}">
-                <a16:creationId xmlns:a16="http://schemas.microsoft.com/office/drawing/2014/main" id="{64BC67F9-9696-CFB5-EC01-1014629D8760}"/>
+                <a16:creationId xmlns:a16="http://schemas.microsoft.com/office/drawing/2014/main" xmlns="" id="{64BC67F9-9696-CFB5-EC01-1014629D8760}"/>
               </a:ext>
             </a:extLst>
           </p:cNvPr>
@@ -19720,7 +19760,7 @@
           <p:cNvPr id="4" name="TextBox 3">
             <a:extLst>
               <a:ext uri="{FF2B5EF4-FFF2-40B4-BE49-F238E27FC236}">
-                <a16:creationId xmlns:a16="http://schemas.microsoft.com/office/drawing/2014/main" id="{A6D9C35E-AEA2-B39A-777F-24E36D919654}"/>
+                <a16:creationId xmlns:a16="http://schemas.microsoft.com/office/drawing/2014/main" xmlns="" id="{A6D9C35E-AEA2-B39A-777F-24E36D919654}"/>
               </a:ext>
             </a:extLst>
           </p:cNvPr>
@@ -19802,7 +19842,7 @@
           <p:cNvPr id="14338" name="Picture 2" descr="SQL">
             <a:extLst>
               <a:ext uri="{FF2B5EF4-FFF2-40B4-BE49-F238E27FC236}">
-                <a16:creationId xmlns:a16="http://schemas.microsoft.com/office/drawing/2014/main" id="{625FEA9D-8FF8-3981-CF09-998C0F83D9B1}"/>
+                <a16:creationId xmlns:a16="http://schemas.microsoft.com/office/drawing/2014/main" xmlns="" id="{625FEA9D-8FF8-3981-CF09-998C0F83D9B1}"/>
               </a:ext>
             </a:extLst>
           </p:cNvPr>
@@ -19815,7 +19855,7 @@
           <a:blip r:embed="rId2">
             <a:extLst>
               <a:ext uri="{28A0092B-C50C-407E-A947-70E740481C1C}">
-                <a14:useLocalDpi xmlns:a14="http://schemas.microsoft.com/office/drawing/2010/main" val="0"/>
+                <a14:useLocalDpi xmlns:a14="http://schemas.microsoft.com/office/drawing/2010/main" xmlns="" val="0"/>
               </a:ext>
             </a:extLst>
           </a:blip>
@@ -19835,7 +19875,7 @@
           <a:noFill/>
           <a:extLst>
             <a:ext uri="{909E8E84-426E-40DD-AFC4-6F175D3DCCD1}">
-              <a14:hiddenFill xmlns:a14="http://schemas.microsoft.com/office/drawing/2010/main">
+              <a14:hiddenFill xmlns:a14="http://schemas.microsoft.com/office/drawing/2010/main" xmlns="">
                 <a:solidFill>
                   <a:srgbClr val="FFFFFF"/>
                 </a:solidFill>
@@ -19849,7 +19889,7 @@
           <p:cNvPr id="12" name="TextBox 11">
             <a:extLst>
               <a:ext uri="{FF2B5EF4-FFF2-40B4-BE49-F238E27FC236}">
-                <a16:creationId xmlns:a16="http://schemas.microsoft.com/office/drawing/2014/main" id="{E73EA3DA-E1E5-D415-D831-972B33C1F9CC}"/>
+                <a16:creationId xmlns:a16="http://schemas.microsoft.com/office/drawing/2014/main" xmlns="" id="{E73EA3DA-E1E5-D415-D831-972B33C1F9CC}"/>
               </a:ext>
             </a:extLst>
           </p:cNvPr>
@@ -19950,7 +19990,7 @@
           <p:cNvPr id="14" name="TextBox 13">
             <a:extLst>
               <a:ext uri="{FF2B5EF4-FFF2-40B4-BE49-F238E27FC236}">
-                <a16:creationId xmlns:a16="http://schemas.microsoft.com/office/drawing/2014/main" id="{3446BFCB-3976-EE80-4883-617B5B8117CA}"/>
+                <a16:creationId xmlns:a16="http://schemas.microsoft.com/office/drawing/2014/main" xmlns="" id="{3446BFCB-3976-EE80-4883-617B5B8117CA}"/>
               </a:ext>
             </a:extLst>
           </p:cNvPr>
@@ -20017,7 +20057,7 @@
     </p:spTree>
     <p:extLst>
       <p:ext uri="{BB962C8B-B14F-4D97-AF65-F5344CB8AC3E}">
-        <p14:creationId xmlns:p14="http://schemas.microsoft.com/office/powerpoint/2010/main" val="2995710603"/>
+        <p14:creationId xmlns:p14="http://schemas.microsoft.com/office/powerpoint/2010/main" xmlns="" val="2995710603"/>
       </p:ext>
     </p:extLst>
   </p:cSld>
@@ -20049,7 +20089,7 @@
           <p:cNvPr id="2" name="Title 1">
             <a:extLst>
               <a:ext uri="{FF2B5EF4-FFF2-40B4-BE49-F238E27FC236}">
-                <a16:creationId xmlns:a16="http://schemas.microsoft.com/office/drawing/2014/main" id="{F9334FC1-D533-0D98-85FE-3711A4C17153}"/>
+                <a16:creationId xmlns:a16="http://schemas.microsoft.com/office/drawing/2014/main" xmlns="" id="{F9334FC1-D533-0D98-85FE-3711A4C17153}"/>
               </a:ext>
             </a:extLst>
           </p:cNvPr>
@@ -20093,7 +20133,7 @@
           <p:cNvPr id="4" name="TextBox 3">
             <a:extLst>
               <a:ext uri="{FF2B5EF4-FFF2-40B4-BE49-F238E27FC236}">
-                <a16:creationId xmlns:a16="http://schemas.microsoft.com/office/drawing/2014/main" id="{E16F726D-DD2C-B788-0E2E-BDE8217C8495}"/>
+                <a16:creationId xmlns:a16="http://schemas.microsoft.com/office/drawing/2014/main" xmlns="" id="{E16F726D-DD2C-B788-0E2E-BDE8217C8495}"/>
               </a:ext>
             </a:extLst>
           </p:cNvPr>
@@ -20137,7 +20177,7 @@
           <p:cNvPr id="15362" name="Picture 2" descr="SQL">
             <a:extLst>
               <a:ext uri="{FF2B5EF4-FFF2-40B4-BE49-F238E27FC236}">
-                <a16:creationId xmlns:a16="http://schemas.microsoft.com/office/drawing/2014/main" id="{1F8065DB-7D63-BAD5-295F-0373A0B1CBAA}"/>
+                <a16:creationId xmlns:a16="http://schemas.microsoft.com/office/drawing/2014/main" xmlns="" id="{1F8065DB-7D63-BAD5-295F-0373A0B1CBAA}"/>
               </a:ext>
             </a:extLst>
           </p:cNvPr>
@@ -20150,7 +20190,7 @@
           <a:blip r:embed="rId2">
             <a:extLst>
               <a:ext uri="{28A0092B-C50C-407E-A947-70E740481C1C}">
-                <a14:useLocalDpi xmlns:a14="http://schemas.microsoft.com/office/drawing/2010/main" val="0"/>
+                <a14:useLocalDpi xmlns:a14="http://schemas.microsoft.com/office/drawing/2010/main" xmlns="" val="0"/>
               </a:ext>
             </a:extLst>
           </a:blip>
@@ -20170,7 +20210,7 @@
           <a:noFill/>
           <a:extLst>
             <a:ext uri="{909E8E84-426E-40DD-AFC4-6F175D3DCCD1}">
-              <a14:hiddenFill xmlns:a14="http://schemas.microsoft.com/office/drawing/2010/main">
+              <a14:hiddenFill xmlns:a14="http://schemas.microsoft.com/office/drawing/2010/main" xmlns="">
                 <a:solidFill>
                   <a:srgbClr val="FFFFFF"/>
                 </a:solidFill>
@@ -20184,7 +20224,7 @@
           <p:cNvPr id="7" name="TextBox 6">
             <a:extLst>
               <a:ext uri="{FF2B5EF4-FFF2-40B4-BE49-F238E27FC236}">
-                <a16:creationId xmlns:a16="http://schemas.microsoft.com/office/drawing/2014/main" id="{F10D4844-99C5-280D-05CB-F6A33E2042E4}"/>
+                <a16:creationId xmlns:a16="http://schemas.microsoft.com/office/drawing/2014/main" xmlns="" id="{F10D4844-99C5-280D-05CB-F6A33E2042E4}"/>
               </a:ext>
             </a:extLst>
           </p:cNvPr>
@@ -20251,7 +20291,7 @@
     </p:spTree>
     <p:extLst>
       <p:ext uri="{BB962C8B-B14F-4D97-AF65-F5344CB8AC3E}">
-        <p14:creationId xmlns:p14="http://schemas.microsoft.com/office/powerpoint/2010/main" val="114015535"/>
+        <p14:creationId xmlns:p14="http://schemas.microsoft.com/office/powerpoint/2010/main" xmlns="" val="114015535"/>
       </p:ext>
     </p:extLst>
   </p:cSld>
@@ -20283,7 +20323,7 @@
           <p:cNvPr id="2" name="Title 1">
             <a:extLst>
               <a:ext uri="{FF2B5EF4-FFF2-40B4-BE49-F238E27FC236}">
-                <a16:creationId xmlns:a16="http://schemas.microsoft.com/office/drawing/2014/main" id="{8C03880D-C914-2D15-4EAD-8C17D90E84D7}"/>
+                <a16:creationId xmlns:a16="http://schemas.microsoft.com/office/drawing/2014/main" xmlns="" id="{8C03880D-C914-2D15-4EAD-8C17D90E84D7}"/>
               </a:ext>
             </a:extLst>
           </p:cNvPr>
@@ -20327,7 +20367,7 @@
           <p:cNvPr id="3" name="Picture 2">
             <a:extLst>
               <a:ext uri="{FF2B5EF4-FFF2-40B4-BE49-F238E27FC236}">
-                <a16:creationId xmlns:a16="http://schemas.microsoft.com/office/drawing/2014/main" id="{989EA623-CC37-CF59-AFB9-0BA3D139F8BE}"/>
+                <a16:creationId xmlns:a16="http://schemas.microsoft.com/office/drawing/2014/main" xmlns="" id="{989EA623-CC37-CF59-AFB9-0BA3D139F8BE}"/>
               </a:ext>
             </a:extLst>
           </p:cNvPr>
@@ -20357,7 +20397,7 @@
           <p:cNvPr id="5" name="TextBox 4">
             <a:extLst>
               <a:ext uri="{FF2B5EF4-FFF2-40B4-BE49-F238E27FC236}">
-                <a16:creationId xmlns:a16="http://schemas.microsoft.com/office/drawing/2014/main" id="{1B0566EF-D1B5-C593-8348-900F5DC304E6}"/>
+                <a16:creationId xmlns:a16="http://schemas.microsoft.com/office/drawing/2014/main" xmlns="" id="{1B0566EF-D1B5-C593-8348-900F5DC304E6}"/>
               </a:ext>
             </a:extLst>
           </p:cNvPr>
@@ -20401,7 +20441,7 @@
           <p:cNvPr id="7" name="TextBox 6">
             <a:extLst>
               <a:ext uri="{FF2B5EF4-FFF2-40B4-BE49-F238E27FC236}">
-                <a16:creationId xmlns:a16="http://schemas.microsoft.com/office/drawing/2014/main" id="{0783B961-F34D-4DAB-0ABC-A3C3AE6AA44F}"/>
+                <a16:creationId xmlns:a16="http://schemas.microsoft.com/office/drawing/2014/main" xmlns="" id="{0783B961-F34D-4DAB-0ABC-A3C3AE6AA44F}"/>
               </a:ext>
             </a:extLst>
           </p:cNvPr>
@@ -20468,7 +20508,7 @@
     </p:spTree>
     <p:extLst>
       <p:ext uri="{BB962C8B-B14F-4D97-AF65-F5344CB8AC3E}">
-        <p14:creationId xmlns:p14="http://schemas.microsoft.com/office/powerpoint/2010/main" val="3861636489"/>
+        <p14:creationId xmlns:p14="http://schemas.microsoft.com/office/powerpoint/2010/main" xmlns="" val="3861636489"/>
       </p:ext>
     </p:extLst>
   </p:cSld>
@@ -20500,7 +20540,7 @@
           <p:cNvPr id="2" name="Title 1">
             <a:extLst>
               <a:ext uri="{FF2B5EF4-FFF2-40B4-BE49-F238E27FC236}">
-                <a16:creationId xmlns:a16="http://schemas.microsoft.com/office/drawing/2014/main" id="{F7FB4320-16BC-9173-D4FA-59F55A3F14AF}"/>
+                <a16:creationId xmlns:a16="http://schemas.microsoft.com/office/drawing/2014/main" xmlns="" id="{F7FB4320-16BC-9173-D4FA-59F55A3F14AF}"/>
               </a:ext>
             </a:extLst>
           </p:cNvPr>
@@ -20544,7 +20584,7 @@
           <p:cNvPr id="3" name="Picture 2">
             <a:extLst>
               <a:ext uri="{FF2B5EF4-FFF2-40B4-BE49-F238E27FC236}">
-                <a16:creationId xmlns:a16="http://schemas.microsoft.com/office/drawing/2014/main" id="{51BB9BD4-4518-9871-17ED-7924683EF77A}"/>
+                <a16:creationId xmlns:a16="http://schemas.microsoft.com/office/drawing/2014/main" xmlns="" id="{51BB9BD4-4518-9871-17ED-7924683EF77A}"/>
               </a:ext>
             </a:extLst>
           </p:cNvPr>
@@ -20574,7 +20614,7 @@
           <p:cNvPr id="5" name="TextBox 4">
             <a:extLst>
               <a:ext uri="{FF2B5EF4-FFF2-40B4-BE49-F238E27FC236}">
-                <a16:creationId xmlns:a16="http://schemas.microsoft.com/office/drawing/2014/main" id="{001D3FE3-6846-6CD1-5E4F-F16615814845}"/>
+                <a16:creationId xmlns:a16="http://schemas.microsoft.com/office/drawing/2014/main" xmlns="" id="{001D3FE3-6846-6CD1-5E4F-F16615814845}"/>
               </a:ext>
             </a:extLst>
           </p:cNvPr>
@@ -20643,7 +20683,7 @@
           <p:cNvPr id="7" name="TextBox 6">
             <a:extLst>
               <a:ext uri="{FF2B5EF4-FFF2-40B4-BE49-F238E27FC236}">
-                <a16:creationId xmlns:a16="http://schemas.microsoft.com/office/drawing/2014/main" id="{8D782936-CB7B-8783-0CF6-780FF919FFE2}"/>
+                <a16:creationId xmlns:a16="http://schemas.microsoft.com/office/drawing/2014/main" xmlns="" id="{8D782936-CB7B-8783-0CF6-780FF919FFE2}"/>
               </a:ext>
             </a:extLst>
           </p:cNvPr>
@@ -20693,7 +20733,7 @@
     </p:spTree>
     <p:extLst>
       <p:ext uri="{BB962C8B-B14F-4D97-AF65-F5344CB8AC3E}">
-        <p14:creationId xmlns:p14="http://schemas.microsoft.com/office/powerpoint/2010/main" val="986341880"/>
+        <p14:creationId xmlns:p14="http://schemas.microsoft.com/office/powerpoint/2010/main" xmlns="" val="986341880"/>
       </p:ext>
     </p:extLst>
   </p:cSld>
@@ -20725,7 +20765,7 @@
           <p:cNvPr id="2" name="Title 1">
             <a:extLst>
               <a:ext uri="{FF2B5EF4-FFF2-40B4-BE49-F238E27FC236}">
-                <a16:creationId xmlns:a16="http://schemas.microsoft.com/office/drawing/2014/main" id="{CAE7CEE7-6510-56AC-1ADC-DE1A44907A21}"/>
+                <a16:creationId xmlns:a16="http://schemas.microsoft.com/office/drawing/2014/main" xmlns="" id="{CAE7CEE7-6510-56AC-1ADC-DE1A44907A21}"/>
               </a:ext>
             </a:extLst>
           </p:cNvPr>
@@ -20765,7 +20805,7 @@
           <p:cNvPr id="6" name="TextBox 5">
             <a:extLst>
               <a:ext uri="{FF2B5EF4-FFF2-40B4-BE49-F238E27FC236}">
-                <a16:creationId xmlns:a16="http://schemas.microsoft.com/office/drawing/2014/main" id="{37922EA2-9F82-032A-E1E7-6BDF853C5DC0}"/>
+                <a16:creationId xmlns:a16="http://schemas.microsoft.com/office/drawing/2014/main" xmlns="" id="{37922EA2-9F82-032A-E1E7-6BDF853C5DC0}"/>
               </a:ext>
             </a:extLst>
           </p:cNvPr>
@@ -20827,7 +20867,7 @@
     </p:spTree>
     <p:extLst>
       <p:ext uri="{BB962C8B-B14F-4D97-AF65-F5344CB8AC3E}">
-        <p14:creationId xmlns:p14="http://schemas.microsoft.com/office/powerpoint/2010/main" val="2452398015"/>
+        <p14:creationId xmlns:p14="http://schemas.microsoft.com/office/powerpoint/2010/main" xmlns="" val="2452398015"/>
       </p:ext>
     </p:extLst>
   </p:cSld>
@@ -20859,7 +20899,7 @@
           <p:cNvPr id="2" name="Title 1">
             <a:extLst>
               <a:ext uri="{FF2B5EF4-FFF2-40B4-BE49-F238E27FC236}">
-                <a16:creationId xmlns:a16="http://schemas.microsoft.com/office/drawing/2014/main" id="{538F3245-304B-4804-D23A-91982907AF9E}"/>
+                <a16:creationId xmlns:a16="http://schemas.microsoft.com/office/drawing/2014/main" xmlns="" id="{538F3245-304B-4804-D23A-91982907AF9E}"/>
               </a:ext>
             </a:extLst>
           </p:cNvPr>
@@ -20887,7 +20927,7 @@
           <p:cNvPr id="4" name="TextBox 3">
             <a:extLst>
               <a:ext uri="{FF2B5EF4-FFF2-40B4-BE49-F238E27FC236}">
-                <a16:creationId xmlns:a16="http://schemas.microsoft.com/office/drawing/2014/main" id="{B4A13BCE-7A97-A322-AA68-25B1CD6D14B9}"/>
+                <a16:creationId xmlns:a16="http://schemas.microsoft.com/office/drawing/2014/main" xmlns="" id="{B4A13BCE-7A97-A322-AA68-25B1CD6D14B9}"/>
               </a:ext>
             </a:extLst>
           </p:cNvPr>
@@ -20949,7 +20989,7 @@
           <p:cNvPr id="6" name="TextBox 5">
             <a:extLst>
               <a:ext uri="{FF2B5EF4-FFF2-40B4-BE49-F238E27FC236}">
-                <a16:creationId xmlns:a16="http://schemas.microsoft.com/office/drawing/2014/main" id="{6CC00EEE-0F08-A26C-1351-169BEACF6E86}"/>
+                <a16:creationId xmlns:a16="http://schemas.microsoft.com/office/drawing/2014/main" xmlns="" id="{6CC00EEE-0F08-A26C-1351-169BEACF6E86}"/>
               </a:ext>
             </a:extLst>
           </p:cNvPr>
@@ -21021,7 +21061,7 @@
     </p:spTree>
     <p:extLst>
       <p:ext uri="{BB962C8B-B14F-4D97-AF65-F5344CB8AC3E}">
-        <p14:creationId xmlns:p14="http://schemas.microsoft.com/office/powerpoint/2010/main" val="861448660"/>
+        <p14:creationId xmlns:p14="http://schemas.microsoft.com/office/powerpoint/2010/main" xmlns="" val="861448660"/>
       </p:ext>
     </p:extLst>
   </p:cSld>
@@ -21053,7 +21093,7 @@
           <p:cNvPr id="2" name="Title 1">
             <a:extLst>
               <a:ext uri="{FF2B5EF4-FFF2-40B4-BE49-F238E27FC236}">
-                <a16:creationId xmlns:a16="http://schemas.microsoft.com/office/drawing/2014/main" id="{369625D0-B3B0-5D98-DF09-017BAD29B910}"/>
+                <a16:creationId xmlns:a16="http://schemas.microsoft.com/office/drawing/2014/main" xmlns="" id="{369625D0-B3B0-5D98-DF09-017BAD29B910}"/>
               </a:ext>
             </a:extLst>
           </p:cNvPr>
@@ -21082,7 +21122,7 @@
           <p:cNvPr id="3" name="Text Placeholder 2">
             <a:extLst>
               <a:ext uri="{FF2B5EF4-FFF2-40B4-BE49-F238E27FC236}">
-                <a16:creationId xmlns:a16="http://schemas.microsoft.com/office/drawing/2014/main" id="{06F8BA3C-36D7-571E-05DD-915F8F54102C}"/>
+                <a16:creationId xmlns:a16="http://schemas.microsoft.com/office/drawing/2014/main" xmlns="" id="{06F8BA3C-36D7-571E-05DD-915F8F54102C}"/>
               </a:ext>
             </a:extLst>
           </p:cNvPr>
@@ -21105,7 +21145,7 @@
     </p:spTree>
     <p:extLst>
       <p:ext uri="{BB962C8B-B14F-4D97-AF65-F5344CB8AC3E}">
-        <p14:creationId xmlns:p14="http://schemas.microsoft.com/office/powerpoint/2010/main" val="847628442"/>
+        <p14:creationId xmlns:p14="http://schemas.microsoft.com/office/powerpoint/2010/main" xmlns="" val="847628442"/>
       </p:ext>
     </p:extLst>
   </p:cSld>
@@ -21137,7 +21177,7 @@
           <p:cNvPr id="2" name="Title 1">
             <a:extLst>
               <a:ext uri="{FF2B5EF4-FFF2-40B4-BE49-F238E27FC236}">
-                <a16:creationId xmlns:a16="http://schemas.microsoft.com/office/drawing/2014/main" id="{BFA1F6D5-05D7-9FA6-B6B4-0A6E6C5A3F25}"/>
+                <a16:creationId xmlns:a16="http://schemas.microsoft.com/office/drawing/2014/main" xmlns="" id="{BFA1F6D5-05D7-9FA6-B6B4-0A6E6C5A3F25}"/>
               </a:ext>
             </a:extLst>
           </p:cNvPr>
@@ -21175,7 +21215,7 @@
           <p:cNvPr id="4" name="TextBox 3">
             <a:extLst>
               <a:ext uri="{FF2B5EF4-FFF2-40B4-BE49-F238E27FC236}">
-                <a16:creationId xmlns:a16="http://schemas.microsoft.com/office/drawing/2014/main" id="{B9C2BD89-7F37-A6F9-9ADC-64DA68AEBBF4}"/>
+                <a16:creationId xmlns:a16="http://schemas.microsoft.com/office/drawing/2014/main" xmlns="" id="{B9C2BD89-7F37-A6F9-9ADC-64DA68AEBBF4}"/>
               </a:ext>
             </a:extLst>
           </p:cNvPr>
@@ -21237,7 +21277,7 @@
           <p:cNvPr id="6" name="TextBox 5">
             <a:extLst>
               <a:ext uri="{FF2B5EF4-FFF2-40B4-BE49-F238E27FC236}">
-                <a16:creationId xmlns:a16="http://schemas.microsoft.com/office/drawing/2014/main" id="{8DF31F94-2FE0-AA18-4EFD-CCEF8066CDA9}"/>
+                <a16:creationId xmlns:a16="http://schemas.microsoft.com/office/drawing/2014/main" xmlns="" id="{8DF31F94-2FE0-AA18-4EFD-CCEF8066CDA9}"/>
               </a:ext>
             </a:extLst>
           </p:cNvPr>
@@ -21279,7 +21319,7 @@
           <p:cNvPr id="7" name="Rectangle 1">
             <a:extLst>
               <a:ext uri="{FF2B5EF4-FFF2-40B4-BE49-F238E27FC236}">
-                <a16:creationId xmlns:a16="http://schemas.microsoft.com/office/drawing/2014/main" id="{CEDE471D-832C-5FE9-9DA1-CE418073DFD4}"/>
+                <a16:creationId xmlns:a16="http://schemas.microsoft.com/office/drawing/2014/main" xmlns="" id="{CEDE471D-832C-5FE9-9DA1-CE418073DFD4}"/>
               </a:ext>
             </a:extLst>
           </p:cNvPr>
@@ -21305,7 +21345,7 @@
           <a:effectLst/>
           <a:extLst>
             <a:ext uri="{91240B29-F687-4F45-9708-019B960494DF}">
-              <a14:hiddenLine xmlns:a14="http://schemas.microsoft.com/office/drawing/2010/main" w="9525">
+              <a14:hiddenLine xmlns:a14="http://schemas.microsoft.com/office/drawing/2010/main" xmlns="" w="9525">
                 <a:solidFill>
                   <a:schemeClr val="tx1"/>
                 </a:solidFill>
@@ -21315,7 +21355,7 @@
               </a14:hiddenLine>
             </a:ext>
             <a:ext uri="{AF507438-7753-43E0-B8FC-AC1667EBCBE1}">
-              <a14:hiddenEffects xmlns:a14="http://schemas.microsoft.com/office/drawing/2010/main">
+              <a14:hiddenEffects xmlns:a14="http://schemas.microsoft.com/office/drawing/2010/main" xmlns="">
                 <a:effectLst>
                   <a:outerShdw dist="35921" dir="2700000" algn="ctr" rotWithShape="0">
                     <a:schemeClr val="bg2"/>
@@ -21549,7 +21589,7 @@
           <p:cNvPr id="8" name="Rectangle 2">
             <a:extLst>
               <a:ext uri="{FF2B5EF4-FFF2-40B4-BE49-F238E27FC236}">
-                <a16:creationId xmlns:a16="http://schemas.microsoft.com/office/drawing/2014/main" id="{51882D57-C7BF-E736-A52A-6E929A062B05}"/>
+                <a16:creationId xmlns:a16="http://schemas.microsoft.com/office/drawing/2014/main" xmlns="" id="{51882D57-C7BF-E736-A52A-6E929A062B05}"/>
               </a:ext>
             </a:extLst>
           </p:cNvPr>
@@ -21575,7 +21615,7 @@
           <a:effectLst/>
           <a:extLst>
             <a:ext uri="{91240B29-F687-4F45-9708-019B960494DF}">
-              <a14:hiddenLine xmlns:a14="http://schemas.microsoft.com/office/drawing/2010/main" w="9525">
+              <a14:hiddenLine xmlns:a14="http://schemas.microsoft.com/office/drawing/2010/main" xmlns="" w="9525">
                 <a:solidFill>
                   <a:schemeClr val="tx1"/>
                 </a:solidFill>
@@ -21585,7 +21625,7 @@
               </a14:hiddenLine>
             </a:ext>
             <a:ext uri="{AF507438-7753-43E0-B8FC-AC1667EBCBE1}">
-              <a14:hiddenEffects xmlns:a14="http://schemas.microsoft.com/office/drawing/2010/main">
+              <a14:hiddenEffects xmlns:a14="http://schemas.microsoft.com/office/drawing/2010/main" xmlns="">
                 <a:effectLst>
                   <a:outerShdw dist="35921" dir="2700000" algn="ctr" rotWithShape="0">
                     <a:schemeClr val="bg2"/>
@@ -21700,7 +21740,7 @@
     </p:spTree>
     <p:extLst>
       <p:ext uri="{BB962C8B-B14F-4D97-AF65-F5344CB8AC3E}">
-        <p14:creationId xmlns:p14="http://schemas.microsoft.com/office/powerpoint/2010/main" val="4097087235"/>
+        <p14:creationId xmlns:p14="http://schemas.microsoft.com/office/powerpoint/2010/main" xmlns="" val="4097087235"/>
       </p:ext>
     </p:extLst>
   </p:cSld>
@@ -21732,7 +21772,7 @@
           <p:cNvPr id="3" name="TextBox 2">
             <a:extLst>
               <a:ext uri="{FF2B5EF4-FFF2-40B4-BE49-F238E27FC236}">
-                <a16:creationId xmlns:a16="http://schemas.microsoft.com/office/drawing/2014/main" id="{8839743E-3F31-887B-8495-A3698A3172DF}"/>
+                <a16:creationId xmlns:a16="http://schemas.microsoft.com/office/drawing/2014/main" xmlns="" id="{8839743E-3F31-887B-8495-A3698A3172DF}"/>
               </a:ext>
             </a:extLst>
           </p:cNvPr>
@@ -22119,7 +22159,7 @@
     </p:spTree>
     <p:extLst>
       <p:ext uri="{BB962C8B-B14F-4D97-AF65-F5344CB8AC3E}">
-        <p14:creationId xmlns:p14="http://schemas.microsoft.com/office/powerpoint/2010/main" val="4210421816"/>
+        <p14:creationId xmlns:p14="http://schemas.microsoft.com/office/powerpoint/2010/main" xmlns="" val="4210421816"/>
       </p:ext>
     </p:extLst>
   </p:cSld>
@@ -22151,7 +22191,7 @@
           <p:cNvPr id="2" name="Title 1">
             <a:extLst>
               <a:ext uri="{FF2B5EF4-FFF2-40B4-BE49-F238E27FC236}">
-                <a16:creationId xmlns:a16="http://schemas.microsoft.com/office/drawing/2014/main" id="{0408670F-9753-0290-3B75-2AB1F3E4EF5A}"/>
+                <a16:creationId xmlns:a16="http://schemas.microsoft.com/office/drawing/2014/main" xmlns="" id="{0408670F-9753-0290-3B75-2AB1F3E4EF5A}"/>
               </a:ext>
             </a:extLst>
           </p:cNvPr>
@@ -22195,7 +22235,7 @@
           <p:cNvPr id="4" name="TextBox 3">
             <a:extLst>
               <a:ext uri="{FF2B5EF4-FFF2-40B4-BE49-F238E27FC236}">
-                <a16:creationId xmlns:a16="http://schemas.microsoft.com/office/drawing/2014/main" id="{A34AAE48-A7DC-E0EB-2691-A77B9032D676}"/>
+                <a16:creationId xmlns:a16="http://schemas.microsoft.com/office/drawing/2014/main" xmlns="" id="{A34AAE48-A7DC-E0EB-2691-A77B9032D676}"/>
               </a:ext>
             </a:extLst>
           </p:cNvPr>
@@ -23110,7 +23150,7 @@
           <p:cNvPr id="6" name="TextBox 5">
             <a:extLst>
               <a:ext uri="{FF2B5EF4-FFF2-40B4-BE49-F238E27FC236}">
-                <a16:creationId xmlns:a16="http://schemas.microsoft.com/office/drawing/2014/main" id="{BB58AE1E-FA40-BDD9-3711-B4D569A38AD0}"/>
+                <a16:creationId xmlns:a16="http://schemas.microsoft.com/office/drawing/2014/main" xmlns="" id="{BB58AE1E-FA40-BDD9-3711-B4D569A38AD0}"/>
               </a:ext>
             </a:extLst>
           </p:cNvPr>
@@ -23310,7 +23350,7 @@
     </p:spTree>
     <p:extLst>
       <p:ext uri="{BB962C8B-B14F-4D97-AF65-F5344CB8AC3E}">
-        <p14:creationId xmlns:p14="http://schemas.microsoft.com/office/powerpoint/2010/main" val="1445294903"/>
+        <p14:creationId xmlns:p14="http://schemas.microsoft.com/office/powerpoint/2010/main" xmlns="" val="1445294903"/>
       </p:ext>
     </p:extLst>
   </p:cSld>
@@ -23342,7 +23382,7 @@
           <p:cNvPr id="2" name="Title 1">
             <a:extLst>
               <a:ext uri="{FF2B5EF4-FFF2-40B4-BE49-F238E27FC236}">
-                <a16:creationId xmlns:a16="http://schemas.microsoft.com/office/drawing/2014/main" id="{80D12F5A-D936-FAAC-6583-7AC918A9AB0A}"/>
+                <a16:creationId xmlns:a16="http://schemas.microsoft.com/office/drawing/2014/main" xmlns="" id="{80D12F5A-D936-FAAC-6583-7AC918A9AB0A}"/>
               </a:ext>
             </a:extLst>
           </p:cNvPr>
@@ -23386,7 +23426,7 @@
           <p:cNvPr id="4" name="TextBox 3">
             <a:extLst>
               <a:ext uri="{FF2B5EF4-FFF2-40B4-BE49-F238E27FC236}">
-                <a16:creationId xmlns:a16="http://schemas.microsoft.com/office/drawing/2014/main" id="{0574D4CC-B40F-246C-FA30-F58153663A3A}"/>
+                <a16:creationId xmlns:a16="http://schemas.microsoft.com/office/drawing/2014/main" xmlns="" id="{0574D4CC-B40F-246C-FA30-F58153663A3A}"/>
               </a:ext>
             </a:extLst>
           </p:cNvPr>
@@ -23528,7 +23568,7 @@
     </p:spTree>
     <p:extLst>
       <p:ext uri="{BB962C8B-B14F-4D97-AF65-F5344CB8AC3E}">
-        <p14:creationId xmlns:p14="http://schemas.microsoft.com/office/powerpoint/2010/main" val="3912532945"/>
+        <p14:creationId xmlns:p14="http://schemas.microsoft.com/office/powerpoint/2010/main" xmlns="" val="3912532945"/>
       </p:ext>
     </p:extLst>
   </p:cSld>
@@ -23560,7 +23600,7 @@
           <p:cNvPr id="3" name="TextBox 2">
             <a:extLst>
               <a:ext uri="{FF2B5EF4-FFF2-40B4-BE49-F238E27FC236}">
-                <a16:creationId xmlns:a16="http://schemas.microsoft.com/office/drawing/2014/main" id="{EAE9E0A3-0C13-9FE7-01A6-90F436BFAF69}"/>
+                <a16:creationId xmlns:a16="http://schemas.microsoft.com/office/drawing/2014/main" xmlns="" id="{EAE9E0A3-0C13-9FE7-01A6-90F436BFAF69}"/>
               </a:ext>
             </a:extLst>
           </p:cNvPr>
@@ -23602,7 +23642,7 @@
           <p:cNvPr id="6" name="TextBox 5">
             <a:extLst>
               <a:ext uri="{FF2B5EF4-FFF2-40B4-BE49-F238E27FC236}">
-                <a16:creationId xmlns:a16="http://schemas.microsoft.com/office/drawing/2014/main" id="{FD63F70A-D6D3-7804-3D82-7701EE4C4BEB}"/>
+                <a16:creationId xmlns:a16="http://schemas.microsoft.com/office/drawing/2014/main" xmlns="" id="{FD63F70A-D6D3-7804-3D82-7701EE4C4BEB}"/>
               </a:ext>
             </a:extLst>
           </p:cNvPr>
@@ -23715,7 +23755,7 @@
           <p:cNvPr id="8" name="TextBox 7">
             <a:extLst>
               <a:ext uri="{FF2B5EF4-FFF2-40B4-BE49-F238E27FC236}">
-                <a16:creationId xmlns:a16="http://schemas.microsoft.com/office/drawing/2014/main" id="{787A1CC4-4353-4DA8-06FA-B821AEDA2D15}"/>
+                <a16:creationId xmlns:a16="http://schemas.microsoft.com/office/drawing/2014/main" xmlns="" id="{787A1CC4-4353-4DA8-06FA-B821AEDA2D15}"/>
               </a:ext>
             </a:extLst>
           </p:cNvPr>
@@ -23787,7 +23827,7 @@
     </p:spTree>
     <p:extLst>
       <p:ext uri="{BB962C8B-B14F-4D97-AF65-F5344CB8AC3E}">
-        <p14:creationId xmlns:p14="http://schemas.microsoft.com/office/powerpoint/2010/main" val="1446720484"/>
+        <p14:creationId xmlns:p14="http://schemas.microsoft.com/office/powerpoint/2010/main" xmlns="" val="1446720484"/>
       </p:ext>
     </p:extLst>
   </p:cSld>
@@ -23819,7 +23859,7 @@
           <p:cNvPr id="2" name="Title 1">
             <a:extLst>
               <a:ext uri="{FF2B5EF4-FFF2-40B4-BE49-F238E27FC236}">
-                <a16:creationId xmlns:a16="http://schemas.microsoft.com/office/drawing/2014/main" id="{8C406CC1-C892-E86E-EAFC-334C73513CB3}"/>
+                <a16:creationId xmlns:a16="http://schemas.microsoft.com/office/drawing/2014/main" xmlns="" id="{8C406CC1-C892-E86E-EAFC-334C73513CB3}"/>
               </a:ext>
             </a:extLst>
           </p:cNvPr>
@@ -23863,7 +23903,7 @@
           <p:cNvPr id="4" name="TextBox 3">
             <a:extLst>
               <a:ext uri="{FF2B5EF4-FFF2-40B4-BE49-F238E27FC236}">
-                <a16:creationId xmlns:a16="http://schemas.microsoft.com/office/drawing/2014/main" id="{B88534EC-B5B9-6E06-A84F-30F61827D8E6}"/>
+                <a16:creationId xmlns:a16="http://schemas.microsoft.com/office/drawing/2014/main" xmlns="" id="{B88534EC-B5B9-6E06-A84F-30F61827D8E6}"/>
               </a:ext>
             </a:extLst>
           </p:cNvPr>
@@ -23986,7 +24026,7 @@
     </p:spTree>
     <p:extLst>
       <p:ext uri="{BB962C8B-B14F-4D97-AF65-F5344CB8AC3E}">
-        <p14:creationId xmlns:p14="http://schemas.microsoft.com/office/powerpoint/2010/main" val="2274092584"/>
+        <p14:creationId xmlns:p14="http://schemas.microsoft.com/office/powerpoint/2010/main" xmlns="" val="2274092584"/>
       </p:ext>
     </p:extLst>
   </p:cSld>
@@ -24018,7 +24058,7 @@
           <p:cNvPr id="2" name="Title 1">
             <a:extLst>
               <a:ext uri="{FF2B5EF4-FFF2-40B4-BE49-F238E27FC236}">
-                <a16:creationId xmlns:a16="http://schemas.microsoft.com/office/drawing/2014/main" id="{E632BDD8-1594-DF88-DD8A-C3D3F529F3C7}"/>
+                <a16:creationId xmlns:a16="http://schemas.microsoft.com/office/drawing/2014/main" xmlns="" id="{E632BDD8-1594-DF88-DD8A-C3D3F529F3C7}"/>
               </a:ext>
             </a:extLst>
           </p:cNvPr>
@@ -24047,7 +24087,7 @@
           <p:cNvPr id="3" name="Text Placeholder 2">
             <a:extLst>
               <a:ext uri="{FF2B5EF4-FFF2-40B4-BE49-F238E27FC236}">
-                <a16:creationId xmlns:a16="http://schemas.microsoft.com/office/drawing/2014/main" id="{95B31039-F224-313B-9EA2-BA1AE91EA7FC}"/>
+                <a16:creationId xmlns:a16="http://schemas.microsoft.com/office/drawing/2014/main" xmlns="" id="{95B31039-F224-313B-9EA2-BA1AE91EA7FC}"/>
               </a:ext>
             </a:extLst>
           </p:cNvPr>
@@ -24070,7 +24110,7 @@
     </p:spTree>
     <p:extLst>
       <p:ext uri="{BB962C8B-B14F-4D97-AF65-F5344CB8AC3E}">
-        <p14:creationId xmlns:p14="http://schemas.microsoft.com/office/powerpoint/2010/main" val="817141384"/>
+        <p14:creationId xmlns:p14="http://schemas.microsoft.com/office/powerpoint/2010/main" xmlns="" val="817141384"/>
       </p:ext>
     </p:extLst>
   </p:cSld>
@@ -24102,7 +24142,7 @@
           <p:cNvPr id="3" name="TextBox 2">
             <a:extLst>
               <a:ext uri="{FF2B5EF4-FFF2-40B4-BE49-F238E27FC236}">
-                <a16:creationId xmlns:a16="http://schemas.microsoft.com/office/drawing/2014/main" id="{40D31FE7-BCF7-F366-E4A3-A5D0FE97DDF1}"/>
+                <a16:creationId xmlns:a16="http://schemas.microsoft.com/office/drawing/2014/main" xmlns="" id="{40D31FE7-BCF7-F366-E4A3-A5D0FE97DDF1}"/>
               </a:ext>
             </a:extLst>
           </p:cNvPr>
@@ -24289,7 +24329,7 @@
           <p:cNvPr id="4" name="TextBox 3">
             <a:extLst>
               <a:ext uri="{FF2B5EF4-FFF2-40B4-BE49-F238E27FC236}">
-                <a16:creationId xmlns:a16="http://schemas.microsoft.com/office/drawing/2014/main" id="{79B32161-A177-4B09-D331-0676DF93BBA6}"/>
+                <a16:creationId xmlns:a16="http://schemas.microsoft.com/office/drawing/2014/main" xmlns="" id="{79B32161-A177-4B09-D331-0676DF93BBA6}"/>
               </a:ext>
             </a:extLst>
           </p:cNvPr>
@@ -24349,7 +24389,7 @@
     </p:spTree>
     <p:extLst>
       <p:ext uri="{BB962C8B-B14F-4D97-AF65-F5344CB8AC3E}">
-        <p14:creationId xmlns:p14="http://schemas.microsoft.com/office/powerpoint/2010/main" val="3947294525"/>
+        <p14:creationId xmlns:p14="http://schemas.microsoft.com/office/powerpoint/2010/main" xmlns="" val="3947294525"/>
       </p:ext>
     </p:extLst>
   </p:cSld>
@@ -24381,7 +24421,7 @@
           <p:cNvPr id="2" name="TextBox 1">
             <a:extLst>
               <a:ext uri="{FF2B5EF4-FFF2-40B4-BE49-F238E27FC236}">
-                <a16:creationId xmlns:a16="http://schemas.microsoft.com/office/drawing/2014/main" id="{E509ABB3-0FE1-7CCD-30C1-AEB03082448A}"/>
+                <a16:creationId xmlns:a16="http://schemas.microsoft.com/office/drawing/2014/main" xmlns="" id="{E509ABB3-0FE1-7CCD-30C1-AEB03082448A}"/>
               </a:ext>
             </a:extLst>
           </p:cNvPr>
@@ -24562,7 +24602,7 @@
     </p:spTree>
     <p:extLst>
       <p:ext uri="{BB962C8B-B14F-4D97-AF65-F5344CB8AC3E}">
-        <p14:creationId xmlns:p14="http://schemas.microsoft.com/office/powerpoint/2010/main" val="1541752565"/>
+        <p14:creationId xmlns:p14="http://schemas.microsoft.com/office/powerpoint/2010/main" xmlns="" val="1541752565"/>
       </p:ext>
     </p:extLst>
   </p:cSld>
@@ -24594,7 +24634,7 @@
           <p:cNvPr id="3" name="TextBox 2">
             <a:extLst>
               <a:ext uri="{FF2B5EF4-FFF2-40B4-BE49-F238E27FC236}">
-                <a16:creationId xmlns:a16="http://schemas.microsoft.com/office/drawing/2014/main" id="{2DF9D60A-9B00-3F86-D31D-DC06384ADFBD}"/>
+                <a16:creationId xmlns:a16="http://schemas.microsoft.com/office/drawing/2014/main" xmlns="" id="{2DF9D60A-9B00-3F86-D31D-DC06384ADFBD}"/>
               </a:ext>
             </a:extLst>
           </p:cNvPr>
@@ -24639,6 +24679,12 @@
               </a:rPr>
               <a:t>.</a:t>
             </a:r>
+            <a:r>
+              <a:rPr lang="en-US" dirty="0">
+                <a:effectLst/>
+              </a:rPr>
+              <a:t/>
+            </a:r>
             <a:br>
               <a:rPr lang="en-US" dirty="0">
                 <a:effectLst/>
@@ -24886,6 +24932,16 @@
             </a:endParaRPr>
           </a:p>
           <a:p>
+            <a:r>
+              <a:rPr lang="en-US" dirty="0">
+                <a:solidFill>
+                  <a:srgbClr val="787878"/>
+                </a:solidFill>
+                <a:effectLst/>
+                <a:latin typeface="Source Code Pro" panose="020B0604020202020204" pitchFamily="49" charset="0"/>
+              </a:rPr>
+              <a:t/>
+            </a:r>
             <a:br>
               <a:rPr lang="en-US" dirty="0">
                 <a:solidFill>
@@ -24904,7 +24960,7 @@
           <p:cNvPr id="5" name="TextBox 4">
             <a:extLst>
               <a:ext uri="{FF2B5EF4-FFF2-40B4-BE49-F238E27FC236}">
-                <a16:creationId xmlns:a16="http://schemas.microsoft.com/office/drawing/2014/main" id="{F57F3F91-8562-9304-3B27-9F1C295E19A7}"/>
+                <a16:creationId xmlns:a16="http://schemas.microsoft.com/office/drawing/2014/main" xmlns="" id="{F57F3F91-8562-9304-3B27-9F1C295E19A7}"/>
               </a:ext>
             </a:extLst>
           </p:cNvPr>
@@ -24951,6 +25007,16 @@
               </a:rPr>
               <a:t>Example 2: Let us increase the salary of Senior Manager to 35000.</a:t>
             </a:r>
+            <a:r>
+              <a:rPr lang="en-US" b="0" i="0" dirty="0">
+                <a:solidFill>
+                  <a:srgbClr val="444444"/>
+                </a:solidFill>
+                <a:effectLst/>
+                <a:latin typeface="Georgia" panose="02040502050405020303" pitchFamily="18" charset="0"/>
+              </a:rPr>
+              <a:t/>
+            </a:r>
             <a:br>
               <a:rPr lang="en-US" b="0" i="0" dirty="0">
                 <a:solidFill>
@@ -24985,7 +25051,7 @@
           <p:cNvPr id="7" name="TextBox 6">
             <a:extLst>
               <a:ext uri="{FF2B5EF4-FFF2-40B4-BE49-F238E27FC236}">
-                <a16:creationId xmlns:a16="http://schemas.microsoft.com/office/drawing/2014/main" id="{34B3CD3C-124A-BFA4-E82F-B2EBCE22D4AD}"/>
+                <a16:creationId xmlns:a16="http://schemas.microsoft.com/office/drawing/2014/main" xmlns="" id="{34B3CD3C-124A-BFA4-E82F-B2EBCE22D4AD}"/>
               </a:ext>
             </a:extLst>
           </p:cNvPr>
@@ -25248,6 +25314,17 @@
             </a:endParaRPr>
           </a:p>
           <a:p>
+            <a:r>
+              <a:rPr lang="en-IN" b="0" i="0" u="sng" dirty="0">
+                <a:solidFill>
+                  <a:srgbClr val="65ABF6"/>
+                </a:solidFill>
+                <a:effectLst/>
+                <a:latin typeface="Georgia" panose="02040502050405020303" pitchFamily="18" charset="0"/>
+                <a:hlinkClick r:id="rId2"/>
+              </a:rPr>
+              <a:t/>
+            </a:r>
             <a:br>
               <a:rPr lang="en-IN" b="0" i="0" u="sng" dirty="0">
                 <a:solidFill>
@@ -25265,7 +25342,7 @@
     </p:spTree>
     <p:extLst>
       <p:ext uri="{BB962C8B-B14F-4D97-AF65-F5344CB8AC3E}">
-        <p14:creationId xmlns:p14="http://schemas.microsoft.com/office/powerpoint/2010/main" val="499559286"/>
+        <p14:creationId xmlns:p14="http://schemas.microsoft.com/office/powerpoint/2010/main" xmlns="" val="499559286"/>
       </p:ext>
     </p:extLst>
   </p:cSld>
@@ -25297,7 +25374,7 @@
           <p:cNvPr id="3" name="TextBox 2">
             <a:extLst>
               <a:ext uri="{FF2B5EF4-FFF2-40B4-BE49-F238E27FC236}">
-                <a16:creationId xmlns:a16="http://schemas.microsoft.com/office/drawing/2014/main" id="{6E1956C4-1B90-CD06-4693-1A8258C04AAD}"/>
+                <a16:creationId xmlns:a16="http://schemas.microsoft.com/office/drawing/2014/main" xmlns="" id="{6E1956C4-1B90-CD06-4693-1A8258C04AAD}"/>
               </a:ext>
             </a:extLst>
           </p:cNvPr>
@@ -25344,6 +25421,16 @@
               </a:rPr>
               <a:t>Example 3: Let us delete the employee with the age = 25.</a:t>
             </a:r>
+            <a:r>
+              <a:rPr lang="en-US" b="0" i="0" dirty="0">
+                <a:solidFill>
+                  <a:srgbClr val="444444"/>
+                </a:solidFill>
+                <a:effectLst/>
+                <a:latin typeface="Georgia" panose="02040502050405020303" pitchFamily="18" charset="0"/>
+              </a:rPr>
+              <a:t/>
+            </a:r>
             <a:br>
               <a:rPr lang="en-US" b="0" i="0" dirty="0">
                 <a:solidFill>
@@ -25582,6 +25669,16 @@
             </a:endParaRPr>
           </a:p>
           <a:p>
+            <a:r>
+              <a:rPr lang="en-US" b="0" i="0" dirty="0">
+                <a:solidFill>
+                  <a:srgbClr val="444444"/>
+                </a:solidFill>
+                <a:effectLst/>
+                <a:latin typeface="Georgia" panose="02040502050405020303" pitchFamily="18" charset="0"/>
+              </a:rPr>
+              <a:t/>
+            </a:r>
             <a:br>
               <a:rPr lang="en-US" b="0" i="0" dirty="0">
                 <a:solidFill>
@@ -25600,7 +25697,7 @@
           <p:cNvPr id="5" name="TextBox 4">
             <a:extLst>
               <a:ext uri="{FF2B5EF4-FFF2-40B4-BE49-F238E27FC236}">
-                <a16:creationId xmlns:a16="http://schemas.microsoft.com/office/drawing/2014/main" id="{DECF9E2A-C761-B75D-F386-824C01240B63}"/>
+                <a16:creationId xmlns:a16="http://schemas.microsoft.com/office/drawing/2014/main" xmlns="" id="{DECF9E2A-C761-B75D-F386-824C01240B63}"/>
               </a:ext>
             </a:extLst>
           </p:cNvPr>
@@ -25723,7 +25820,7 @@
     </p:spTree>
     <p:extLst>
       <p:ext uri="{BB962C8B-B14F-4D97-AF65-F5344CB8AC3E}">
-        <p14:creationId xmlns:p14="http://schemas.microsoft.com/office/powerpoint/2010/main" val="3676459845"/>
+        <p14:creationId xmlns:p14="http://schemas.microsoft.com/office/powerpoint/2010/main" xmlns="" val="3676459845"/>
       </p:ext>
     </p:extLst>
   </p:cSld>
@@ -25755,7 +25852,7 @@
           <p:cNvPr id="4" name="TextBox 3">
             <a:extLst>
               <a:ext uri="{FF2B5EF4-FFF2-40B4-BE49-F238E27FC236}">
-                <a16:creationId xmlns:a16="http://schemas.microsoft.com/office/drawing/2014/main" id="{FBFFC514-6C20-D10F-D927-4D2F312E050C}"/>
+                <a16:creationId xmlns:a16="http://schemas.microsoft.com/office/drawing/2014/main" xmlns="" id="{FBFFC514-6C20-D10F-D927-4D2F312E050C}"/>
               </a:ext>
             </a:extLst>
           </p:cNvPr>
@@ -25861,7 +25958,7 @@
           <p:cNvPr id="6" name="TextBox 5">
             <a:extLst>
               <a:ext uri="{FF2B5EF4-FFF2-40B4-BE49-F238E27FC236}">
-                <a16:creationId xmlns:a16="http://schemas.microsoft.com/office/drawing/2014/main" id="{4EEF10C7-6A00-67CC-48A7-DF5284AC9306}"/>
+                <a16:creationId xmlns:a16="http://schemas.microsoft.com/office/drawing/2014/main" xmlns="" id="{4EEF10C7-6A00-67CC-48A7-DF5284AC9306}"/>
               </a:ext>
             </a:extLst>
           </p:cNvPr>
@@ -25914,7 +26011,7 @@
     </p:spTree>
     <p:extLst>
       <p:ext uri="{BB962C8B-B14F-4D97-AF65-F5344CB8AC3E}">
-        <p14:creationId xmlns:p14="http://schemas.microsoft.com/office/powerpoint/2010/main" val="1615322869"/>
+        <p14:creationId xmlns:p14="http://schemas.microsoft.com/office/powerpoint/2010/main" xmlns="" val="1615322869"/>
       </p:ext>
     </p:extLst>
   </p:cSld>
@@ -25946,7 +26043,7 @@
           <p:cNvPr id="2" name="Title 1">
             <a:extLst>
               <a:ext uri="{FF2B5EF4-FFF2-40B4-BE49-F238E27FC236}">
-                <a16:creationId xmlns:a16="http://schemas.microsoft.com/office/drawing/2014/main" id="{F989F3F2-4BE1-ECC7-4A1D-E25B13AB8B8C}"/>
+                <a16:creationId xmlns:a16="http://schemas.microsoft.com/office/drawing/2014/main" xmlns="" id="{F989F3F2-4BE1-ECC7-4A1D-E25B13AB8B8C}"/>
               </a:ext>
             </a:extLst>
           </p:cNvPr>
@@ -25975,7 +26072,7 @@
           <p:cNvPr id="4" name="TextBox 3">
             <a:extLst>
               <a:ext uri="{FF2B5EF4-FFF2-40B4-BE49-F238E27FC236}">
-                <a16:creationId xmlns:a16="http://schemas.microsoft.com/office/drawing/2014/main" id="{0F118629-0EF3-C93C-9FB4-30E4D587B73F}"/>
+                <a16:creationId xmlns:a16="http://schemas.microsoft.com/office/drawing/2014/main" xmlns="" id="{0F118629-0EF3-C93C-9FB4-30E4D587B73F}"/>
               </a:ext>
             </a:extLst>
           </p:cNvPr>
@@ -26010,7 +26107,7 @@
           <p:cNvPr id="9" name="Picture 8">
             <a:extLst>
               <a:ext uri="{FF2B5EF4-FFF2-40B4-BE49-F238E27FC236}">
-                <a16:creationId xmlns:a16="http://schemas.microsoft.com/office/drawing/2014/main" id="{25CEB4B1-E01F-2CB1-81E1-E2049878F14A}"/>
+                <a16:creationId xmlns:a16="http://schemas.microsoft.com/office/drawing/2014/main" xmlns="" id="{25CEB4B1-E01F-2CB1-81E1-E2049878F14A}"/>
               </a:ext>
             </a:extLst>
           </p:cNvPr>
@@ -26037,7 +26134,7 @@
     </p:spTree>
     <p:extLst>
       <p:ext uri="{BB962C8B-B14F-4D97-AF65-F5344CB8AC3E}">
-        <p14:creationId xmlns:p14="http://schemas.microsoft.com/office/powerpoint/2010/main" val="633874411"/>
+        <p14:creationId xmlns:p14="http://schemas.microsoft.com/office/powerpoint/2010/main" xmlns="" val="633874411"/>
       </p:ext>
     </p:extLst>
   </p:cSld>
@@ -26069,7 +26166,7 @@
           <p:cNvPr id="3" name="TextBox 2">
             <a:extLst>
               <a:ext uri="{FF2B5EF4-FFF2-40B4-BE49-F238E27FC236}">
-                <a16:creationId xmlns:a16="http://schemas.microsoft.com/office/drawing/2014/main" id="{9D6A4562-EA0D-78B3-716F-37170BFAF5BC}"/>
+                <a16:creationId xmlns:a16="http://schemas.microsoft.com/office/drawing/2014/main" xmlns="" id="{9D6A4562-EA0D-78B3-716F-37170BFAF5BC}"/>
               </a:ext>
             </a:extLst>
           </p:cNvPr>
@@ -26111,7 +26208,7 @@
           <p:cNvPr id="5" name="TextBox 4">
             <a:extLst>
               <a:ext uri="{FF2B5EF4-FFF2-40B4-BE49-F238E27FC236}">
-                <a16:creationId xmlns:a16="http://schemas.microsoft.com/office/drawing/2014/main" id="{2A906B74-30AB-F5A3-A6A8-60084B0C194F}"/>
+                <a16:creationId xmlns:a16="http://schemas.microsoft.com/office/drawing/2014/main" xmlns="" id="{2A906B74-30AB-F5A3-A6A8-60084B0C194F}"/>
               </a:ext>
             </a:extLst>
           </p:cNvPr>
@@ -26329,7 +26426,7 @@
           <p:cNvPr id="7" name="TextBox 6">
             <a:extLst>
               <a:ext uri="{FF2B5EF4-FFF2-40B4-BE49-F238E27FC236}">
-                <a16:creationId xmlns:a16="http://schemas.microsoft.com/office/drawing/2014/main" id="{399B86B7-57BF-1403-ACEE-5B58D3A45BA7}"/>
+                <a16:creationId xmlns:a16="http://schemas.microsoft.com/office/drawing/2014/main" xmlns="" id="{399B86B7-57BF-1403-ACEE-5B58D3A45BA7}"/>
               </a:ext>
             </a:extLst>
           </p:cNvPr>
@@ -26534,7 +26631,7 @@
           <p:cNvPr id="9" name="TextBox 8">
             <a:extLst>
               <a:ext uri="{FF2B5EF4-FFF2-40B4-BE49-F238E27FC236}">
-                <a16:creationId xmlns:a16="http://schemas.microsoft.com/office/drawing/2014/main" id="{FB79A16A-71F4-BE90-81FF-F28594851A40}"/>
+                <a16:creationId xmlns:a16="http://schemas.microsoft.com/office/drawing/2014/main" xmlns="" id="{FB79A16A-71F4-BE90-81FF-F28594851A40}"/>
               </a:ext>
             </a:extLst>
           </p:cNvPr>
@@ -26574,7 +26671,7 @@
     </p:spTree>
     <p:extLst>
       <p:ext uri="{BB962C8B-B14F-4D97-AF65-F5344CB8AC3E}">
-        <p14:creationId xmlns:p14="http://schemas.microsoft.com/office/powerpoint/2010/main" val="2450905497"/>
+        <p14:creationId xmlns:p14="http://schemas.microsoft.com/office/powerpoint/2010/main" xmlns="" val="2450905497"/>
       </p:ext>
     </p:extLst>
   </p:cSld>
@@ -26606,7 +26703,7 @@
           <p:cNvPr id="2" name="Title 1">
             <a:extLst>
               <a:ext uri="{FF2B5EF4-FFF2-40B4-BE49-F238E27FC236}">
-                <a16:creationId xmlns:a16="http://schemas.microsoft.com/office/drawing/2014/main" id="{6EEDAFF2-B802-415D-5A31-5A4FC8ED0523}"/>
+                <a16:creationId xmlns:a16="http://schemas.microsoft.com/office/drawing/2014/main" xmlns="" id="{6EEDAFF2-B802-415D-5A31-5A4FC8ED0523}"/>
               </a:ext>
             </a:extLst>
           </p:cNvPr>
@@ -26650,7 +26747,7 @@
           <p:cNvPr id="4" name="TextBox 3">
             <a:extLst>
               <a:ext uri="{FF2B5EF4-FFF2-40B4-BE49-F238E27FC236}">
-                <a16:creationId xmlns:a16="http://schemas.microsoft.com/office/drawing/2014/main" id="{968C36BE-2036-FCA4-D2BA-EFB4C2420EF3}"/>
+                <a16:creationId xmlns:a16="http://schemas.microsoft.com/office/drawing/2014/main" xmlns="" id="{968C36BE-2036-FCA4-D2BA-EFB4C2420EF3}"/>
               </a:ext>
             </a:extLst>
           </p:cNvPr>
@@ -26756,7 +26853,7 @@
           <p:cNvPr id="1026" name="Picture 2" descr="normalizationinsql_2.">
             <a:extLst>
               <a:ext uri="{FF2B5EF4-FFF2-40B4-BE49-F238E27FC236}">
-                <a16:creationId xmlns:a16="http://schemas.microsoft.com/office/drawing/2014/main" id="{4B1E9342-ED88-3E9B-0631-55728B53C344}"/>
+                <a16:creationId xmlns:a16="http://schemas.microsoft.com/office/drawing/2014/main" xmlns="" id="{4B1E9342-ED88-3E9B-0631-55728B53C344}"/>
               </a:ext>
             </a:extLst>
           </p:cNvPr>
@@ -26769,7 +26866,7 @@
           <a:blip r:embed="rId2">
             <a:extLst>
               <a:ext uri="{28A0092B-C50C-407E-A947-70E740481C1C}">
-                <a14:useLocalDpi xmlns:a14="http://schemas.microsoft.com/office/drawing/2010/main" val="0"/>
+                <a14:useLocalDpi xmlns:a14="http://schemas.microsoft.com/office/drawing/2010/main" xmlns="" val="0"/>
               </a:ext>
             </a:extLst>
           </a:blip>
@@ -26789,7 +26886,7 @@
           <a:noFill/>
           <a:extLst>
             <a:ext uri="{909E8E84-426E-40DD-AFC4-6F175D3DCCD1}">
-              <a14:hiddenFill xmlns:a14="http://schemas.microsoft.com/office/drawing/2010/main">
+              <a14:hiddenFill xmlns:a14="http://schemas.microsoft.com/office/drawing/2010/main" xmlns="">
                 <a:solidFill>
                   <a:srgbClr val="FFFFFF"/>
                 </a:solidFill>
@@ -26803,7 +26900,7 @@
           <p:cNvPr id="1028" name="Picture 4" descr="normalizationinsql_3.">
             <a:extLst>
               <a:ext uri="{FF2B5EF4-FFF2-40B4-BE49-F238E27FC236}">
-                <a16:creationId xmlns:a16="http://schemas.microsoft.com/office/drawing/2014/main" id="{4EDFB56F-1216-B88B-4A1F-C77DA70D8091}"/>
+                <a16:creationId xmlns:a16="http://schemas.microsoft.com/office/drawing/2014/main" xmlns="" id="{4EDFB56F-1216-B88B-4A1F-C77DA70D8091}"/>
               </a:ext>
             </a:extLst>
           </p:cNvPr>
@@ -26816,7 +26913,7 @@
           <a:blip r:embed="rId3">
             <a:extLst>
               <a:ext uri="{28A0092B-C50C-407E-A947-70E740481C1C}">
-                <a14:useLocalDpi xmlns:a14="http://schemas.microsoft.com/office/drawing/2010/main" val="0"/>
+                <a14:useLocalDpi xmlns:a14="http://schemas.microsoft.com/office/drawing/2010/main" xmlns="" val="0"/>
               </a:ext>
             </a:extLst>
           </a:blip>
@@ -26827,8 +26924,8 @@
         </p:blipFill>
         <p:spPr bwMode="auto">
           <a:xfrm>
-            <a:off x="955127" y="2921547"/>
-            <a:ext cx="5014748" cy="3437211"/>
+            <a:off x="955127" y="3484880"/>
+            <a:ext cx="5014748" cy="2640198"/>
           </a:xfrm>
           <a:prstGeom prst="rect">
             <a:avLst/>
@@ -26836,7 +26933,7 @@
           <a:noFill/>
           <a:extLst>
             <a:ext uri="{909E8E84-426E-40DD-AFC4-6F175D3DCCD1}">
-              <a14:hiddenFill xmlns:a14="http://schemas.microsoft.com/office/drawing/2010/main">
+              <a14:hiddenFill xmlns:a14="http://schemas.microsoft.com/office/drawing/2010/main" xmlns="">
                 <a:solidFill>
                   <a:srgbClr val="FFFFFF"/>
                 </a:solidFill>
@@ -26848,7 +26945,7 @@
     </p:spTree>
     <p:extLst>
       <p:ext uri="{BB962C8B-B14F-4D97-AF65-F5344CB8AC3E}">
-        <p14:creationId xmlns:p14="http://schemas.microsoft.com/office/powerpoint/2010/main" val="727862447"/>
+        <p14:creationId xmlns:p14="http://schemas.microsoft.com/office/powerpoint/2010/main" xmlns="" val="727862447"/>
       </p:ext>
     </p:extLst>
   </p:cSld>
@@ -26880,7 +26977,7 @@
           <p:cNvPr id="2" name="Title 1">
             <a:extLst>
               <a:ext uri="{FF2B5EF4-FFF2-40B4-BE49-F238E27FC236}">
-                <a16:creationId xmlns:a16="http://schemas.microsoft.com/office/drawing/2014/main" id="{FCE3E0BC-4026-A0CF-8A4C-56B3CFF805EC}"/>
+                <a16:creationId xmlns:a16="http://schemas.microsoft.com/office/drawing/2014/main" xmlns="" id="{FCE3E0BC-4026-A0CF-8A4C-56B3CFF805EC}"/>
               </a:ext>
             </a:extLst>
           </p:cNvPr>
@@ -26911,7 +27008,7 @@
           <p:cNvPr id="4" name="Picture 3">
             <a:extLst>
               <a:ext uri="{FF2B5EF4-FFF2-40B4-BE49-F238E27FC236}">
-                <a16:creationId xmlns:a16="http://schemas.microsoft.com/office/drawing/2014/main" id="{7EEE09D6-CF8F-051F-6E19-92E5E8142549}"/>
+                <a16:creationId xmlns:a16="http://schemas.microsoft.com/office/drawing/2014/main" xmlns="" id="{7EEE09D6-CF8F-051F-6E19-92E5E8142549}"/>
               </a:ext>
             </a:extLst>
           </p:cNvPr>
@@ -26938,7 +27035,7 @@
     </p:spTree>
     <p:extLst>
       <p:ext uri="{BB962C8B-B14F-4D97-AF65-F5344CB8AC3E}">
-        <p14:creationId xmlns:p14="http://schemas.microsoft.com/office/powerpoint/2010/main" val="3671368882"/>
+        <p14:creationId xmlns:p14="http://schemas.microsoft.com/office/powerpoint/2010/main" xmlns="" val="3671368882"/>
       </p:ext>
     </p:extLst>
   </p:cSld>
@@ -26970,7 +27067,7 @@
           <p:cNvPr id="2" name="Title 1">
             <a:extLst>
               <a:ext uri="{FF2B5EF4-FFF2-40B4-BE49-F238E27FC236}">
-                <a16:creationId xmlns:a16="http://schemas.microsoft.com/office/drawing/2014/main" id="{7CAA8B2D-7B0E-0943-0B19-7F007F487E68}"/>
+                <a16:creationId xmlns:a16="http://schemas.microsoft.com/office/drawing/2014/main" xmlns="" id="{7CAA8B2D-7B0E-0943-0B19-7F007F487E68}"/>
               </a:ext>
             </a:extLst>
           </p:cNvPr>
@@ -27001,7 +27098,7 @@
           <p:cNvPr id="4" name="TextBox 3">
             <a:extLst>
               <a:ext uri="{FF2B5EF4-FFF2-40B4-BE49-F238E27FC236}">
-                <a16:creationId xmlns:a16="http://schemas.microsoft.com/office/drawing/2014/main" id="{ADA4A7F9-48B6-54D1-358B-B0D689814DF5}"/>
+                <a16:creationId xmlns:a16="http://schemas.microsoft.com/office/drawing/2014/main" xmlns="" id="{ADA4A7F9-48B6-54D1-358B-B0D689814DF5}"/>
               </a:ext>
             </a:extLst>
           </p:cNvPr>
@@ -27037,7 +27134,7 @@
           <p:cNvPr id="8" name="Picture 7">
             <a:extLst>
               <a:ext uri="{FF2B5EF4-FFF2-40B4-BE49-F238E27FC236}">
-                <a16:creationId xmlns:a16="http://schemas.microsoft.com/office/drawing/2014/main" id="{C25B3FB0-0711-D32A-84A6-9F03AFC7B5A1}"/>
+                <a16:creationId xmlns:a16="http://schemas.microsoft.com/office/drawing/2014/main" xmlns="" id="{C25B3FB0-0711-D32A-84A6-9F03AFC7B5A1}"/>
               </a:ext>
             </a:extLst>
           </p:cNvPr>
@@ -27064,7 +27161,7 @@
     </p:spTree>
     <p:extLst>
       <p:ext uri="{BB962C8B-B14F-4D97-AF65-F5344CB8AC3E}">
-        <p14:creationId xmlns:p14="http://schemas.microsoft.com/office/powerpoint/2010/main" val="1307013692"/>
+        <p14:creationId xmlns:p14="http://schemas.microsoft.com/office/powerpoint/2010/main" xmlns="" val="1307013692"/>
       </p:ext>
     </p:extLst>
   </p:cSld>
@@ -27096,7 +27193,7 @@
           <p:cNvPr id="4" name="Title 1">
             <a:extLst>
               <a:ext uri="{FF2B5EF4-FFF2-40B4-BE49-F238E27FC236}">
-                <a16:creationId xmlns:a16="http://schemas.microsoft.com/office/drawing/2014/main" id="{1AEDF3A5-F2C6-26F6-0D41-73F5F1104397}"/>
+                <a16:creationId xmlns:a16="http://schemas.microsoft.com/office/drawing/2014/main" xmlns="" id="{1AEDF3A5-F2C6-26F6-0D41-73F5F1104397}"/>
               </a:ext>
             </a:extLst>
           </p:cNvPr>
@@ -27129,7 +27226,7 @@
           <p:cNvPr id="2" name="Table 1">
             <a:extLst>
               <a:ext uri="{FF2B5EF4-FFF2-40B4-BE49-F238E27FC236}">
-                <a16:creationId xmlns:a16="http://schemas.microsoft.com/office/drawing/2014/main" id="{3BA848AC-FEEE-48E6-DC7A-E40241809AE6}"/>
+                <a16:creationId xmlns:a16="http://schemas.microsoft.com/office/drawing/2014/main" xmlns="" id="{3BA848AC-FEEE-48E6-DC7A-E40241809AE6}"/>
               </a:ext>
             </a:extLst>
           </p:cNvPr>
@@ -27139,7 +27236,7 @@
           <p:nvPr>
             <p:extLst>
               <p:ext uri="{D42A27DB-BD31-4B8C-83A1-F6EECF244321}">
-                <p14:modId xmlns:p14="http://schemas.microsoft.com/office/powerpoint/2010/main" val="2183369360"/>
+                <p14:modId xmlns:p14="http://schemas.microsoft.com/office/powerpoint/2010/main" xmlns="" val="2183369360"/>
               </p:ext>
             </p:extLst>
           </p:nvPr>
@@ -27163,14 +27260,14 @@
                 <a:gridCol w="5458822">
                   <a:extLst>
                     <a:ext uri="{9D8B030D-6E8A-4147-A177-3AD203B41FA5}">
-                      <a16:colId xmlns:a16="http://schemas.microsoft.com/office/drawing/2014/main" val="2435627157"/>
+                      <a16:colId xmlns:a16="http://schemas.microsoft.com/office/drawing/2014/main" xmlns="" val="2435627157"/>
                     </a:ext>
                   </a:extLst>
                 </a:gridCol>
                 <a:gridCol w="5400201">
                   <a:extLst>
                     <a:ext uri="{9D8B030D-6E8A-4147-A177-3AD203B41FA5}">
-                      <a16:colId xmlns:a16="http://schemas.microsoft.com/office/drawing/2014/main" val="3452576477"/>
+                      <a16:colId xmlns:a16="http://schemas.microsoft.com/office/drawing/2014/main" xmlns="" val="3452576477"/>
                     </a:ext>
                   </a:extLst>
                 </a:gridCol>
@@ -27294,7 +27391,7 @@
                 </a:tc>
                 <a:extLst>
                   <a:ext uri="{0D108BD9-81ED-4DB2-BD59-A6C34878D82A}">
-                    <a16:rowId xmlns:a16="http://schemas.microsoft.com/office/drawing/2014/main" val="1957480297"/>
+                    <a16:rowId xmlns:a16="http://schemas.microsoft.com/office/drawing/2014/main" xmlns="" val="1957480297"/>
                   </a:ext>
                 </a:extLst>
               </a:tr>
@@ -27415,7 +27512,7 @@
                 </a:tc>
                 <a:extLst>
                   <a:ext uri="{0D108BD9-81ED-4DB2-BD59-A6C34878D82A}">
-                    <a16:rowId xmlns:a16="http://schemas.microsoft.com/office/drawing/2014/main" val="4294618136"/>
+                    <a16:rowId xmlns:a16="http://schemas.microsoft.com/office/drawing/2014/main" xmlns="" val="4294618136"/>
                   </a:ext>
                 </a:extLst>
               </a:tr>
@@ -27536,7 +27633,7 @@
                 </a:tc>
                 <a:extLst>
                   <a:ext uri="{0D108BD9-81ED-4DB2-BD59-A6C34878D82A}">
-                    <a16:rowId xmlns:a16="http://schemas.microsoft.com/office/drawing/2014/main" val="2508652272"/>
+                    <a16:rowId xmlns:a16="http://schemas.microsoft.com/office/drawing/2014/main" xmlns="" val="2508652272"/>
                   </a:ext>
                 </a:extLst>
               </a:tr>
@@ -27657,7 +27754,7 @@
                 </a:tc>
                 <a:extLst>
                   <a:ext uri="{0D108BD9-81ED-4DB2-BD59-A6C34878D82A}">
-                    <a16:rowId xmlns:a16="http://schemas.microsoft.com/office/drawing/2014/main" val="2929545862"/>
+                    <a16:rowId xmlns:a16="http://schemas.microsoft.com/office/drawing/2014/main" xmlns="" val="2929545862"/>
                   </a:ext>
                 </a:extLst>
               </a:tr>
@@ -27778,7 +27875,7 @@
                 </a:tc>
                 <a:extLst>
                   <a:ext uri="{0D108BD9-81ED-4DB2-BD59-A6C34878D82A}">
-                    <a16:rowId xmlns:a16="http://schemas.microsoft.com/office/drawing/2014/main" val="2777364171"/>
+                    <a16:rowId xmlns:a16="http://schemas.microsoft.com/office/drawing/2014/main" xmlns="" val="2777364171"/>
                   </a:ext>
                 </a:extLst>
               </a:tr>
@@ -27899,7 +27996,7 @@
                 </a:tc>
                 <a:extLst>
                   <a:ext uri="{0D108BD9-81ED-4DB2-BD59-A6C34878D82A}">
-                    <a16:rowId xmlns:a16="http://schemas.microsoft.com/office/drawing/2014/main" val="1155949689"/>
+                    <a16:rowId xmlns:a16="http://schemas.microsoft.com/office/drawing/2014/main" xmlns="" val="1155949689"/>
                   </a:ext>
                 </a:extLst>
               </a:tr>
@@ -28020,7 +28117,7 @@
                 </a:tc>
                 <a:extLst>
                   <a:ext uri="{0D108BD9-81ED-4DB2-BD59-A6C34878D82A}">
-                    <a16:rowId xmlns:a16="http://schemas.microsoft.com/office/drawing/2014/main" val="997448583"/>
+                    <a16:rowId xmlns:a16="http://schemas.microsoft.com/office/drawing/2014/main" xmlns="" val="997448583"/>
                   </a:ext>
                 </a:extLst>
               </a:tr>
@@ -28141,7 +28238,7 @@
                 </a:tc>
                 <a:extLst>
                   <a:ext uri="{0D108BD9-81ED-4DB2-BD59-A6C34878D82A}">
-                    <a16:rowId xmlns:a16="http://schemas.microsoft.com/office/drawing/2014/main" val="2340785807"/>
+                    <a16:rowId xmlns:a16="http://schemas.microsoft.com/office/drawing/2014/main" xmlns="" val="2340785807"/>
                   </a:ext>
                 </a:extLst>
               </a:tr>
@@ -28262,7 +28359,7 @@
                 </a:tc>
                 <a:extLst>
                   <a:ext uri="{0D108BD9-81ED-4DB2-BD59-A6C34878D82A}">
-                    <a16:rowId xmlns:a16="http://schemas.microsoft.com/office/drawing/2014/main" val="4221033346"/>
+                    <a16:rowId xmlns:a16="http://schemas.microsoft.com/office/drawing/2014/main" xmlns="" val="4221033346"/>
                   </a:ext>
                 </a:extLst>
               </a:tr>
@@ -28383,7 +28480,7 @@
                 </a:tc>
                 <a:extLst>
                   <a:ext uri="{0D108BD9-81ED-4DB2-BD59-A6C34878D82A}">
-                    <a16:rowId xmlns:a16="http://schemas.microsoft.com/office/drawing/2014/main" val="3565533665"/>
+                    <a16:rowId xmlns:a16="http://schemas.microsoft.com/office/drawing/2014/main" xmlns="" val="3565533665"/>
                   </a:ext>
                 </a:extLst>
               </a:tr>
@@ -28504,7 +28601,7 @@
                 </a:tc>
                 <a:extLst>
                   <a:ext uri="{0D108BD9-81ED-4DB2-BD59-A6C34878D82A}">
-                    <a16:rowId xmlns:a16="http://schemas.microsoft.com/office/drawing/2014/main" val="1043887267"/>
+                    <a16:rowId xmlns:a16="http://schemas.microsoft.com/office/drawing/2014/main" xmlns="" val="1043887267"/>
                   </a:ext>
                 </a:extLst>
               </a:tr>
@@ -28625,7 +28722,7 @@
                 </a:tc>
                 <a:extLst>
                   <a:ext uri="{0D108BD9-81ED-4DB2-BD59-A6C34878D82A}">
-                    <a16:rowId xmlns:a16="http://schemas.microsoft.com/office/drawing/2014/main" val="3598295579"/>
+                    <a16:rowId xmlns:a16="http://schemas.microsoft.com/office/drawing/2014/main" xmlns="" val="3598295579"/>
                   </a:ext>
                 </a:extLst>
               </a:tr>
@@ -28746,7 +28843,7 @@
                 </a:tc>
                 <a:extLst>
                   <a:ext uri="{0D108BD9-81ED-4DB2-BD59-A6C34878D82A}">
-                    <a16:rowId xmlns:a16="http://schemas.microsoft.com/office/drawing/2014/main" val="3336870556"/>
+                    <a16:rowId xmlns:a16="http://schemas.microsoft.com/office/drawing/2014/main" xmlns="" val="3336870556"/>
                   </a:ext>
                 </a:extLst>
               </a:tr>
@@ -28857,7 +28954,7 @@
                 </a:tc>
                 <a:extLst>
                   <a:ext uri="{0D108BD9-81ED-4DB2-BD59-A6C34878D82A}">
-                    <a16:rowId xmlns:a16="http://schemas.microsoft.com/office/drawing/2014/main" val="2227645890"/>
+                    <a16:rowId xmlns:a16="http://schemas.microsoft.com/office/drawing/2014/main" xmlns="" val="2227645890"/>
                   </a:ext>
                 </a:extLst>
               </a:tr>
@@ -28868,7 +28965,7 @@
     </p:spTree>
     <p:extLst>
       <p:ext uri="{BB962C8B-B14F-4D97-AF65-F5344CB8AC3E}">
-        <p14:creationId xmlns:p14="http://schemas.microsoft.com/office/powerpoint/2010/main" val="2605824268"/>
+        <p14:creationId xmlns:p14="http://schemas.microsoft.com/office/powerpoint/2010/main" xmlns="" val="2605824268"/>
       </p:ext>
     </p:extLst>
   </p:cSld>
@@ -28900,7 +28997,7 @@
           <p:cNvPr id="2" name="Title 1">
             <a:extLst>
               <a:ext uri="{FF2B5EF4-FFF2-40B4-BE49-F238E27FC236}">
-                <a16:creationId xmlns:a16="http://schemas.microsoft.com/office/drawing/2014/main" id="{8F9B3226-1725-08B6-9DCD-1186B5EC679E}"/>
+                <a16:creationId xmlns:a16="http://schemas.microsoft.com/office/drawing/2014/main" xmlns="" id="{8F9B3226-1725-08B6-9DCD-1186B5EC679E}"/>
               </a:ext>
             </a:extLst>
           </p:cNvPr>
@@ -28935,7 +29032,7 @@
           <p:cNvPr id="4" name="TextBox 3">
             <a:extLst>
               <a:ext uri="{FF2B5EF4-FFF2-40B4-BE49-F238E27FC236}">
-                <a16:creationId xmlns:a16="http://schemas.microsoft.com/office/drawing/2014/main" id="{D82CAEF9-542A-1A25-4782-FA4C3F96E7D7}"/>
+                <a16:creationId xmlns:a16="http://schemas.microsoft.com/office/drawing/2014/main" xmlns="" id="{D82CAEF9-542A-1A25-4782-FA4C3F96E7D7}"/>
               </a:ext>
             </a:extLst>
           </p:cNvPr>
@@ -29132,7 +29229,7 @@
     </p:spTree>
     <p:extLst>
       <p:ext uri="{BB962C8B-B14F-4D97-AF65-F5344CB8AC3E}">
-        <p14:creationId xmlns:p14="http://schemas.microsoft.com/office/powerpoint/2010/main" val="804543083"/>
+        <p14:creationId xmlns:p14="http://schemas.microsoft.com/office/powerpoint/2010/main" xmlns="" val="804543083"/>
       </p:ext>
     </p:extLst>
   </p:cSld>
@@ -29164,7 +29261,7 @@
           <p:cNvPr id="2" name="Title 1">
             <a:extLst>
               <a:ext uri="{FF2B5EF4-FFF2-40B4-BE49-F238E27FC236}">
-                <a16:creationId xmlns:a16="http://schemas.microsoft.com/office/drawing/2014/main" id="{4640FC32-A638-FCE0-3653-19B4F67A476A}"/>
+                <a16:creationId xmlns:a16="http://schemas.microsoft.com/office/drawing/2014/main" xmlns="" id="{4640FC32-A638-FCE0-3653-19B4F67A476A}"/>
               </a:ext>
             </a:extLst>
           </p:cNvPr>
@@ -29208,7 +29305,7 @@
           <p:cNvPr id="4" name="TextBox 3">
             <a:extLst>
               <a:ext uri="{FF2B5EF4-FFF2-40B4-BE49-F238E27FC236}">
-                <a16:creationId xmlns:a16="http://schemas.microsoft.com/office/drawing/2014/main" id="{90CE1219-262A-A4B1-E71B-3AB1A678A226}"/>
+                <a16:creationId xmlns:a16="http://schemas.microsoft.com/office/drawing/2014/main" xmlns="" id="{90CE1219-262A-A4B1-E71B-3AB1A678A226}"/>
               </a:ext>
             </a:extLst>
           </p:cNvPr>
@@ -29343,7 +29440,7 @@
     </p:spTree>
     <p:extLst>
       <p:ext uri="{BB962C8B-B14F-4D97-AF65-F5344CB8AC3E}">
-        <p14:creationId xmlns:p14="http://schemas.microsoft.com/office/powerpoint/2010/main" val="200427521"/>
+        <p14:creationId xmlns:p14="http://schemas.microsoft.com/office/powerpoint/2010/main" xmlns="" val="200427521"/>
       </p:ext>
     </p:extLst>
   </p:cSld>
@@ -29375,7 +29472,7 @@
           <p:cNvPr id="2" name="Title 1">
             <a:extLst>
               <a:ext uri="{FF2B5EF4-FFF2-40B4-BE49-F238E27FC236}">
-                <a16:creationId xmlns:a16="http://schemas.microsoft.com/office/drawing/2014/main" id="{4BD45312-B912-0707-D123-79E4A6FCD47E}"/>
+                <a16:creationId xmlns:a16="http://schemas.microsoft.com/office/drawing/2014/main" xmlns="" id="{4BD45312-B912-0707-D123-79E4A6FCD47E}"/>
               </a:ext>
             </a:extLst>
           </p:cNvPr>
@@ -29400,7 +29497,7 @@
           <p:cNvPr id="3" name="Table 2">
             <a:extLst>
               <a:ext uri="{FF2B5EF4-FFF2-40B4-BE49-F238E27FC236}">
-                <a16:creationId xmlns:a16="http://schemas.microsoft.com/office/drawing/2014/main" id="{2B3B4CF8-7305-A752-A2A7-8D189B77E9BE}"/>
+                <a16:creationId xmlns:a16="http://schemas.microsoft.com/office/drawing/2014/main" xmlns="" id="{2B3B4CF8-7305-A752-A2A7-8D189B77E9BE}"/>
               </a:ext>
             </a:extLst>
           </p:cNvPr>
@@ -29410,7 +29507,7 @@
           <p:nvPr>
             <p:extLst>
               <p:ext uri="{D42A27DB-BD31-4B8C-83A1-F6EECF244321}">
-                <p14:modId xmlns:p14="http://schemas.microsoft.com/office/powerpoint/2010/main" val="476151108"/>
+                <p14:modId xmlns:p14="http://schemas.microsoft.com/office/powerpoint/2010/main" xmlns="" val="476151108"/>
               </p:ext>
             </p:extLst>
           </p:nvPr>
@@ -29427,14 +29524,14 @@
                 <a:gridCol w="4117638">
                   <a:extLst>
                     <a:ext uri="{9D8B030D-6E8A-4147-A177-3AD203B41FA5}">
-                      <a16:colId xmlns:a16="http://schemas.microsoft.com/office/drawing/2014/main" val="3330589553"/>
+                      <a16:colId xmlns:a16="http://schemas.microsoft.com/office/drawing/2014/main" xmlns="" val="3330589553"/>
                     </a:ext>
                   </a:extLst>
                 </a:gridCol>
                 <a:gridCol w="4117638">
                   <a:extLst>
                     <a:ext uri="{9D8B030D-6E8A-4147-A177-3AD203B41FA5}">
-                      <a16:colId xmlns:a16="http://schemas.microsoft.com/office/drawing/2014/main" val="1256957366"/>
+                      <a16:colId xmlns:a16="http://schemas.microsoft.com/office/drawing/2014/main" xmlns="" val="1256957366"/>
                     </a:ext>
                   </a:extLst>
                 </a:gridCol>
@@ -29530,7 +29627,7 @@
                 </a:tc>
                 <a:extLst>
                   <a:ext uri="{0D108BD9-81ED-4DB2-BD59-A6C34878D82A}">
-                    <a16:rowId xmlns:a16="http://schemas.microsoft.com/office/drawing/2014/main" val="1668573437"/>
+                    <a16:rowId xmlns:a16="http://schemas.microsoft.com/office/drawing/2014/main" xmlns="" val="1668573437"/>
                   </a:ext>
                 </a:extLst>
               </a:tr>
@@ -29625,7 +29722,7 @@
                 </a:tc>
                 <a:extLst>
                   <a:ext uri="{0D108BD9-81ED-4DB2-BD59-A6C34878D82A}">
-                    <a16:rowId xmlns:a16="http://schemas.microsoft.com/office/drawing/2014/main" val="2536264593"/>
+                    <a16:rowId xmlns:a16="http://schemas.microsoft.com/office/drawing/2014/main" xmlns="" val="2536264593"/>
                   </a:ext>
                 </a:extLst>
               </a:tr>
@@ -29708,7 +29805,7 @@
                 </a:tc>
                 <a:extLst>
                   <a:ext uri="{0D108BD9-81ED-4DB2-BD59-A6C34878D82A}">
-                    <a16:rowId xmlns:a16="http://schemas.microsoft.com/office/drawing/2014/main" val="4239605678"/>
+                    <a16:rowId xmlns:a16="http://schemas.microsoft.com/office/drawing/2014/main" xmlns="" val="4239605678"/>
                   </a:ext>
                 </a:extLst>
               </a:tr>
@@ -29721,7 +29818,7 @@
           <p:cNvPr id="4" name="Rectangle 1">
             <a:extLst>
               <a:ext uri="{FF2B5EF4-FFF2-40B4-BE49-F238E27FC236}">
-                <a16:creationId xmlns:a16="http://schemas.microsoft.com/office/drawing/2014/main" id="{28B01EBB-F6F7-9510-D7FF-D48CCFC51D38}"/>
+                <a16:creationId xmlns:a16="http://schemas.microsoft.com/office/drawing/2014/main" xmlns="" id="{28B01EBB-F6F7-9510-D7FF-D48CCFC51D38}"/>
               </a:ext>
             </a:extLst>
           </p:cNvPr>
@@ -29745,14 +29842,14 @@
           <a:effectLst/>
           <a:extLst>
             <a:ext uri="{909E8E84-426E-40DD-AFC4-6F175D3DCCD1}">
-              <a14:hiddenFill xmlns:a14="http://schemas.microsoft.com/office/drawing/2010/main">
+              <a14:hiddenFill xmlns:a14="http://schemas.microsoft.com/office/drawing/2010/main" xmlns="">
                 <a:solidFill>
                   <a:schemeClr val="accent1"/>
                 </a:solidFill>
               </a14:hiddenFill>
             </a:ext>
             <a:ext uri="{91240B29-F687-4F45-9708-019B960494DF}">
-              <a14:hiddenLine xmlns:a14="http://schemas.microsoft.com/office/drawing/2010/main" w="9525">
+              <a14:hiddenLine xmlns:a14="http://schemas.microsoft.com/office/drawing/2010/main" xmlns="" w="9525">
                 <a:solidFill>
                   <a:schemeClr val="tx1"/>
                 </a:solidFill>
@@ -29762,7 +29859,7 @@
               </a14:hiddenLine>
             </a:ext>
             <a:ext uri="{AF507438-7753-43E0-B8FC-AC1667EBCBE1}">
-              <a14:hiddenEffects xmlns:a14="http://schemas.microsoft.com/office/drawing/2010/main">
+              <a14:hiddenEffects xmlns:a14="http://schemas.microsoft.com/office/drawing/2010/main" xmlns="">
                 <a:effectLst>
                   <a:outerShdw dist="35921" dir="2700000" algn="ctr" rotWithShape="0">
                     <a:schemeClr val="bg2"/>
@@ -29827,7 +29924,7 @@
     </p:spTree>
     <p:extLst>
       <p:ext uri="{BB962C8B-B14F-4D97-AF65-F5344CB8AC3E}">
-        <p14:creationId xmlns:p14="http://schemas.microsoft.com/office/powerpoint/2010/main" val="879711461"/>
+        <p14:creationId xmlns:p14="http://schemas.microsoft.com/office/powerpoint/2010/main" xmlns="" val="879711461"/>
       </p:ext>
     </p:extLst>
   </p:cSld>
@@ -29859,7 +29956,7 @@
           <p:cNvPr id="2" name="Title 1">
             <a:extLst>
               <a:ext uri="{FF2B5EF4-FFF2-40B4-BE49-F238E27FC236}">
-                <a16:creationId xmlns:a16="http://schemas.microsoft.com/office/drawing/2014/main" id="{9BE18039-3340-2BC9-562B-6165A2475219}"/>
+                <a16:creationId xmlns:a16="http://schemas.microsoft.com/office/drawing/2014/main" xmlns="" id="{9BE18039-3340-2BC9-562B-6165A2475219}"/>
               </a:ext>
             </a:extLst>
           </p:cNvPr>
@@ -29903,7 +30000,7 @@
           <p:cNvPr id="18" name="TextBox 17">
             <a:extLst>
               <a:ext uri="{FF2B5EF4-FFF2-40B4-BE49-F238E27FC236}">
-                <a16:creationId xmlns:a16="http://schemas.microsoft.com/office/drawing/2014/main" id="{0AF30214-1464-C39D-3AB9-336046E978B2}"/>
+                <a16:creationId xmlns:a16="http://schemas.microsoft.com/office/drawing/2014/main" xmlns="" id="{0AF30214-1464-C39D-3AB9-336046E978B2}"/>
               </a:ext>
             </a:extLst>
           </p:cNvPr>
@@ -29993,7 +30090,7 @@
     </p:spTree>
     <p:extLst>
       <p:ext uri="{BB962C8B-B14F-4D97-AF65-F5344CB8AC3E}">
-        <p14:creationId xmlns:p14="http://schemas.microsoft.com/office/powerpoint/2010/main" val="2927051838"/>
+        <p14:creationId xmlns:p14="http://schemas.microsoft.com/office/powerpoint/2010/main" xmlns="" val="2927051838"/>
       </p:ext>
     </p:extLst>
   </p:cSld>
@@ -30025,7 +30122,7 @@
           <p:cNvPr id="2" name="Title 1">
             <a:extLst>
               <a:ext uri="{FF2B5EF4-FFF2-40B4-BE49-F238E27FC236}">
-                <a16:creationId xmlns:a16="http://schemas.microsoft.com/office/drawing/2014/main" id="{598B06BE-D748-8D70-DA62-64B1AF4699CE}"/>
+                <a16:creationId xmlns:a16="http://schemas.microsoft.com/office/drawing/2014/main" xmlns="" id="{598B06BE-D748-8D70-DA62-64B1AF4699CE}"/>
               </a:ext>
             </a:extLst>
           </p:cNvPr>
@@ -30053,7 +30150,7 @@
           <p:cNvPr id="4" name="TextBox 3">
             <a:extLst>
               <a:ext uri="{FF2B5EF4-FFF2-40B4-BE49-F238E27FC236}">
-                <a16:creationId xmlns:a16="http://schemas.microsoft.com/office/drawing/2014/main" id="{C55AD74E-93B8-4D1C-1BA4-6CA4359B80DF}"/>
+                <a16:creationId xmlns:a16="http://schemas.microsoft.com/office/drawing/2014/main" xmlns="" id="{C55AD74E-93B8-4D1C-1BA4-6CA4359B80DF}"/>
               </a:ext>
             </a:extLst>
           </p:cNvPr>
@@ -30095,7 +30192,7 @@
           <p:cNvPr id="6" name="TextBox 5">
             <a:extLst>
               <a:ext uri="{FF2B5EF4-FFF2-40B4-BE49-F238E27FC236}">
-                <a16:creationId xmlns:a16="http://schemas.microsoft.com/office/drawing/2014/main" id="{6153B18E-0876-66C3-029B-27C17F5F2D59}"/>
+                <a16:creationId xmlns:a16="http://schemas.microsoft.com/office/drawing/2014/main" xmlns="" id="{6153B18E-0876-66C3-029B-27C17F5F2D59}"/>
               </a:ext>
             </a:extLst>
           </p:cNvPr>
@@ -30137,7 +30234,7 @@
           <p:cNvPr id="8" name="TextBox 7">
             <a:extLst>
               <a:ext uri="{FF2B5EF4-FFF2-40B4-BE49-F238E27FC236}">
-                <a16:creationId xmlns:a16="http://schemas.microsoft.com/office/drawing/2014/main" id="{4A91CF52-FF4E-81FA-6B59-1BBEEB63355A}"/>
+                <a16:creationId xmlns:a16="http://schemas.microsoft.com/office/drawing/2014/main" xmlns="" id="{4A91CF52-FF4E-81FA-6B59-1BBEEB63355A}"/>
               </a:ext>
             </a:extLst>
           </p:cNvPr>
@@ -30279,7 +30376,7 @@
           <p:cNvPr id="9" name="Table 8">
             <a:extLst>
               <a:ext uri="{FF2B5EF4-FFF2-40B4-BE49-F238E27FC236}">
-                <a16:creationId xmlns:a16="http://schemas.microsoft.com/office/drawing/2014/main" id="{D7B4F8F2-57D9-28FF-C49A-1B3C1C0C5F0E}"/>
+                <a16:creationId xmlns:a16="http://schemas.microsoft.com/office/drawing/2014/main" xmlns="" id="{D7B4F8F2-57D9-28FF-C49A-1B3C1C0C5F0E}"/>
               </a:ext>
             </a:extLst>
           </p:cNvPr>
@@ -30289,7 +30386,7 @@
           <p:nvPr>
             <p:extLst>
               <p:ext uri="{D42A27DB-BD31-4B8C-83A1-F6EECF244321}">
-                <p14:modId xmlns:p14="http://schemas.microsoft.com/office/powerpoint/2010/main" val="2009928001"/>
+                <p14:modId xmlns:p14="http://schemas.microsoft.com/office/powerpoint/2010/main" xmlns="" val="2009928001"/>
               </p:ext>
             </p:extLst>
           </p:nvPr>
@@ -30306,14 +30403,14 @@
                 <a:gridCol w="397666">
                   <a:extLst>
                     <a:ext uri="{9D8B030D-6E8A-4147-A177-3AD203B41FA5}">
-                      <a16:colId xmlns:a16="http://schemas.microsoft.com/office/drawing/2014/main" val="995393975"/>
+                      <a16:colId xmlns:a16="http://schemas.microsoft.com/office/drawing/2014/main" xmlns="" val="995393975"/>
                     </a:ext>
                   </a:extLst>
                 </a:gridCol>
                 <a:gridCol w="5299329">
                   <a:extLst>
                     <a:ext uri="{9D8B030D-6E8A-4147-A177-3AD203B41FA5}">
-                      <a16:colId xmlns:a16="http://schemas.microsoft.com/office/drawing/2014/main" val="1196863545"/>
+                      <a16:colId xmlns:a16="http://schemas.microsoft.com/office/drawing/2014/main" xmlns="" val="1196863545"/>
                     </a:ext>
                   </a:extLst>
                 </a:gridCol>
@@ -30663,7 +30760,7 @@
                 </a:tc>
                 <a:extLst>
                   <a:ext uri="{0D108BD9-81ED-4DB2-BD59-A6C34878D82A}">
-                    <a16:rowId xmlns:a16="http://schemas.microsoft.com/office/drawing/2014/main" val="657657814"/>
+                    <a16:rowId xmlns:a16="http://schemas.microsoft.com/office/drawing/2014/main" xmlns="" val="657657814"/>
                   </a:ext>
                 </a:extLst>
               </a:tr>
@@ -30676,7 +30773,7 @@
           <p:cNvPr id="10" name="Rectangle 1">
             <a:extLst>
               <a:ext uri="{FF2B5EF4-FFF2-40B4-BE49-F238E27FC236}">
-                <a16:creationId xmlns:a16="http://schemas.microsoft.com/office/drawing/2014/main" id="{33190006-7D1E-A7B8-AD88-B5E7643921CC}"/>
+                <a16:creationId xmlns:a16="http://schemas.microsoft.com/office/drawing/2014/main" xmlns="" id="{33190006-7D1E-A7B8-AD88-B5E7643921CC}"/>
               </a:ext>
             </a:extLst>
           </p:cNvPr>
@@ -30700,14 +30797,14 @@
           <a:effectLst/>
           <a:extLst>
             <a:ext uri="{909E8E84-426E-40DD-AFC4-6F175D3DCCD1}">
-              <a14:hiddenFill xmlns:a14="http://schemas.microsoft.com/office/drawing/2010/main">
+              <a14:hiddenFill xmlns:a14="http://schemas.microsoft.com/office/drawing/2010/main" xmlns="">
                 <a:solidFill>
                   <a:schemeClr val="accent1"/>
                 </a:solidFill>
               </a14:hiddenFill>
             </a:ext>
             <a:ext uri="{91240B29-F687-4F45-9708-019B960494DF}">
-              <a14:hiddenLine xmlns:a14="http://schemas.microsoft.com/office/drawing/2010/main" w="9525">
+              <a14:hiddenLine xmlns:a14="http://schemas.microsoft.com/office/drawing/2010/main" xmlns="" w="9525">
                 <a:solidFill>
                   <a:schemeClr val="tx1"/>
                 </a:solidFill>
@@ -30717,7 +30814,7 @@
               </a14:hiddenLine>
             </a:ext>
             <a:ext uri="{AF507438-7753-43E0-B8FC-AC1667EBCBE1}">
-              <a14:hiddenEffects xmlns:a14="http://schemas.microsoft.com/office/drawing/2010/main">
+              <a14:hiddenEffects xmlns:a14="http://schemas.microsoft.com/office/drawing/2010/main" xmlns="">
                 <a:effectLst>
                   <a:outerShdw dist="35921" dir="2700000" algn="ctr" rotWithShape="0">
                     <a:schemeClr val="bg2"/>
@@ -30938,7 +31035,7 @@
           <p:cNvPr id="11" name="Table 10">
             <a:extLst>
               <a:ext uri="{FF2B5EF4-FFF2-40B4-BE49-F238E27FC236}">
-                <a16:creationId xmlns:a16="http://schemas.microsoft.com/office/drawing/2014/main" id="{B97E32D8-028D-874A-D984-F684F4AD72C2}"/>
+                <a16:creationId xmlns:a16="http://schemas.microsoft.com/office/drawing/2014/main" xmlns="" id="{B97E32D8-028D-874A-D984-F684F4AD72C2}"/>
               </a:ext>
             </a:extLst>
           </p:cNvPr>
@@ -30948,7 +31045,7 @@
           <p:nvPr>
             <p:extLst>
               <p:ext uri="{D42A27DB-BD31-4B8C-83A1-F6EECF244321}">
-                <p14:modId xmlns:p14="http://schemas.microsoft.com/office/powerpoint/2010/main" val="913869300"/>
+                <p14:modId xmlns:p14="http://schemas.microsoft.com/office/powerpoint/2010/main" xmlns="" val="913869300"/>
               </p:ext>
             </p:extLst>
           </p:nvPr>
@@ -30965,14 +31062,14 @@
                 <a:gridCol w="397666">
                   <a:extLst>
                     <a:ext uri="{9D8B030D-6E8A-4147-A177-3AD203B41FA5}">
-                      <a16:colId xmlns:a16="http://schemas.microsoft.com/office/drawing/2014/main" val="2727913103"/>
+                      <a16:colId xmlns:a16="http://schemas.microsoft.com/office/drawing/2014/main" xmlns="" val="2727913103"/>
                     </a:ext>
                   </a:extLst>
                 </a:gridCol>
                 <a:gridCol w="5299329">
                   <a:extLst>
                     <a:ext uri="{9D8B030D-6E8A-4147-A177-3AD203B41FA5}">
-                      <a16:colId xmlns:a16="http://schemas.microsoft.com/office/drawing/2014/main" val="2918099805"/>
+                      <a16:colId xmlns:a16="http://schemas.microsoft.com/office/drawing/2014/main" xmlns="" val="2918099805"/>
                     </a:ext>
                   </a:extLst>
                 </a:gridCol>
@@ -31079,7 +31176,7 @@
                 </a:tc>
                 <a:extLst>
                   <a:ext uri="{0D108BD9-81ED-4DB2-BD59-A6C34878D82A}">
-                    <a16:rowId xmlns:a16="http://schemas.microsoft.com/office/drawing/2014/main" val="512252745"/>
+                    <a16:rowId xmlns:a16="http://schemas.microsoft.com/office/drawing/2014/main" xmlns="" val="512252745"/>
                   </a:ext>
                 </a:extLst>
               </a:tr>
@@ -31090,7 +31187,7 @@
     </p:spTree>
     <p:extLst>
       <p:ext uri="{BB962C8B-B14F-4D97-AF65-F5344CB8AC3E}">
-        <p14:creationId xmlns:p14="http://schemas.microsoft.com/office/powerpoint/2010/main" val="2473167025"/>
+        <p14:creationId xmlns:p14="http://schemas.microsoft.com/office/powerpoint/2010/main" xmlns="" val="2473167025"/>
       </p:ext>
     </p:extLst>
   </p:cSld>
@@ -31122,7 +31219,7 @@
           <p:cNvPr id="4" name="Title 3">
             <a:extLst>
               <a:ext uri="{FF2B5EF4-FFF2-40B4-BE49-F238E27FC236}">
-                <a16:creationId xmlns:a16="http://schemas.microsoft.com/office/drawing/2014/main" id="{6A7E5E61-13E2-4755-865D-C70C8D050323}"/>
+                <a16:creationId xmlns:a16="http://schemas.microsoft.com/office/drawing/2014/main" xmlns="" id="{6A7E5E61-13E2-4755-865D-C70C8D050323}"/>
               </a:ext>
             </a:extLst>
           </p:cNvPr>
@@ -31150,7 +31247,7 @@
           <p:cNvPr id="5" name="Text Placeholder 4">
             <a:extLst>
               <a:ext uri="{FF2B5EF4-FFF2-40B4-BE49-F238E27FC236}">
-                <a16:creationId xmlns:a16="http://schemas.microsoft.com/office/drawing/2014/main" id="{FEA8CE66-7498-4D1A-B413-025DF799C0EE}"/>
+                <a16:creationId xmlns:a16="http://schemas.microsoft.com/office/drawing/2014/main" xmlns="" id="{FEA8CE66-7498-4D1A-B413-025DF799C0EE}"/>
               </a:ext>
             </a:extLst>
           </p:cNvPr>
@@ -31173,7 +31270,7 @@
     </p:spTree>
     <p:extLst>
       <p:ext uri="{BB962C8B-B14F-4D97-AF65-F5344CB8AC3E}">
-        <p14:creationId xmlns:p14="http://schemas.microsoft.com/office/powerpoint/2010/main" val="3749363430"/>
+        <p14:creationId xmlns:p14="http://schemas.microsoft.com/office/powerpoint/2010/main" xmlns="" val="3749363430"/>
       </p:ext>
     </p:extLst>
   </p:cSld>
@@ -31205,7 +31302,7 @@
           <p:cNvPr id="2" name="Title 1">
             <a:extLst>
               <a:ext uri="{FF2B5EF4-FFF2-40B4-BE49-F238E27FC236}">
-                <a16:creationId xmlns:a16="http://schemas.microsoft.com/office/drawing/2014/main" id="{002E62F2-BE4B-8680-FA3B-A4098ADB24A6}"/>
+                <a16:creationId xmlns:a16="http://schemas.microsoft.com/office/drawing/2014/main" xmlns="" id="{002E62F2-BE4B-8680-FA3B-A4098ADB24A6}"/>
               </a:ext>
             </a:extLst>
           </p:cNvPr>
@@ -31249,7 +31346,7 @@
           <p:cNvPr id="4" name="TextBox 3">
             <a:extLst>
               <a:ext uri="{FF2B5EF4-FFF2-40B4-BE49-F238E27FC236}">
-                <a16:creationId xmlns:a16="http://schemas.microsoft.com/office/drawing/2014/main" id="{75380EDC-82B8-36A5-FF5B-10A301260DB2}"/>
+                <a16:creationId xmlns:a16="http://schemas.microsoft.com/office/drawing/2014/main" xmlns="" id="{75380EDC-82B8-36A5-FF5B-10A301260DB2}"/>
               </a:ext>
             </a:extLst>
           </p:cNvPr>
@@ -31323,7 +31420,7 @@
           <p:cNvPr id="6" name="Table 5">
             <a:extLst>
               <a:ext uri="{FF2B5EF4-FFF2-40B4-BE49-F238E27FC236}">
-                <a16:creationId xmlns:a16="http://schemas.microsoft.com/office/drawing/2014/main" id="{E36E3FC4-1FC9-F411-FA19-EAC3CE87D855}"/>
+                <a16:creationId xmlns:a16="http://schemas.microsoft.com/office/drawing/2014/main" xmlns="" id="{E36E3FC4-1FC9-F411-FA19-EAC3CE87D855}"/>
               </a:ext>
             </a:extLst>
           </p:cNvPr>
@@ -31333,7 +31430,7 @@
           <p:nvPr>
             <p:extLst>
               <p:ext uri="{D42A27DB-BD31-4B8C-83A1-F6EECF244321}">
-                <p14:modId xmlns:p14="http://schemas.microsoft.com/office/powerpoint/2010/main" val="2848527398"/>
+                <p14:modId xmlns:p14="http://schemas.microsoft.com/office/powerpoint/2010/main" xmlns="" val="2848527398"/>
               </p:ext>
             </p:extLst>
           </p:nvPr>
@@ -31350,35 +31447,35 @@
                 <a:gridCol w="208280">
                   <a:extLst>
                     <a:ext uri="{9D8B030D-6E8A-4147-A177-3AD203B41FA5}">
-                      <a16:colId xmlns:a16="http://schemas.microsoft.com/office/drawing/2014/main" val="1787531754"/>
+                      <a16:colId xmlns:a16="http://schemas.microsoft.com/office/drawing/2014/main" xmlns="" val="1787531754"/>
                     </a:ext>
                   </a:extLst>
                 </a:gridCol>
                 <a:gridCol w="1494396">
                   <a:extLst>
                     <a:ext uri="{9D8B030D-6E8A-4147-A177-3AD203B41FA5}">
-                      <a16:colId xmlns:a16="http://schemas.microsoft.com/office/drawing/2014/main" val="2560494430"/>
+                      <a16:colId xmlns:a16="http://schemas.microsoft.com/office/drawing/2014/main" xmlns="" val="2560494430"/>
                     </a:ext>
                   </a:extLst>
                 </a:gridCol>
                 <a:gridCol w="2289284">
                   <a:extLst>
                     <a:ext uri="{9D8B030D-6E8A-4147-A177-3AD203B41FA5}">
-                      <a16:colId xmlns:a16="http://schemas.microsoft.com/office/drawing/2014/main" val="439994203"/>
+                      <a16:colId xmlns:a16="http://schemas.microsoft.com/office/drawing/2014/main" xmlns="" val="439994203"/>
                     </a:ext>
                   </a:extLst>
                 </a:gridCol>
                 <a:gridCol w="1275474">
                   <a:extLst>
                     <a:ext uri="{9D8B030D-6E8A-4147-A177-3AD203B41FA5}">
-                      <a16:colId xmlns:a16="http://schemas.microsoft.com/office/drawing/2014/main" val="3870249509"/>
+                      <a16:colId xmlns:a16="http://schemas.microsoft.com/office/drawing/2014/main" xmlns="" val="3870249509"/>
                     </a:ext>
                   </a:extLst>
                 </a:gridCol>
                 <a:gridCol w="1275474">
                   <a:extLst>
                     <a:ext uri="{9D8B030D-6E8A-4147-A177-3AD203B41FA5}">
-                      <a16:colId xmlns:a16="http://schemas.microsoft.com/office/drawing/2014/main" val="3986765075"/>
+                      <a16:colId xmlns:a16="http://schemas.microsoft.com/office/drawing/2014/main" xmlns="" val="3986765075"/>
                     </a:ext>
                   </a:extLst>
                 </a:gridCol>
@@ -31663,7 +31760,7 @@
                 </a:tc>
                 <a:extLst>
                   <a:ext uri="{0D108BD9-81ED-4DB2-BD59-A6C34878D82A}">
-                    <a16:rowId xmlns:a16="http://schemas.microsoft.com/office/drawing/2014/main" val="2748049541"/>
+                    <a16:rowId xmlns:a16="http://schemas.microsoft.com/office/drawing/2014/main" xmlns="" val="2748049541"/>
                   </a:ext>
                 </a:extLst>
               </a:tr>
@@ -31945,7 +32042,7 @@
                 </a:tc>
                 <a:extLst>
                   <a:ext uri="{0D108BD9-81ED-4DB2-BD59-A6C34878D82A}">
-                    <a16:rowId xmlns:a16="http://schemas.microsoft.com/office/drawing/2014/main" val="2344116049"/>
+                    <a16:rowId xmlns:a16="http://schemas.microsoft.com/office/drawing/2014/main" xmlns="" val="2344116049"/>
                   </a:ext>
                 </a:extLst>
               </a:tr>
@@ -32227,7 +32324,7 @@
                 </a:tc>
                 <a:extLst>
                   <a:ext uri="{0D108BD9-81ED-4DB2-BD59-A6C34878D82A}">
-                    <a16:rowId xmlns:a16="http://schemas.microsoft.com/office/drawing/2014/main" val="4005716878"/>
+                    <a16:rowId xmlns:a16="http://schemas.microsoft.com/office/drawing/2014/main" xmlns="" val="4005716878"/>
                   </a:ext>
                 </a:extLst>
               </a:tr>
@@ -32509,7 +32606,7 @@
                 </a:tc>
                 <a:extLst>
                   <a:ext uri="{0D108BD9-81ED-4DB2-BD59-A6C34878D82A}">
-                    <a16:rowId xmlns:a16="http://schemas.microsoft.com/office/drawing/2014/main" val="3290728876"/>
+                    <a16:rowId xmlns:a16="http://schemas.microsoft.com/office/drawing/2014/main" xmlns="" val="3290728876"/>
                   </a:ext>
                 </a:extLst>
               </a:tr>
@@ -32522,7 +32619,7 @@
           <p:cNvPr id="9" name="TextBox 8">
             <a:extLst>
               <a:ext uri="{FF2B5EF4-FFF2-40B4-BE49-F238E27FC236}">
-                <a16:creationId xmlns:a16="http://schemas.microsoft.com/office/drawing/2014/main" id="{35BF7AEE-6F02-FE20-42D8-63A4ED4965AE}"/>
+                <a16:creationId xmlns:a16="http://schemas.microsoft.com/office/drawing/2014/main" xmlns="" id="{35BF7AEE-6F02-FE20-42D8-63A4ED4965AE}"/>
               </a:ext>
             </a:extLst>
           </p:cNvPr>
@@ -32574,7 +32671,7 @@
           <p:cNvPr id="10" name="Rectangle 2">
             <a:extLst>
               <a:ext uri="{FF2B5EF4-FFF2-40B4-BE49-F238E27FC236}">
-                <a16:creationId xmlns:a16="http://schemas.microsoft.com/office/drawing/2014/main" id="{6C4761C9-3CC7-6CDB-68B4-F238DC492B61}"/>
+                <a16:creationId xmlns:a16="http://schemas.microsoft.com/office/drawing/2014/main" xmlns="" id="{6C4761C9-3CC7-6CDB-68B4-F238DC492B61}"/>
               </a:ext>
             </a:extLst>
           </p:cNvPr>
@@ -32600,7 +32697,7 @@
           <a:effectLst/>
           <a:extLst>
             <a:ext uri="{91240B29-F687-4F45-9708-019B960494DF}">
-              <a14:hiddenLine xmlns:a14="http://schemas.microsoft.com/office/drawing/2010/main" w="9525">
+              <a14:hiddenLine xmlns:a14="http://schemas.microsoft.com/office/drawing/2010/main" xmlns="" w="9525">
                 <a:solidFill>
                   <a:schemeClr val="tx1"/>
                 </a:solidFill>
@@ -32610,7 +32707,7 @@
               </a14:hiddenLine>
             </a:ext>
             <a:ext uri="{AF507438-7753-43E0-B8FC-AC1667EBCBE1}">
-              <a14:hiddenEffects xmlns:a14="http://schemas.microsoft.com/office/drawing/2010/main">
+              <a14:hiddenEffects xmlns:a14="http://schemas.microsoft.com/office/drawing/2010/main" xmlns="">
                 <a:effectLst>
                   <a:outerShdw dist="35921" dir="2700000" algn="ctr" rotWithShape="0">
                     <a:schemeClr val="bg2"/>
@@ -32919,7 +33016,7 @@
     </p:spTree>
     <p:extLst>
       <p:ext uri="{BB962C8B-B14F-4D97-AF65-F5344CB8AC3E}">
-        <p14:creationId xmlns:p14="http://schemas.microsoft.com/office/powerpoint/2010/main" val="1622114246"/>
+        <p14:creationId xmlns:p14="http://schemas.microsoft.com/office/powerpoint/2010/main" xmlns="" val="1622114246"/>
       </p:ext>
     </p:extLst>
   </p:cSld>
@@ -32951,7 +33048,7 @@
           <p:cNvPr id="3" name="TextBox 2">
             <a:extLst>
               <a:ext uri="{FF2B5EF4-FFF2-40B4-BE49-F238E27FC236}">
-                <a16:creationId xmlns:a16="http://schemas.microsoft.com/office/drawing/2014/main" id="{62321A53-7F9A-C69F-BEFC-5D7E2E887B8E}"/>
+                <a16:creationId xmlns:a16="http://schemas.microsoft.com/office/drawing/2014/main" xmlns="" id="{62321A53-7F9A-C69F-BEFC-5D7E2E887B8E}"/>
               </a:ext>
             </a:extLst>
           </p:cNvPr>
@@ -32993,7 +33090,7 @@
           <p:cNvPr id="4" name="Rectangle 1">
             <a:extLst>
               <a:ext uri="{FF2B5EF4-FFF2-40B4-BE49-F238E27FC236}">
-                <a16:creationId xmlns:a16="http://schemas.microsoft.com/office/drawing/2014/main" id="{2868D5C6-ECD4-F3BA-1406-2CE9191F91CD}"/>
+                <a16:creationId xmlns:a16="http://schemas.microsoft.com/office/drawing/2014/main" xmlns="" id="{2868D5C6-ECD4-F3BA-1406-2CE9191F91CD}"/>
               </a:ext>
             </a:extLst>
           </p:cNvPr>
@@ -33019,7 +33116,7 @@
           <a:effectLst/>
           <a:extLst>
             <a:ext uri="{91240B29-F687-4F45-9708-019B960494DF}">
-              <a14:hiddenLine xmlns:a14="http://schemas.microsoft.com/office/drawing/2010/main" w="9525">
+              <a14:hiddenLine xmlns:a14="http://schemas.microsoft.com/office/drawing/2010/main" xmlns="" w="9525">
                 <a:solidFill>
                   <a:schemeClr val="tx1"/>
                 </a:solidFill>
@@ -33029,7 +33126,7 @@
               </a14:hiddenLine>
             </a:ext>
             <a:ext uri="{AF507438-7753-43E0-B8FC-AC1667EBCBE1}">
-              <a14:hiddenEffects xmlns:a14="http://schemas.microsoft.com/office/drawing/2010/main">
+              <a14:hiddenEffects xmlns:a14="http://schemas.microsoft.com/office/drawing/2010/main" xmlns="">
                 <a:effectLst>
                   <a:outerShdw dist="35921" dir="2700000" algn="ctr" rotWithShape="0">
                     <a:schemeClr val="bg2"/>
@@ -33260,7 +33357,7 @@
           <p:cNvPr id="5" name="Table 4">
             <a:extLst>
               <a:ext uri="{FF2B5EF4-FFF2-40B4-BE49-F238E27FC236}">
-                <a16:creationId xmlns:a16="http://schemas.microsoft.com/office/drawing/2014/main" id="{7DDC7F3A-E1F0-D561-6FD6-44873BAD9AAF}"/>
+                <a16:creationId xmlns:a16="http://schemas.microsoft.com/office/drawing/2014/main" xmlns="" id="{7DDC7F3A-E1F0-D561-6FD6-44873BAD9AAF}"/>
               </a:ext>
             </a:extLst>
           </p:cNvPr>
@@ -33270,7 +33367,7 @@
           <p:nvPr>
             <p:extLst>
               <p:ext uri="{D42A27DB-BD31-4B8C-83A1-F6EECF244321}">
-                <p14:modId xmlns:p14="http://schemas.microsoft.com/office/powerpoint/2010/main" val="2537993552"/>
+                <p14:modId xmlns:p14="http://schemas.microsoft.com/office/powerpoint/2010/main" xmlns="" val="2537993552"/>
               </p:ext>
             </p:extLst>
           </p:nvPr>
@@ -33287,21 +33384,21 @@
                 <a:gridCol w="1103120">
                   <a:extLst>
                     <a:ext uri="{9D8B030D-6E8A-4147-A177-3AD203B41FA5}">
-                      <a16:colId xmlns:a16="http://schemas.microsoft.com/office/drawing/2014/main" val="300336302"/>
+                      <a16:colId xmlns:a16="http://schemas.microsoft.com/office/drawing/2014/main" xmlns="" val="300336302"/>
                     </a:ext>
                   </a:extLst>
                 </a:gridCol>
                 <a:gridCol w="1521544">
                   <a:extLst>
                     <a:ext uri="{9D8B030D-6E8A-4147-A177-3AD203B41FA5}">
-                      <a16:colId xmlns:a16="http://schemas.microsoft.com/office/drawing/2014/main" val="1737546433"/>
+                      <a16:colId xmlns:a16="http://schemas.microsoft.com/office/drawing/2014/main" xmlns="" val="1737546433"/>
                     </a:ext>
                   </a:extLst>
                 </a:gridCol>
                 <a:gridCol w="3145516">
                   <a:extLst>
                     <a:ext uri="{9D8B030D-6E8A-4147-A177-3AD203B41FA5}">
-                      <a16:colId xmlns:a16="http://schemas.microsoft.com/office/drawing/2014/main" val="720560720"/>
+                      <a16:colId xmlns:a16="http://schemas.microsoft.com/office/drawing/2014/main" xmlns="" val="720560720"/>
                     </a:ext>
                   </a:extLst>
                 </a:gridCol>
@@ -33477,7 +33574,7 @@
                 </a:tc>
                 <a:extLst>
                   <a:ext uri="{0D108BD9-81ED-4DB2-BD59-A6C34878D82A}">
-                    <a16:rowId xmlns:a16="http://schemas.microsoft.com/office/drawing/2014/main" val="1727557651"/>
+                    <a16:rowId xmlns:a16="http://schemas.microsoft.com/office/drawing/2014/main" xmlns="" val="1727557651"/>
                   </a:ext>
                 </a:extLst>
               </a:tr>
@@ -33649,7 +33746,7 @@
                 </a:tc>
                 <a:extLst>
                   <a:ext uri="{0D108BD9-81ED-4DB2-BD59-A6C34878D82A}">
-                    <a16:rowId xmlns:a16="http://schemas.microsoft.com/office/drawing/2014/main" val="2046457393"/>
+                    <a16:rowId xmlns:a16="http://schemas.microsoft.com/office/drawing/2014/main" xmlns="" val="2046457393"/>
                   </a:ext>
                 </a:extLst>
               </a:tr>
@@ -33821,7 +33918,7 @@
                 </a:tc>
                 <a:extLst>
                   <a:ext uri="{0D108BD9-81ED-4DB2-BD59-A6C34878D82A}">
-                    <a16:rowId xmlns:a16="http://schemas.microsoft.com/office/drawing/2014/main" val="3871094955"/>
+                    <a16:rowId xmlns:a16="http://schemas.microsoft.com/office/drawing/2014/main" xmlns="" val="3871094955"/>
                   </a:ext>
                 </a:extLst>
               </a:tr>
@@ -33999,7 +34096,7 @@
                 </a:tc>
                 <a:extLst>
                   <a:ext uri="{0D108BD9-81ED-4DB2-BD59-A6C34878D82A}">
-                    <a16:rowId xmlns:a16="http://schemas.microsoft.com/office/drawing/2014/main" val="3747813984"/>
+                    <a16:rowId xmlns:a16="http://schemas.microsoft.com/office/drawing/2014/main" xmlns="" val="3747813984"/>
                   </a:ext>
                 </a:extLst>
               </a:tr>
@@ -34012,7 +34109,7 @@
           <p:cNvPr id="7" name="TextBox 6">
             <a:extLst>
               <a:ext uri="{FF2B5EF4-FFF2-40B4-BE49-F238E27FC236}">
-                <a16:creationId xmlns:a16="http://schemas.microsoft.com/office/drawing/2014/main" id="{A5389CAE-7B6B-8B9C-2605-3DB4BC745306}"/>
+                <a16:creationId xmlns:a16="http://schemas.microsoft.com/office/drawing/2014/main" xmlns="" id="{A5389CAE-7B6B-8B9C-2605-3DB4BC745306}"/>
               </a:ext>
             </a:extLst>
           </p:cNvPr>
@@ -34054,7 +34151,7 @@
           <p:cNvPr id="8" name="Table 7">
             <a:extLst>
               <a:ext uri="{FF2B5EF4-FFF2-40B4-BE49-F238E27FC236}">
-                <a16:creationId xmlns:a16="http://schemas.microsoft.com/office/drawing/2014/main" id="{46777C90-E51A-6955-6E3E-8025AD964BB5}"/>
+                <a16:creationId xmlns:a16="http://schemas.microsoft.com/office/drawing/2014/main" xmlns="" id="{46777C90-E51A-6955-6E3E-8025AD964BB5}"/>
               </a:ext>
             </a:extLst>
           </p:cNvPr>
@@ -34064,7 +34161,7 @@
           <p:nvPr>
             <p:extLst>
               <p:ext uri="{D42A27DB-BD31-4B8C-83A1-F6EECF244321}">
-                <p14:modId xmlns:p14="http://schemas.microsoft.com/office/powerpoint/2010/main" val="1169624074"/>
+                <p14:modId xmlns:p14="http://schemas.microsoft.com/office/powerpoint/2010/main" xmlns="" val="1169624074"/>
               </p:ext>
             </p:extLst>
           </p:nvPr>
@@ -34081,28 +34178,28 @@
                 <a:gridCol w="1918139">
                   <a:extLst>
                     <a:ext uri="{9D8B030D-6E8A-4147-A177-3AD203B41FA5}">
-                      <a16:colId xmlns:a16="http://schemas.microsoft.com/office/drawing/2014/main" val="1751786996"/>
+                      <a16:colId xmlns:a16="http://schemas.microsoft.com/office/drawing/2014/main" xmlns="" val="1751786996"/>
                     </a:ext>
                   </a:extLst>
                 </a:gridCol>
                 <a:gridCol w="1270545">
                   <a:extLst>
                     <a:ext uri="{9D8B030D-6E8A-4147-A177-3AD203B41FA5}">
-                      <a16:colId xmlns:a16="http://schemas.microsoft.com/office/drawing/2014/main" val="1534249081"/>
+                      <a16:colId xmlns:a16="http://schemas.microsoft.com/office/drawing/2014/main" xmlns="" val="1534249081"/>
                     </a:ext>
                   </a:extLst>
                 </a:gridCol>
                 <a:gridCol w="1594342">
                   <a:extLst>
                     <a:ext uri="{9D8B030D-6E8A-4147-A177-3AD203B41FA5}">
-                      <a16:colId xmlns:a16="http://schemas.microsoft.com/office/drawing/2014/main" val="471914256"/>
+                      <a16:colId xmlns:a16="http://schemas.microsoft.com/office/drawing/2014/main" xmlns="" val="471914256"/>
                     </a:ext>
                   </a:extLst>
                 </a:gridCol>
                 <a:gridCol w="1594342">
                   <a:extLst>
                     <a:ext uri="{9D8B030D-6E8A-4147-A177-3AD203B41FA5}">
-                      <a16:colId xmlns:a16="http://schemas.microsoft.com/office/drawing/2014/main" val="732796984"/>
+                      <a16:colId xmlns:a16="http://schemas.microsoft.com/office/drawing/2014/main" xmlns="" val="732796984"/>
                     </a:ext>
                   </a:extLst>
                 </a:gridCol>
@@ -34334,7 +34431,7 @@
                 </a:tc>
                 <a:extLst>
                   <a:ext uri="{0D108BD9-81ED-4DB2-BD59-A6C34878D82A}">
-                    <a16:rowId xmlns:a16="http://schemas.microsoft.com/office/drawing/2014/main" val="2752414644"/>
+                    <a16:rowId xmlns:a16="http://schemas.microsoft.com/office/drawing/2014/main" xmlns="" val="2752414644"/>
                   </a:ext>
                 </a:extLst>
               </a:tr>
@@ -34561,7 +34658,7 @@
                 </a:tc>
                 <a:extLst>
                   <a:ext uri="{0D108BD9-81ED-4DB2-BD59-A6C34878D82A}">
-                    <a16:rowId xmlns:a16="http://schemas.microsoft.com/office/drawing/2014/main" val="4186052994"/>
+                    <a16:rowId xmlns:a16="http://schemas.microsoft.com/office/drawing/2014/main" xmlns="" val="4186052994"/>
                   </a:ext>
                 </a:extLst>
               </a:tr>
@@ -34788,7 +34885,7 @@
                 </a:tc>
                 <a:extLst>
                   <a:ext uri="{0D108BD9-81ED-4DB2-BD59-A6C34878D82A}">
-                    <a16:rowId xmlns:a16="http://schemas.microsoft.com/office/drawing/2014/main" val="1188817130"/>
+                    <a16:rowId xmlns:a16="http://schemas.microsoft.com/office/drawing/2014/main" xmlns="" val="1188817130"/>
                   </a:ext>
                 </a:extLst>
               </a:tr>
@@ -35015,7 +35112,7 @@
                 </a:tc>
                 <a:extLst>
                   <a:ext uri="{0D108BD9-81ED-4DB2-BD59-A6C34878D82A}">
-                    <a16:rowId xmlns:a16="http://schemas.microsoft.com/office/drawing/2014/main" val="3091591012"/>
+                    <a16:rowId xmlns:a16="http://schemas.microsoft.com/office/drawing/2014/main" xmlns="" val="3091591012"/>
                   </a:ext>
                 </a:extLst>
               </a:tr>
@@ -35026,7 +35123,7 @@
     </p:spTree>
     <p:extLst>
       <p:ext uri="{BB962C8B-B14F-4D97-AF65-F5344CB8AC3E}">
-        <p14:creationId xmlns:p14="http://schemas.microsoft.com/office/powerpoint/2010/main" val="2663300077"/>
+        <p14:creationId xmlns:p14="http://schemas.microsoft.com/office/powerpoint/2010/main" xmlns="" val="2663300077"/>
       </p:ext>
     </p:extLst>
   </p:cSld>
@@ -35058,7 +35155,7 @@
           <p:cNvPr id="2" name="Title 1">
             <a:extLst>
               <a:ext uri="{FF2B5EF4-FFF2-40B4-BE49-F238E27FC236}">
-                <a16:creationId xmlns:a16="http://schemas.microsoft.com/office/drawing/2014/main" id="{0DBE9C71-65B6-7F52-5078-1E1A1B62FE56}"/>
+                <a16:creationId xmlns:a16="http://schemas.microsoft.com/office/drawing/2014/main" xmlns="" id="{0DBE9C71-65B6-7F52-5078-1E1A1B62FE56}"/>
               </a:ext>
             </a:extLst>
           </p:cNvPr>
@@ -35102,7 +35199,7 @@
           <p:cNvPr id="4" name="TextBox 3">
             <a:extLst>
               <a:ext uri="{FF2B5EF4-FFF2-40B4-BE49-F238E27FC236}">
-                <a16:creationId xmlns:a16="http://schemas.microsoft.com/office/drawing/2014/main" id="{2672101A-078F-4683-03AF-5FC5898A4711}"/>
+                <a16:creationId xmlns:a16="http://schemas.microsoft.com/office/drawing/2014/main" xmlns="" id="{2672101A-078F-4683-03AF-5FC5898A4711}"/>
               </a:ext>
             </a:extLst>
           </p:cNvPr>
@@ -35144,7 +35241,7 @@
           <p:cNvPr id="6" name="TextBox 5">
             <a:extLst>
               <a:ext uri="{FF2B5EF4-FFF2-40B4-BE49-F238E27FC236}">
-                <a16:creationId xmlns:a16="http://schemas.microsoft.com/office/drawing/2014/main" id="{C2F2F65A-2BD0-6286-95D0-B32CDB32FD87}"/>
+                <a16:creationId xmlns:a16="http://schemas.microsoft.com/office/drawing/2014/main" xmlns="" id="{C2F2F65A-2BD0-6286-95D0-B32CDB32FD87}"/>
               </a:ext>
             </a:extLst>
           </p:cNvPr>
@@ -35231,7 +35328,7 @@
           <p:cNvPr id="7" name="Table 6">
             <a:extLst>
               <a:ext uri="{FF2B5EF4-FFF2-40B4-BE49-F238E27FC236}">
-                <a16:creationId xmlns:a16="http://schemas.microsoft.com/office/drawing/2014/main" id="{4CDC5438-FA51-8BAC-6E68-879BD8FE9B9C}"/>
+                <a16:creationId xmlns:a16="http://schemas.microsoft.com/office/drawing/2014/main" xmlns="" id="{4CDC5438-FA51-8BAC-6E68-879BD8FE9B9C}"/>
               </a:ext>
             </a:extLst>
           </p:cNvPr>
@@ -35241,7 +35338,7 @@
           <p:nvPr>
             <p:extLst>
               <p:ext uri="{D42A27DB-BD31-4B8C-83A1-F6EECF244321}">
-                <p14:modId xmlns:p14="http://schemas.microsoft.com/office/powerpoint/2010/main" val="3189416067"/>
+                <p14:modId xmlns:p14="http://schemas.microsoft.com/office/powerpoint/2010/main" xmlns="" val="3189416067"/>
               </p:ext>
             </p:extLst>
           </p:nvPr>
@@ -35258,42 +35355,42 @@
                 <a:gridCol w="1501228">
                   <a:extLst>
                     <a:ext uri="{9D8B030D-6E8A-4147-A177-3AD203B41FA5}">
-                      <a16:colId xmlns:a16="http://schemas.microsoft.com/office/drawing/2014/main" val="799211965"/>
+                      <a16:colId xmlns:a16="http://schemas.microsoft.com/office/drawing/2014/main" xmlns="" val="799211965"/>
                     </a:ext>
                   </a:extLst>
                 </a:gridCol>
                 <a:gridCol w="1501228">
                   <a:extLst>
                     <a:ext uri="{9D8B030D-6E8A-4147-A177-3AD203B41FA5}">
-                      <a16:colId xmlns:a16="http://schemas.microsoft.com/office/drawing/2014/main" val="2407697392"/>
+                      <a16:colId xmlns:a16="http://schemas.microsoft.com/office/drawing/2014/main" xmlns="" val="2407697392"/>
                     </a:ext>
                   </a:extLst>
                 </a:gridCol>
                 <a:gridCol w="1501228">
                   <a:extLst>
                     <a:ext uri="{9D8B030D-6E8A-4147-A177-3AD203B41FA5}">
-                      <a16:colId xmlns:a16="http://schemas.microsoft.com/office/drawing/2014/main" val="564865709"/>
+                      <a16:colId xmlns:a16="http://schemas.microsoft.com/office/drawing/2014/main" xmlns="" val="564865709"/>
                     </a:ext>
                   </a:extLst>
                 </a:gridCol>
                 <a:gridCol w="1501228">
                   <a:extLst>
                     <a:ext uri="{9D8B030D-6E8A-4147-A177-3AD203B41FA5}">
-                      <a16:colId xmlns:a16="http://schemas.microsoft.com/office/drawing/2014/main" val="1342591752"/>
+                      <a16:colId xmlns:a16="http://schemas.microsoft.com/office/drawing/2014/main" xmlns="" val="1342591752"/>
                     </a:ext>
                   </a:extLst>
                 </a:gridCol>
                 <a:gridCol w="1501228">
                   <a:extLst>
                     <a:ext uri="{9D8B030D-6E8A-4147-A177-3AD203B41FA5}">
-                      <a16:colId xmlns:a16="http://schemas.microsoft.com/office/drawing/2014/main" val="3721738019"/>
+                      <a16:colId xmlns:a16="http://schemas.microsoft.com/office/drawing/2014/main" xmlns="" val="3721738019"/>
                     </a:ext>
                   </a:extLst>
                 </a:gridCol>
                 <a:gridCol w="1501228">
                   <a:extLst>
                     <a:ext uri="{9D8B030D-6E8A-4147-A177-3AD203B41FA5}">
-                      <a16:colId xmlns:a16="http://schemas.microsoft.com/office/drawing/2014/main" val="2696447200"/>
+                      <a16:colId xmlns:a16="http://schemas.microsoft.com/office/drawing/2014/main" xmlns="" val="2696447200"/>
                     </a:ext>
                   </a:extLst>
                 </a:gridCol>
@@ -35637,7 +35734,7 @@
                 </a:tc>
                 <a:extLst>
                   <a:ext uri="{0D108BD9-81ED-4DB2-BD59-A6C34878D82A}">
-                    <a16:rowId xmlns:a16="http://schemas.microsoft.com/office/drawing/2014/main" val="1374125309"/>
+                    <a16:rowId xmlns:a16="http://schemas.microsoft.com/office/drawing/2014/main" xmlns="" val="1374125309"/>
                   </a:ext>
                 </a:extLst>
               </a:tr>
@@ -35956,7 +36053,7 @@
                 </a:tc>
                 <a:extLst>
                   <a:ext uri="{0D108BD9-81ED-4DB2-BD59-A6C34878D82A}">
-                    <a16:rowId xmlns:a16="http://schemas.microsoft.com/office/drawing/2014/main" val="1219436371"/>
+                    <a16:rowId xmlns:a16="http://schemas.microsoft.com/office/drawing/2014/main" xmlns="" val="1219436371"/>
                   </a:ext>
                 </a:extLst>
               </a:tr>
@@ -36275,7 +36372,7 @@
                 </a:tc>
                 <a:extLst>
                   <a:ext uri="{0D108BD9-81ED-4DB2-BD59-A6C34878D82A}">
-                    <a16:rowId xmlns:a16="http://schemas.microsoft.com/office/drawing/2014/main" val="3979626065"/>
+                    <a16:rowId xmlns:a16="http://schemas.microsoft.com/office/drawing/2014/main" xmlns="" val="3979626065"/>
                   </a:ext>
                 </a:extLst>
               </a:tr>
@@ -36594,7 +36691,7 @@
                 </a:tc>
                 <a:extLst>
                   <a:ext uri="{0D108BD9-81ED-4DB2-BD59-A6C34878D82A}">
-                    <a16:rowId xmlns:a16="http://schemas.microsoft.com/office/drawing/2014/main" val="1377948662"/>
+                    <a16:rowId xmlns:a16="http://schemas.microsoft.com/office/drawing/2014/main" xmlns="" val="1377948662"/>
                   </a:ext>
                 </a:extLst>
               </a:tr>
@@ -36607,7 +36704,7 @@
           <p:cNvPr id="8" name="Rectangle 1">
             <a:extLst>
               <a:ext uri="{FF2B5EF4-FFF2-40B4-BE49-F238E27FC236}">
-                <a16:creationId xmlns:a16="http://schemas.microsoft.com/office/drawing/2014/main" id="{632450A0-C919-B459-FC28-1544090C235C}"/>
+                <a16:creationId xmlns:a16="http://schemas.microsoft.com/office/drawing/2014/main" xmlns="" id="{632450A0-C919-B459-FC28-1544090C235C}"/>
               </a:ext>
             </a:extLst>
           </p:cNvPr>
@@ -36631,14 +36728,14 @@
           <a:effectLst/>
           <a:extLst>
             <a:ext uri="{909E8E84-426E-40DD-AFC4-6F175D3DCCD1}">
-              <a14:hiddenFill xmlns:a14="http://schemas.microsoft.com/office/drawing/2010/main">
+              <a14:hiddenFill xmlns:a14="http://schemas.microsoft.com/office/drawing/2010/main" xmlns="">
                 <a:solidFill>
                   <a:schemeClr val="accent1"/>
                 </a:solidFill>
               </a14:hiddenFill>
             </a:ext>
             <a:ext uri="{91240B29-F687-4F45-9708-019B960494DF}">
-              <a14:hiddenLine xmlns:a14="http://schemas.microsoft.com/office/drawing/2010/main" w="9525">
+              <a14:hiddenLine xmlns:a14="http://schemas.microsoft.com/office/drawing/2010/main" xmlns="" w="9525">
                 <a:solidFill>
                   <a:schemeClr val="tx1"/>
                 </a:solidFill>
@@ -36648,7 +36745,7 @@
               </a14:hiddenLine>
             </a:ext>
             <a:ext uri="{AF507438-7753-43E0-B8FC-AC1667EBCBE1}">
-              <a14:hiddenEffects xmlns:a14="http://schemas.microsoft.com/office/drawing/2010/main">
+              <a14:hiddenEffects xmlns:a14="http://schemas.microsoft.com/office/drawing/2010/main" xmlns="">
                 <a:effectLst>
                   <a:outerShdw dist="35921" dir="2700000" algn="ctr" rotWithShape="0">
                     <a:schemeClr val="bg2"/>
@@ -36723,6 +36820,19 @@
               <a:buNone/>
               <a:tabLst/>
             </a:pPr>
+            <a:r>
+              <a:rPr kumimoji="0" lang="en-US" altLang="en-US" sz="1800" b="0" i="0" u="none" strike="noStrike" cap="none" normalizeH="0" baseline="0" dirty="0">
+                <a:ln>
+                  <a:noFill/>
+                </a:ln>
+                <a:solidFill>
+                  <a:schemeClr val="tx1"/>
+                </a:solidFill>
+                <a:effectLst/>
+                <a:latin typeface="Arial" panose="020B0604020202020204" pitchFamily="34" charset="0"/>
+              </a:rPr>
+              <a:t/>
+            </a:r>
             <a:br>
               <a:rPr kumimoji="0" lang="en-US" altLang="en-US" sz="1800" b="0" i="0" u="none" strike="noStrike" cap="none" normalizeH="0" baseline="0" dirty="0">
                 <a:ln>
@@ -36751,7 +36861,7 @@
     </p:spTree>
     <p:extLst>
       <p:ext uri="{BB962C8B-B14F-4D97-AF65-F5344CB8AC3E}">
-        <p14:creationId xmlns:p14="http://schemas.microsoft.com/office/powerpoint/2010/main" val="2523650688"/>
+        <p14:creationId xmlns:p14="http://schemas.microsoft.com/office/powerpoint/2010/main" xmlns="" val="2523650688"/>
       </p:ext>
     </p:extLst>
   </p:cSld>
@@ -36783,7 +36893,7 @@
           <p:cNvPr id="2" name="Title 1">
             <a:extLst>
               <a:ext uri="{FF2B5EF4-FFF2-40B4-BE49-F238E27FC236}">
-                <a16:creationId xmlns:a16="http://schemas.microsoft.com/office/drawing/2014/main" id="{F6A7218D-F1F3-42E2-C547-EE9C893A617D}"/>
+                <a16:creationId xmlns:a16="http://schemas.microsoft.com/office/drawing/2014/main" xmlns="" id="{F6A7218D-F1F3-42E2-C547-EE9C893A617D}"/>
               </a:ext>
             </a:extLst>
           </p:cNvPr>
@@ -36827,7 +36937,7 @@
           <p:cNvPr id="7" name="TextBox 6">
             <a:extLst>
               <a:ext uri="{FF2B5EF4-FFF2-40B4-BE49-F238E27FC236}">
-                <a16:creationId xmlns:a16="http://schemas.microsoft.com/office/drawing/2014/main" id="{D5C7EF30-2943-DC86-597B-8432B08FE0C9}"/>
+                <a16:creationId xmlns:a16="http://schemas.microsoft.com/office/drawing/2014/main" xmlns="" id="{D5C7EF30-2943-DC86-597B-8432B08FE0C9}"/>
               </a:ext>
             </a:extLst>
           </p:cNvPr>
@@ -36895,7 +37005,7 @@
           <p:cNvPr id="9" name="TextBox 8">
             <a:extLst>
               <a:ext uri="{FF2B5EF4-FFF2-40B4-BE49-F238E27FC236}">
-                <a16:creationId xmlns:a16="http://schemas.microsoft.com/office/drawing/2014/main" id="{43B79019-6296-F2AD-506B-B025A676A292}"/>
+                <a16:creationId xmlns:a16="http://schemas.microsoft.com/office/drawing/2014/main" xmlns="" id="{43B79019-6296-F2AD-506B-B025A676A292}"/>
               </a:ext>
             </a:extLst>
           </p:cNvPr>
@@ -36947,7 +37057,7 @@
           <p:cNvPr id="12" name="TextBox 11">
             <a:extLst>
               <a:ext uri="{FF2B5EF4-FFF2-40B4-BE49-F238E27FC236}">
-                <a16:creationId xmlns:a16="http://schemas.microsoft.com/office/drawing/2014/main" id="{4D92A838-52E6-03B1-2187-55FAE912C6F9}"/>
+                <a16:creationId xmlns:a16="http://schemas.microsoft.com/office/drawing/2014/main" xmlns="" id="{4D92A838-52E6-03B1-2187-55FAE912C6F9}"/>
               </a:ext>
             </a:extLst>
           </p:cNvPr>
@@ -37006,7 +37116,7 @@
     </p:spTree>
     <p:extLst>
       <p:ext uri="{BB962C8B-B14F-4D97-AF65-F5344CB8AC3E}">
-        <p14:creationId xmlns:p14="http://schemas.microsoft.com/office/powerpoint/2010/main" val="3672253715"/>
+        <p14:creationId xmlns:p14="http://schemas.microsoft.com/office/powerpoint/2010/main" xmlns="" val="3672253715"/>
       </p:ext>
     </p:extLst>
   </p:cSld>
@@ -37059,7 +37169,7 @@
     </a:clrScheme>
     <a:fontScheme name="Office">
       <a:majorFont>
-        <a:latin typeface="Calibri Light" panose="020F0302020204030204"/>
+        <a:latin typeface="Calibri Light"/>
         <a:ea typeface=""/>
         <a:cs typeface=""/>
         <a:font script="Jpan" typeface="游ゴシック Light"/>
@@ -37111,7 +37221,7 @@
         <a:font script="Tfng" typeface="Ebrima"/>
       </a:majorFont>
       <a:minorFont>
-        <a:latin typeface="Calibri" panose="020F0502020204030204"/>
+        <a:latin typeface="Calibri"/>
         <a:ea typeface=""/>
         <a:cs typeface=""/>
         <a:font script="Jpan" typeface="游ゴシック"/>
@@ -37305,7 +37415,7 @@
   <a:extraClrSchemeLst/>
   <a:extLst>
     <a:ext uri="{05A4C25C-085E-4340-85A3-A5531E510DB2}">
-      <thm15:themeFamily xmlns:thm15="http://schemas.microsoft.com/office/thememl/2012/main" name="2018" id="{B0E980CD-A54D-4681-878C-2746A87DC6E5}" vid="{62E40539-E070-47D4-8381-3EBCC8F4FC45}"/>
+      <thm15:themeFamily xmlns:thm15="http://schemas.microsoft.com/office/thememl/2012/main" xmlns="" name="2018" id="{B0E980CD-A54D-4681-878C-2746A87DC6E5}" vid="{62E40539-E070-47D4-8381-3EBCC8F4FC45}"/>
     </a:ext>
   </a:extLst>
 </a:theme>
@@ -37354,7 +37464,7 @@
     </a:clrScheme>
     <a:fontScheme name="Office">
       <a:majorFont>
-        <a:latin typeface="Calibri Light" panose="020F0302020204030204"/>
+        <a:latin typeface="Calibri Light"/>
         <a:ea typeface=""/>
         <a:cs typeface=""/>
         <a:font script="Jpan" typeface="游ゴシック Light"/>
@@ -37406,7 +37516,7 @@
         <a:font script="Tfng" typeface="Ebrima"/>
       </a:majorFont>
       <a:minorFont>
-        <a:latin typeface="Calibri" panose="020F0502020204030204"/>
+        <a:latin typeface="Calibri"/>
         <a:ea typeface=""/>
         <a:cs typeface=""/>
         <a:font script="Jpan" typeface="游ゴシック"/>
@@ -37600,7 +37710,7 @@
   <a:extraClrSchemeLst/>
   <a:extLst>
     <a:ext uri="{05A4C25C-085E-4340-85A3-A5531E510DB2}">
-      <thm15:themeFamily xmlns:thm15="http://schemas.microsoft.com/office/thememl/2012/main" name="Office Theme" id="{62F939B6-93AF-4DB8-9C6B-D6C7DFDC589F}" vid="{4A3C46E8-61CC-4603-A589-7422A47A8E4A}"/>
+      <thm15:themeFamily xmlns:thm15="http://schemas.microsoft.com/office/thememl/2012/main" xmlns="" name="Office Theme" id="{62F939B6-93AF-4DB8-9C6B-D6C7DFDC589F}" vid="{4A3C46E8-61CC-4603-A589-7422A47A8E4A}"/>
     </a:ext>
   </a:extLst>
 </a:theme>
